--- a/Training Materials/Lecture/2. Implementing EF Core in Your Solution.pptx
+++ b/Training Materials/Lecture/2. Implementing EF Core in Your Solution.pptx
@@ -132,6 +132,56 @@
     </a:lvl9pPr>
   </p:defaultTextStyle>
   <p:extLst>
+    <p:ext uri="{521415D9-36F7-43E2-AB2F-B90AF26B5E84}">
+      <p14:sectionLst xmlns:p14="http://schemas.microsoft.com/office/powerpoint/2010/main">
+        <p14:section name="Default Section" id="{DDACB5DA-670A-43F1-8F85-A55BB693DA38}">
+          <p14:sldIdLst>
+            <p14:sldId id="256"/>
+            <p14:sldId id="257"/>
+          </p14:sldIdLst>
+        </p14:section>
+        <p14:section name="EF Core In Action" id="{953C5072-7167-4028-848A-E96A3FA645DC}">
+          <p14:sldIdLst>
+            <p14:sldId id="263"/>
+            <p14:sldId id="258"/>
+          </p14:sldIdLst>
+        </p14:section>
+        <p14:section name="Implementation Approaches" id="{27758139-4139-4064-A948-EA67C028A280}">
+          <p14:sldIdLst>
+            <p14:sldId id="264"/>
+            <p14:sldId id="259"/>
+            <p14:sldId id="271"/>
+            <p14:sldId id="260"/>
+            <p14:sldId id="267"/>
+          </p14:sldIdLst>
+        </p14:section>
+        <p14:section name="Managing Database Schemas" id="{8223AAE8-FC45-42F4-A106-B07B68077F4C}">
+          <p14:sldIdLst>
+            <p14:sldId id="262"/>
+          </p14:sldIdLst>
+        </p14:section>
+        <p14:section name="Relation Mapping" id="{11808AB9-0A27-4079-9A22-A10ACEE739AA}">
+          <p14:sldIdLst>
+            <p14:sldId id="261"/>
+            <p14:sldId id="265"/>
+            <p14:sldId id="266"/>
+            <p14:sldId id="268"/>
+            <p14:sldId id="269"/>
+          </p14:sldIdLst>
+        </p14:section>
+        <p14:section name="Data Annotation" id="{34DA95AE-ABF4-4B67-822D-8C01F40DDE9E}">
+          <p14:sldIdLst>
+            <p14:sldId id="270"/>
+            <p14:sldId id="272"/>
+            <p14:sldId id="273"/>
+            <p14:sldId id="274"/>
+            <p14:sldId id="275"/>
+            <p14:sldId id="276"/>
+            <p14:sldId id="277"/>
+          </p14:sldIdLst>
+        </p14:section>
+      </p14:sectionLst>
+    </p:ext>
     <p:ext uri="{EFAFB233-063F-42B5-8137-9DF3F51BA10A}">
       <p15:sldGuideLst xmlns:p15="http://schemas.microsoft.com/office/powerpoint/2012/main"/>
     </p:ext>
@@ -5481,7 +5531,23 @@
           <a:bodyPr/>
           <a:lstStyle/>
           <a:p>
-            <a:endParaRPr lang="en-SG"/>
+            <a:r>
+              <a:rPr lang="en-SG" dirty="0" smtClean="0"/>
+              <a:t>Conventions means</a:t>
+            </a:r>
+            <a:r>
+              <a:rPr lang="en-SG" baseline="0" dirty="0" smtClean="0"/>
+              <a:t> by creating the require properties, </a:t>
+            </a:r>
+            <a:r>
+              <a:rPr lang="en-SG" baseline="0" dirty="0" err="1" smtClean="0"/>
+              <a:t>ef</a:t>
+            </a:r>
+            <a:r>
+              <a:rPr lang="en-SG" baseline="0" dirty="0" smtClean="0"/>
+              <a:t> core will automatically identify and create the mapping relationship</a:t>
+            </a:r>
+            <a:endParaRPr lang="en-SG" dirty="0"/>
           </a:p>
         </p:txBody>
       </p:sp>
@@ -5901,6 +5967,28 @@
           <a:bodyPr/>
           <a:lstStyle/>
           <a:p>
+            <a:r>
+              <a:rPr lang="en-SG" dirty="0" smtClean="0"/>
+              <a:t>Enforcing</a:t>
+            </a:r>
+            <a:r>
+              <a:rPr lang="en-SG" baseline="0" dirty="0" smtClean="0"/>
+              <a:t> database constrains such as primary/foreign keys, null, varchar length </a:t>
+            </a:r>
+            <a:r>
+              <a:rPr lang="en-SG" baseline="0" dirty="0" err="1" smtClean="0"/>
+              <a:t>etc</a:t>
+            </a:r>
+            <a:endParaRPr lang="en-SG" baseline="0" dirty="0" smtClean="0"/>
+          </a:p>
+          <a:p>
+            <a:endParaRPr lang="en-SG" baseline="0" dirty="0" smtClean="0"/>
+          </a:p>
+          <a:p>
+            <a:r>
+              <a:rPr lang="en-SG" baseline="0" dirty="0" smtClean="0"/>
+              <a:t>All rules defined will be useful when creating form, validation is automated</a:t>
+            </a:r>
             <a:endParaRPr lang="en-SG" dirty="0"/>
           </a:p>
         </p:txBody>
@@ -6321,7 +6409,15 @@
           <a:bodyPr/>
           <a:lstStyle/>
           <a:p>
-            <a:endParaRPr lang="en-SG"/>
+            <a:r>
+              <a:rPr lang="en-SG" dirty="0" smtClean="0"/>
+              <a:t>Basically define all your</a:t>
+            </a:r>
+            <a:r>
+              <a:rPr lang="en-SG" baseline="0" dirty="0" smtClean="0"/>
+              <a:t> object classes</a:t>
+            </a:r>
+            <a:endParaRPr lang="en-SG" dirty="0"/>
           </a:p>
         </p:txBody>
       </p:sp>
@@ -6610,7 +6706,15 @@
           <a:bodyPr/>
           <a:lstStyle/>
           <a:p>
-            <a:endParaRPr lang="en-SG"/>
+            <a:r>
+              <a:rPr lang="en-SG" dirty="0" smtClean="0"/>
+              <a:t>Both will result in this</a:t>
+            </a:r>
+            <a:r>
+              <a:rPr lang="en-SG" baseline="0" dirty="0" smtClean="0"/>
+              <a:t> to advance your project</a:t>
+            </a:r>
+            <a:endParaRPr lang="en-SG" dirty="0"/>
           </a:p>
         </p:txBody>
       </p:sp>
@@ -9174,7 +9278,7 @@
         </p:nvSpPr>
         <p:spPr/>
         <p:txBody>
-          <a:bodyPr/>
+          <a:bodyPr anchor="ctr"/>
           <a:lstStyle/>
           <a:p>
             <a:r>
@@ -9187,6 +9291,7 @@
             </a:r>
           </a:p>
           <a:p>
+            <a:pPr lvl="1"/>
             <a:r>
               <a:rPr lang="en-SG" b="1" dirty="0"/>
               <a:t>Database </a:t>
@@ -9201,23 +9306,44 @@
             </a:r>
             <a:r>
               <a:rPr lang="en-SG" b="1" dirty="0" smtClean="0"/>
-              <a:t>Data model</a:t>
-            </a:r>
-            <a:endParaRPr lang="en-SG" b="1" dirty="0"/>
-          </a:p>
-          <a:p>
+              <a:t>Data </a:t>
+            </a:r>
+            <a:r>
+              <a:rPr lang="en-SG" b="1" dirty="0" smtClean="0"/>
+              <a:t>model</a:t>
+            </a:r>
             <a:endParaRPr lang="en-SG" dirty="0"/>
           </a:p>
           <a:p>
+            <a:pPr lvl="1"/>
             <a:r>
               <a:rPr lang="en-SG" dirty="0" smtClean="0"/>
-              <a:t>Simply run the command for code first or database first approach again.</a:t>
-            </a:r>
-          </a:p>
-          <a:p>
+              <a:t>Simply </a:t>
+            </a:r>
+            <a:r>
+              <a:rPr lang="en-SG" dirty="0" smtClean="0"/>
+              <a:t>go through the </a:t>
+            </a:r>
+            <a:r>
+              <a:rPr lang="en-SG" b="1" dirty="0" smtClean="0"/>
+              <a:t>steps for setting up database </a:t>
+            </a:r>
+            <a:r>
+              <a:rPr lang="en-SG" dirty="0" smtClean="0"/>
+              <a:t>schema </a:t>
+            </a:r>
+            <a:r>
+              <a:rPr lang="en-SG" dirty="0" smtClean="0"/>
+              <a:t>for code first or database first approach again</a:t>
+            </a:r>
+            <a:r>
+              <a:rPr lang="en-SG" dirty="0" smtClean="0"/>
+              <a:t>.</a:t>
+            </a:r>
             <a:endParaRPr lang="en-SG" dirty="0"/>
           </a:p>
           <a:p>
+            <a:pPr lvl="1"/>
             <a:r>
               <a:rPr lang="en-SG" dirty="0" smtClean="0"/>
               <a:t>The updated model/database will be generated accordingly.</a:t>
@@ -9248,264 +9374,279 @@
           </a:p>
         </p:txBody>
       </p:sp>
-      <p:sp>
-        <p:nvSpPr>
-          <p:cNvPr id="4" name="Rectangular Callout 3"/>
-          <p:cNvSpPr/>
-          <p:nvPr/>
-        </p:nvSpPr>
-        <p:spPr>
-          <a:xfrm>
-            <a:off x="1803400" y="4211553"/>
-            <a:ext cx="3073400" cy="1625600"/>
-          </a:xfrm>
-          <a:prstGeom prst="wedgeRectCallout">
-            <a:avLst>
-              <a:gd name="adj1" fmla="val -63929"/>
-              <a:gd name="adj2" fmla="val -39960"/>
-            </a:avLst>
-          </a:prstGeom>
-          <a:solidFill>
-            <a:schemeClr val="accent1">
-              <a:alpha val="50000"/>
-            </a:schemeClr>
-          </a:solidFill>
-          <a:ln>
-            <a:noFill/>
-          </a:ln>
-        </p:spPr>
-        <p:style>
-          <a:lnRef idx="0">
-            <a:scrgbClr r="0" g="0" b="0"/>
-          </a:lnRef>
-          <a:fillRef idx="0">
-            <a:scrgbClr r="0" g="0" b="0"/>
-          </a:fillRef>
-          <a:effectRef idx="0">
-            <a:scrgbClr r="0" g="0" b="0"/>
-          </a:effectRef>
-          <a:fontRef idx="minor">
-            <a:schemeClr val="lt1"/>
-          </a:fontRef>
-        </p:style>
-        <p:txBody>
-          <a:bodyPr rtlCol="0" anchor="ctr"/>
-          <a:lstStyle/>
-          <a:p>
-            <a:r>
-              <a:rPr lang="en-SG" sz="2000" b="1" dirty="0"/>
-              <a:t>What if I </a:t>
-            </a:r>
-            <a:r>
-              <a:rPr lang="en-SG" sz="2000" b="1" dirty="0">
-                <a:solidFill>
-                  <a:srgbClr val="C00000"/>
-                </a:solidFill>
-              </a:rPr>
-              <a:t>change</a:t>
-            </a:r>
-            <a:r>
-              <a:rPr lang="en-SG" sz="2000" b="1" dirty="0"/>
-              <a:t> the model or database </a:t>
-            </a:r>
-            <a:r>
-              <a:rPr lang="en-SG" sz="2000" b="1" dirty="0" smtClean="0"/>
-              <a:t>schema?</a:t>
-            </a:r>
-            <a:endParaRPr lang="en-SG" sz="2000" b="1" dirty="0"/>
-          </a:p>
-        </p:txBody>
-      </p:sp>
       <p:grpSp>
         <p:nvGrpSpPr>
-          <p:cNvPr id="6" name="Group 5"/>
+          <p:cNvPr id="3" name="Group 2"/>
           <p:cNvGrpSpPr/>
           <p:nvPr/>
         </p:nvGrpSpPr>
         <p:grpSpPr>
           <a:xfrm>
             <a:off x="1322572" y="1640803"/>
-            <a:ext cx="1628775" cy="2236232"/>
-            <a:chOff x="2837357" y="4081202"/>
-            <a:chExt cx="1628775" cy="2236232"/>
+            <a:ext cx="4044079" cy="4196350"/>
+            <a:chOff x="1322572" y="1640803"/>
+            <a:chExt cx="4044079" cy="4196350"/>
           </a:xfrm>
         </p:grpSpPr>
-        <p:pic>
-          <p:nvPicPr>
-            <p:cNvPr id="7" name="Picture 6"/>
-            <p:cNvPicPr>
-              <a:picLocks noChangeAspect="1"/>
-            </p:cNvPicPr>
-            <p:nvPr/>
-          </p:nvPicPr>
-          <p:blipFill>
-            <a:blip r:embed="rId3"/>
-            <a:stretch>
-              <a:fillRect/>
-            </a:stretch>
-          </p:blipFill>
-          <p:spPr>
-            <a:xfrm>
-              <a:off x="2837357" y="4081202"/>
-              <a:ext cx="1628775" cy="1866900"/>
-            </a:xfrm>
-            <a:prstGeom prst="rect">
-              <a:avLst/>
-            </a:prstGeom>
-          </p:spPr>
-        </p:pic>
         <p:sp>
           <p:nvSpPr>
-            <p:cNvPr id="8" name="TextBox 7"/>
-            <p:cNvSpPr txBox="1"/>
+            <p:cNvPr id="4" name="Rectangular Callout 3"/>
+            <p:cNvSpPr/>
             <p:nvPr/>
           </p:nvSpPr>
           <p:spPr>
             <a:xfrm>
-              <a:off x="2963895" y="5948102"/>
-              <a:ext cx="1449436" cy="369332"/>
+              <a:off x="1803400" y="4211553"/>
+              <a:ext cx="3073400" cy="1625600"/>
             </a:xfrm>
-            <a:prstGeom prst="rect">
-              <a:avLst/>
+            <a:prstGeom prst="wedgeRectCallout">
+              <a:avLst>
+                <a:gd name="adj1" fmla="val -63929"/>
+                <a:gd name="adj2" fmla="val -39960"/>
+              </a:avLst>
             </a:prstGeom>
-            <a:noFill/>
+            <a:solidFill>
+              <a:schemeClr val="accent1">
+                <a:alpha val="50000"/>
+              </a:schemeClr>
+            </a:solidFill>
+            <a:ln>
+              <a:noFill/>
+            </a:ln>
           </p:spPr>
+          <p:style>
+            <a:lnRef idx="0">
+              <a:scrgbClr r="0" g="0" b="0"/>
+            </a:lnRef>
+            <a:fillRef idx="0">
+              <a:scrgbClr r="0" g="0" b="0"/>
+            </a:fillRef>
+            <a:effectRef idx="0">
+              <a:scrgbClr r="0" g="0" b="0"/>
+            </a:effectRef>
+            <a:fontRef idx="minor">
+              <a:schemeClr val="lt1"/>
+            </a:fontRef>
+          </p:style>
           <p:txBody>
-            <a:bodyPr wrap="none" rtlCol="0">
-              <a:spAutoFit/>
-            </a:bodyPr>
+            <a:bodyPr rtlCol="0" anchor="ctr"/>
             <a:lstStyle/>
             <a:p>
               <a:r>
-                <a:rPr lang="en-SG" b="1" dirty="0" smtClean="0"/>
-                <a:t>Data</a:t>
+                <a:rPr lang="en-SG" sz="2000" b="1" dirty="0"/>
+                <a:t>What if I </a:t>
               </a:r>
               <a:r>
-                <a:rPr lang="en-SG" dirty="0" smtClean="0"/>
-                <a:t> </a:t>
+                <a:rPr lang="en-SG" sz="2000" b="1" dirty="0">
+                  <a:solidFill>
+                    <a:srgbClr val="C00000"/>
+                  </a:solidFill>
+                </a:rPr>
+                <a:t>change</a:t>
               </a:r>
               <a:r>
-                <a:rPr lang="en-SG" b="1" dirty="0" smtClean="0"/>
-                <a:t>Model</a:t>
+                <a:rPr lang="en-SG" sz="2000" b="1" dirty="0"/>
+                <a:t> the model or database </a:t>
               </a:r>
-              <a:endParaRPr lang="en-SG" b="1" dirty="0"/>
+              <a:r>
+                <a:rPr lang="en-SG" sz="2000" b="1" dirty="0" smtClean="0"/>
+                <a:t>schema?</a:t>
+              </a:r>
+              <a:endParaRPr lang="en-SG" sz="2000" b="1" dirty="0"/>
+            </a:p>
+          </p:txBody>
+        </p:sp>
+        <p:grpSp>
+          <p:nvGrpSpPr>
+            <p:cNvPr id="6" name="Group 5"/>
+            <p:cNvGrpSpPr/>
+            <p:nvPr/>
+          </p:nvGrpSpPr>
+          <p:grpSpPr>
+            <a:xfrm>
+              <a:off x="1322572" y="1640803"/>
+              <a:ext cx="1628775" cy="2236232"/>
+              <a:chOff x="2837357" y="4081202"/>
+              <a:chExt cx="1628775" cy="2236232"/>
+            </a:xfrm>
+          </p:grpSpPr>
+          <p:pic>
+            <p:nvPicPr>
+              <p:cNvPr id="7" name="Picture 6"/>
+              <p:cNvPicPr>
+                <a:picLocks noChangeAspect="1"/>
+              </p:cNvPicPr>
+              <p:nvPr/>
+            </p:nvPicPr>
+            <p:blipFill>
+              <a:blip r:embed="rId3"/>
+              <a:stretch>
+                <a:fillRect/>
+              </a:stretch>
+            </p:blipFill>
+            <p:spPr>
+              <a:xfrm>
+                <a:off x="2837357" y="4081202"/>
+                <a:ext cx="1628775" cy="1866900"/>
+              </a:xfrm>
+              <a:prstGeom prst="rect">
+                <a:avLst/>
+              </a:prstGeom>
+            </p:spPr>
+          </p:pic>
+          <p:sp>
+            <p:nvSpPr>
+              <p:cNvPr id="8" name="TextBox 7"/>
+              <p:cNvSpPr txBox="1"/>
+              <p:nvPr/>
+            </p:nvSpPr>
+            <p:spPr>
+              <a:xfrm>
+                <a:off x="2963895" y="5948102"/>
+                <a:ext cx="1449436" cy="369332"/>
+              </a:xfrm>
+              <a:prstGeom prst="rect">
+                <a:avLst/>
+              </a:prstGeom>
+              <a:noFill/>
+            </p:spPr>
+            <p:txBody>
+              <a:bodyPr wrap="none" rtlCol="0">
+                <a:spAutoFit/>
+              </a:bodyPr>
+              <a:lstStyle/>
+              <a:p>
+                <a:r>
+                  <a:rPr lang="en-SG" b="1" dirty="0" smtClean="0"/>
+                  <a:t>Data</a:t>
+                </a:r>
+                <a:r>
+                  <a:rPr lang="en-SG" dirty="0" smtClean="0"/>
+                  <a:t> </a:t>
+                </a:r>
+                <a:r>
+                  <a:rPr lang="en-SG" b="1" dirty="0" smtClean="0"/>
+                  <a:t>Model</a:t>
+                </a:r>
+                <a:endParaRPr lang="en-SG" b="1" dirty="0"/>
+              </a:p>
+            </p:txBody>
+          </p:sp>
+        </p:grpSp>
+        <p:grpSp>
+          <p:nvGrpSpPr>
+            <p:cNvPr id="9" name="Group 8"/>
+            <p:cNvGrpSpPr/>
+            <p:nvPr/>
+          </p:nvGrpSpPr>
+          <p:grpSpPr>
+            <a:xfrm>
+              <a:off x="3804551" y="1640803"/>
+              <a:ext cx="1562100" cy="2207657"/>
+              <a:chOff x="8484095" y="4006720"/>
+              <a:chExt cx="1562100" cy="2207657"/>
+            </a:xfrm>
+          </p:grpSpPr>
+          <p:pic>
+            <p:nvPicPr>
+              <p:cNvPr id="10" name="Picture 9"/>
+              <p:cNvPicPr>
+                <a:picLocks noChangeAspect="1"/>
+              </p:cNvPicPr>
+              <p:nvPr/>
+            </p:nvPicPr>
+            <p:blipFill>
+              <a:blip r:embed="rId4"/>
+              <a:stretch>
+                <a:fillRect/>
+              </a:stretch>
+            </p:blipFill>
+            <p:spPr>
+              <a:xfrm>
+                <a:off x="8484095" y="4006720"/>
+                <a:ext cx="1562100" cy="1838325"/>
+              </a:xfrm>
+              <a:prstGeom prst="rect">
+                <a:avLst/>
+              </a:prstGeom>
+            </p:spPr>
+          </p:pic>
+          <p:sp>
+            <p:nvSpPr>
+              <p:cNvPr id="11" name="TextBox 10"/>
+              <p:cNvSpPr txBox="1"/>
+              <p:nvPr/>
+            </p:nvSpPr>
+            <p:spPr>
+              <a:xfrm>
+                <a:off x="8701433" y="5845045"/>
+                <a:ext cx="1181093" cy="369332"/>
+              </a:xfrm>
+              <a:prstGeom prst="rect">
+                <a:avLst/>
+              </a:prstGeom>
+              <a:noFill/>
+            </p:spPr>
+            <p:txBody>
+              <a:bodyPr wrap="none" rtlCol="0">
+                <a:spAutoFit/>
+              </a:bodyPr>
+              <a:lstStyle/>
+              <a:p>
+                <a:r>
+                  <a:rPr lang="en-SG" b="1" dirty="0" smtClean="0"/>
+                  <a:t>Database</a:t>
+                </a:r>
+                <a:endParaRPr lang="en-SG" b="1" dirty="0"/>
+              </a:p>
+            </p:txBody>
+          </p:sp>
+        </p:grpSp>
+        <p:sp>
+          <p:nvSpPr>
+            <p:cNvPr id="13" name="Not Equal 12"/>
+            <p:cNvSpPr/>
+            <p:nvPr/>
+          </p:nvSpPr>
+          <p:spPr>
+            <a:xfrm>
+              <a:off x="2953283" y="2219560"/>
+              <a:ext cx="773634" cy="709386"/>
+            </a:xfrm>
+            <a:prstGeom prst="mathNotEqual">
+              <a:avLst/>
+            </a:prstGeom>
+          </p:spPr>
+          <p:style>
+            <a:lnRef idx="2">
+              <a:schemeClr val="accent1">
+                <a:shade val="50000"/>
+              </a:schemeClr>
+            </a:lnRef>
+            <a:fillRef idx="1">
+              <a:schemeClr val="accent1"/>
+            </a:fillRef>
+            <a:effectRef idx="0">
+              <a:schemeClr val="accent1"/>
+            </a:effectRef>
+            <a:fontRef idx="minor">
+              <a:schemeClr val="lt1"/>
+            </a:fontRef>
+          </p:style>
+          <p:txBody>
+            <a:bodyPr rtlCol="0" anchor="ctr"/>
+            <a:lstStyle/>
+            <a:p>
+              <a:pPr algn="ctr"/>
+              <a:endParaRPr lang="en-SG">
+                <a:solidFill>
+                  <a:schemeClr val="tx1"/>
+                </a:solidFill>
+              </a:endParaRPr>
             </a:p>
           </p:txBody>
         </p:sp>
       </p:grpSp>
-      <p:grpSp>
-        <p:nvGrpSpPr>
-          <p:cNvPr id="9" name="Group 8"/>
-          <p:cNvGrpSpPr/>
-          <p:nvPr/>
-        </p:nvGrpSpPr>
-        <p:grpSpPr>
-          <a:xfrm>
-            <a:off x="3804551" y="1640803"/>
-            <a:ext cx="1562100" cy="2207657"/>
-            <a:chOff x="8484095" y="4006720"/>
-            <a:chExt cx="1562100" cy="2207657"/>
-          </a:xfrm>
-        </p:grpSpPr>
-        <p:pic>
-          <p:nvPicPr>
-            <p:cNvPr id="10" name="Picture 9"/>
-            <p:cNvPicPr>
-              <a:picLocks noChangeAspect="1"/>
-            </p:cNvPicPr>
-            <p:nvPr/>
-          </p:nvPicPr>
-          <p:blipFill>
-            <a:blip r:embed="rId4"/>
-            <a:stretch>
-              <a:fillRect/>
-            </a:stretch>
-          </p:blipFill>
-          <p:spPr>
-            <a:xfrm>
-              <a:off x="8484095" y="4006720"/>
-              <a:ext cx="1562100" cy="1838325"/>
-            </a:xfrm>
-            <a:prstGeom prst="rect">
-              <a:avLst/>
-            </a:prstGeom>
-          </p:spPr>
-        </p:pic>
-        <p:sp>
-          <p:nvSpPr>
-            <p:cNvPr id="11" name="TextBox 10"/>
-            <p:cNvSpPr txBox="1"/>
-            <p:nvPr/>
-          </p:nvSpPr>
-          <p:spPr>
-            <a:xfrm>
-              <a:off x="8701433" y="5845045"/>
-              <a:ext cx="1181093" cy="369332"/>
-            </a:xfrm>
-            <a:prstGeom prst="rect">
-              <a:avLst/>
-            </a:prstGeom>
-            <a:noFill/>
-          </p:spPr>
-          <p:txBody>
-            <a:bodyPr wrap="none" rtlCol="0">
-              <a:spAutoFit/>
-            </a:bodyPr>
-            <a:lstStyle/>
-            <a:p>
-              <a:r>
-                <a:rPr lang="en-SG" b="1" dirty="0" smtClean="0"/>
-                <a:t>Database</a:t>
-              </a:r>
-              <a:endParaRPr lang="en-SG" b="1" dirty="0"/>
-            </a:p>
-          </p:txBody>
-        </p:sp>
-      </p:grpSp>
-      <p:sp>
-        <p:nvSpPr>
-          <p:cNvPr id="13" name="Not Equal 12"/>
-          <p:cNvSpPr/>
-          <p:nvPr/>
-        </p:nvSpPr>
-        <p:spPr>
-          <a:xfrm>
-            <a:off x="2953283" y="2219560"/>
-            <a:ext cx="773634" cy="709386"/>
-          </a:xfrm>
-          <a:prstGeom prst="mathNotEqual">
-            <a:avLst/>
-          </a:prstGeom>
-        </p:spPr>
-        <p:style>
-          <a:lnRef idx="2">
-            <a:schemeClr val="accent1">
-              <a:shade val="50000"/>
-            </a:schemeClr>
-          </a:lnRef>
-          <a:fillRef idx="1">
-            <a:schemeClr val="accent1"/>
-          </a:fillRef>
-          <a:effectRef idx="0">
-            <a:schemeClr val="accent1"/>
-          </a:effectRef>
-          <a:fontRef idx="minor">
-            <a:schemeClr val="lt1"/>
-          </a:fontRef>
-        </p:style>
-        <p:txBody>
-          <a:bodyPr rtlCol="0" anchor="ctr"/>
-          <a:lstStyle/>
-          <a:p>
-            <a:pPr algn="ctr"/>
-            <a:endParaRPr lang="en-SG">
-              <a:solidFill>
-                <a:schemeClr val="tx1"/>
-              </a:solidFill>
-            </a:endParaRPr>
-          </a:p>
-        </p:txBody>
-      </p:sp>
     </p:spTree>
     <p:extLst>
       <p:ext uri="{BB962C8B-B14F-4D97-AF65-F5344CB8AC3E}">
@@ -9519,9 +9660,276 @@
   <p:timing>
     <p:tnLst>
       <p:par>
-        <p:cTn id="1" dur="indefinite" restart="never" nodeType="tmRoot"/>
+        <p:cTn id="1" dur="indefinite" restart="never" nodeType="tmRoot">
+          <p:childTnLst>
+            <p:seq concurrent="1" nextAc="seek">
+              <p:cTn id="2" dur="indefinite" nodeType="mainSeq">
+                <p:childTnLst>
+                  <p:par>
+                    <p:cTn id="3" fill="hold">
+                      <p:stCondLst>
+                        <p:cond delay="indefinite"/>
+                      </p:stCondLst>
+                      <p:childTnLst>
+                        <p:par>
+                          <p:cTn id="4" fill="hold">
+                            <p:stCondLst>
+                              <p:cond delay="0"/>
+                            </p:stCondLst>
+                            <p:childTnLst>
+                              <p:par>
+                                <p:cTn id="5" presetID="1" presetClass="entr" presetSubtype="0" fill="hold" nodeType="clickEffect">
+                                  <p:stCondLst>
+                                    <p:cond delay="0"/>
+                                  </p:stCondLst>
+                                  <p:childTnLst>
+                                    <p:set>
+                                      <p:cBhvr>
+                                        <p:cTn id="6" dur="1" fill="hold">
+                                          <p:stCondLst>
+                                            <p:cond delay="0"/>
+                                          </p:stCondLst>
+                                        </p:cTn>
+                                        <p:tgtEl>
+                                          <p:spTgt spid="3"/>
+                                        </p:tgtEl>
+                                        <p:attrNameLst>
+                                          <p:attrName>style.visibility</p:attrName>
+                                        </p:attrNameLst>
+                                      </p:cBhvr>
+                                      <p:to>
+                                        <p:strVal val="visible"/>
+                                      </p:to>
+                                    </p:set>
+                                  </p:childTnLst>
+                                </p:cTn>
+                              </p:par>
+                            </p:childTnLst>
+                          </p:cTn>
+                        </p:par>
+                      </p:childTnLst>
+                    </p:cTn>
+                  </p:par>
+                  <p:par>
+                    <p:cTn id="7" fill="hold">
+                      <p:stCondLst>
+                        <p:cond delay="indefinite"/>
+                      </p:stCondLst>
+                      <p:childTnLst>
+                        <p:par>
+                          <p:cTn id="8" fill="hold">
+                            <p:stCondLst>
+                              <p:cond delay="0"/>
+                            </p:stCondLst>
+                            <p:childTnLst>
+                              <p:par>
+                                <p:cTn id="9" presetID="1" presetClass="entr" presetSubtype="0" fill="hold" grpId="0" nodeType="clickEffect">
+                                  <p:stCondLst>
+                                    <p:cond delay="0"/>
+                                  </p:stCondLst>
+                                  <p:childTnLst>
+                                    <p:set>
+                                      <p:cBhvr>
+                                        <p:cTn id="10" dur="1" fill="hold">
+                                          <p:stCondLst>
+                                            <p:cond delay="0"/>
+                                          </p:stCondLst>
+                                        </p:cTn>
+                                        <p:tgtEl>
+                                          <p:spTgt spid="12">
+                                            <p:txEl>
+                                              <p:pRg st="0" end="0"/>
+                                            </p:txEl>
+                                          </p:spTgt>
+                                        </p:tgtEl>
+                                        <p:attrNameLst>
+                                          <p:attrName>style.visibility</p:attrName>
+                                        </p:attrNameLst>
+                                      </p:cBhvr>
+                                      <p:to>
+                                        <p:strVal val="visible"/>
+                                      </p:to>
+                                    </p:set>
+                                  </p:childTnLst>
+                                </p:cTn>
+                              </p:par>
+                            </p:childTnLst>
+                          </p:cTn>
+                        </p:par>
+                      </p:childTnLst>
+                    </p:cTn>
+                  </p:par>
+                  <p:par>
+                    <p:cTn id="11" fill="hold">
+                      <p:stCondLst>
+                        <p:cond delay="indefinite"/>
+                      </p:stCondLst>
+                      <p:childTnLst>
+                        <p:par>
+                          <p:cTn id="12" fill="hold">
+                            <p:stCondLst>
+                              <p:cond delay="0"/>
+                            </p:stCondLst>
+                            <p:childTnLst>
+                              <p:par>
+                                <p:cTn id="13" presetID="1" presetClass="entr" presetSubtype="0" fill="hold" grpId="0" nodeType="clickEffect">
+                                  <p:stCondLst>
+                                    <p:cond delay="0"/>
+                                  </p:stCondLst>
+                                  <p:childTnLst>
+                                    <p:set>
+                                      <p:cBhvr>
+                                        <p:cTn id="14" dur="1" fill="hold">
+                                          <p:stCondLst>
+                                            <p:cond delay="0"/>
+                                          </p:stCondLst>
+                                        </p:cTn>
+                                        <p:tgtEl>
+                                          <p:spTgt spid="12">
+                                            <p:txEl>
+                                              <p:pRg st="1" end="1"/>
+                                            </p:txEl>
+                                          </p:spTgt>
+                                        </p:tgtEl>
+                                        <p:attrNameLst>
+                                          <p:attrName>style.visibility</p:attrName>
+                                        </p:attrNameLst>
+                                      </p:cBhvr>
+                                      <p:to>
+                                        <p:strVal val="visible"/>
+                                      </p:to>
+                                    </p:set>
+                                  </p:childTnLst>
+                                </p:cTn>
+                              </p:par>
+                            </p:childTnLst>
+                          </p:cTn>
+                        </p:par>
+                      </p:childTnLst>
+                    </p:cTn>
+                  </p:par>
+                  <p:par>
+                    <p:cTn id="15" fill="hold">
+                      <p:stCondLst>
+                        <p:cond delay="indefinite"/>
+                      </p:stCondLst>
+                      <p:childTnLst>
+                        <p:par>
+                          <p:cTn id="16" fill="hold">
+                            <p:stCondLst>
+                              <p:cond delay="0"/>
+                            </p:stCondLst>
+                            <p:childTnLst>
+                              <p:par>
+                                <p:cTn id="17" presetID="1" presetClass="entr" presetSubtype="0" fill="hold" grpId="0" nodeType="clickEffect">
+                                  <p:stCondLst>
+                                    <p:cond delay="0"/>
+                                  </p:stCondLst>
+                                  <p:childTnLst>
+                                    <p:set>
+                                      <p:cBhvr>
+                                        <p:cTn id="18" dur="1" fill="hold">
+                                          <p:stCondLst>
+                                            <p:cond delay="0"/>
+                                          </p:stCondLst>
+                                        </p:cTn>
+                                        <p:tgtEl>
+                                          <p:spTgt spid="12">
+                                            <p:txEl>
+                                              <p:pRg st="2" end="2"/>
+                                            </p:txEl>
+                                          </p:spTgt>
+                                        </p:tgtEl>
+                                        <p:attrNameLst>
+                                          <p:attrName>style.visibility</p:attrName>
+                                        </p:attrNameLst>
+                                      </p:cBhvr>
+                                      <p:to>
+                                        <p:strVal val="visible"/>
+                                      </p:to>
+                                    </p:set>
+                                  </p:childTnLst>
+                                </p:cTn>
+                              </p:par>
+                            </p:childTnLst>
+                          </p:cTn>
+                        </p:par>
+                      </p:childTnLst>
+                    </p:cTn>
+                  </p:par>
+                  <p:par>
+                    <p:cTn id="19" fill="hold">
+                      <p:stCondLst>
+                        <p:cond delay="indefinite"/>
+                      </p:stCondLst>
+                      <p:childTnLst>
+                        <p:par>
+                          <p:cTn id="20" fill="hold">
+                            <p:stCondLst>
+                              <p:cond delay="0"/>
+                            </p:stCondLst>
+                            <p:childTnLst>
+                              <p:par>
+                                <p:cTn id="21" presetID="1" presetClass="entr" presetSubtype="0" fill="hold" grpId="0" nodeType="clickEffect">
+                                  <p:stCondLst>
+                                    <p:cond delay="0"/>
+                                  </p:stCondLst>
+                                  <p:childTnLst>
+                                    <p:set>
+                                      <p:cBhvr>
+                                        <p:cTn id="22" dur="1" fill="hold">
+                                          <p:stCondLst>
+                                            <p:cond delay="0"/>
+                                          </p:stCondLst>
+                                        </p:cTn>
+                                        <p:tgtEl>
+                                          <p:spTgt spid="12">
+                                            <p:txEl>
+                                              <p:pRg st="3" end="3"/>
+                                            </p:txEl>
+                                          </p:spTgt>
+                                        </p:tgtEl>
+                                        <p:attrNameLst>
+                                          <p:attrName>style.visibility</p:attrName>
+                                        </p:attrNameLst>
+                                      </p:cBhvr>
+                                      <p:to>
+                                        <p:strVal val="visible"/>
+                                      </p:to>
+                                    </p:set>
+                                  </p:childTnLst>
+                                </p:cTn>
+                              </p:par>
+                            </p:childTnLst>
+                          </p:cTn>
+                        </p:par>
+                      </p:childTnLst>
+                    </p:cTn>
+                  </p:par>
+                </p:childTnLst>
+              </p:cTn>
+              <p:prevCondLst>
+                <p:cond evt="onPrev" delay="0">
+                  <p:tgtEl>
+                    <p:sldTgt/>
+                  </p:tgtEl>
+                </p:cond>
+              </p:prevCondLst>
+              <p:nextCondLst>
+                <p:cond evt="onNext" delay="0">
+                  <p:tgtEl>
+                    <p:sldTgt/>
+                  </p:tgtEl>
+                </p:cond>
+              </p:nextCondLst>
+            </p:seq>
+          </p:childTnLst>
+        </p:cTn>
       </p:par>
     </p:tnLst>
+    <p:bldLst>
+      <p:bldP spid="12" grpId="0" uiExpand="1" build="p"/>
+    </p:bldLst>
   </p:timing>
 </p:sld>
 </file>
@@ -9622,22 +10030,22 @@
           <a:p>
             <a:pPr lvl="1"/>
             <a:r>
-              <a:rPr lang="en-SG" dirty="0" smtClean="0"/>
+              <a:rPr lang="en-SG" b="1" dirty="0" smtClean="0"/>
               <a:t>Define in data model </a:t>
             </a:r>
             <a:r>
-              <a:rPr lang="en-SG" dirty="0" smtClean="0"/>
+              <a:rPr lang="en-SG" b="1" dirty="0" smtClean="0"/>
               <a:t>(</a:t>
             </a:r>
             <a:r>
-              <a:rPr lang="en-SG" dirty="0" err="1" smtClean="0"/>
+              <a:rPr lang="en-SG" b="1" dirty="0" err="1" smtClean="0"/>
               <a:t>a.k.a</a:t>
             </a:r>
             <a:r>
-              <a:rPr lang="en-SG" dirty="0" smtClean="0"/>
+              <a:rPr lang="en-SG" b="1" dirty="0" smtClean="0"/>
               <a:t> conventions)</a:t>
             </a:r>
-            <a:endParaRPr lang="en-SG" dirty="0" smtClean="0"/>
+            <a:endParaRPr lang="en-SG" b="1" dirty="0" smtClean="0"/>
           </a:p>
           <a:p>
             <a:pPr lvl="1"/>
@@ -9715,7 +10123,283 @@
   <p:timing>
     <p:tnLst>
       <p:par>
-        <p:cTn id="1" dur="indefinite" restart="never" nodeType="tmRoot"/>
+        <p:cTn id="1" dur="indefinite" restart="never" nodeType="tmRoot">
+          <p:childTnLst>
+            <p:seq concurrent="1" nextAc="seek">
+              <p:cTn id="2" dur="indefinite" nodeType="mainSeq">
+                <p:childTnLst>
+                  <p:par>
+                    <p:cTn id="3" fill="hold">
+                      <p:stCondLst>
+                        <p:cond delay="indefinite"/>
+                      </p:stCondLst>
+                      <p:childTnLst>
+                        <p:par>
+                          <p:cTn id="4" fill="hold">
+                            <p:stCondLst>
+                              <p:cond delay="0"/>
+                            </p:stCondLst>
+                            <p:childTnLst>
+                              <p:par>
+                                <p:cTn id="5" presetID="1" presetClass="entr" presetSubtype="0" fill="hold" nodeType="clickEffect">
+                                  <p:stCondLst>
+                                    <p:cond delay="0"/>
+                                  </p:stCondLst>
+                                  <p:childTnLst>
+                                    <p:set>
+                                      <p:cBhvr>
+                                        <p:cTn id="6" dur="1" fill="hold">
+                                          <p:stCondLst>
+                                            <p:cond delay="0"/>
+                                          </p:stCondLst>
+                                        </p:cTn>
+                                        <p:tgtEl>
+                                          <p:spTgt spid="5">
+                                            <p:txEl>
+                                              <p:pRg st="0" end="0"/>
+                                            </p:txEl>
+                                          </p:spTgt>
+                                        </p:tgtEl>
+                                        <p:attrNameLst>
+                                          <p:attrName>style.visibility</p:attrName>
+                                        </p:attrNameLst>
+                                      </p:cBhvr>
+                                      <p:to>
+                                        <p:strVal val="visible"/>
+                                      </p:to>
+                                    </p:set>
+                                  </p:childTnLst>
+                                </p:cTn>
+                              </p:par>
+                              <p:par>
+                                <p:cTn id="7" presetID="1" presetClass="entr" presetSubtype="0" fill="hold" nodeType="withEffect">
+                                  <p:stCondLst>
+                                    <p:cond delay="0"/>
+                                  </p:stCondLst>
+                                  <p:childTnLst>
+                                    <p:set>
+                                      <p:cBhvr>
+                                        <p:cTn id="8" dur="1" fill="hold">
+                                          <p:stCondLst>
+                                            <p:cond delay="0"/>
+                                          </p:stCondLst>
+                                        </p:cTn>
+                                        <p:tgtEl>
+                                          <p:spTgt spid="5">
+                                            <p:txEl>
+                                              <p:pRg st="1" end="1"/>
+                                            </p:txEl>
+                                          </p:spTgt>
+                                        </p:tgtEl>
+                                        <p:attrNameLst>
+                                          <p:attrName>style.visibility</p:attrName>
+                                        </p:attrNameLst>
+                                      </p:cBhvr>
+                                      <p:to>
+                                        <p:strVal val="visible"/>
+                                      </p:to>
+                                    </p:set>
+                                  </p:childTnLst>
+                                </p:cTn>
+                              </p:par>
+                              <p:par>
+                                <p:cTn id="9" presetID="1" presetClass="entr" presetSubtype="0" fill="hold" nodeType="withEffect">
+                                  <p:stCondLst>
+                                    <p:cond delay="0"/>
+                                  </p:stCondLst>
+                                  <p:childTnLst>
+                                    <p:set>
+                                      <p:cBhvr>
+                                        <p:cTn id="10" dur="1" fill="hold">
+                                          <p:stCondLst>
+                                            <p:cond delay="0"/>
+                                          </p:stCondLst>
+                                        </p:cTn>
+                                        <p:tgtEl>
+                                          <p:spTgt spid="5">
+                                            <p:txEl>
+                                              <p:pRg st="2" end="2"/>
+                                            </p:txEl>
+                                          </p:spTgt>
+                                        </p:tgtEl>
+                                        <p:attrNameLst>
+                                          <p:attrName>style.visibility</p:attrName>
+                                        </p:attrNameLst>
+                                      </p:cBhvr>
+                                      <p:to>
+                                        <p:strVal val="visible"/>
+                                      </p:to>
+                                    </p:set>
+                                  </p:childTnLst>
+                                </p:cTn>
+                              </p:par>
+                              <p:par>
+                                <p:cTn id="11" presetID="1" presetClass="entr" presetSubtype="0" fill="hold" nodeType="withEffect">
+                                  <p:stCondLst>
+                                    <p:cond delay="0"/>
+                                  </p:stCondLst>
+                                  <p:childTnLst>
+                                    <p:set>
+                                      <p:cBhvr>
+                                        <p:cTn id="12" dur="1" fill="hold">
+                                          <p:stCondLst>
+                                            <p:cond delay="0"/>
+                                          </p:stCondLst>
+                                        </p:cTn>
+                                        <p:tgtEl>
+                                          <p:spTgt spid="5">
+                                            <p:txEl>
+                                              <p:pRg st="3" end="3"/>
+                                            </p:txEl>
+                                          </p:spTgt>
+                                        </p:tgtEl>
+                                        <p:attrNameLst>
+                                          <p:attrName>style.visibility</p:attrName>
+                                        </p:attrNameLst>
+                                      </p:cBhvr>
+                                      <p:to>
+                                        <p:strVal val="visible"/>
+                                      </p:to>
+                                    </p:set>
+                                  </p:childTnLst>
+                                </p:cTn>
+                              </p:par>
+                            </p:childTnLst>
+                          </p:cTn>
+                        </p:par>
+                      </p:childTnLst>
+                    </p:cTn>
+                  </p:par>
+                  <p:par>
+                    <p:cTn id="13" fill="hold">
+                      <p:stCondLst>
+                        <p:cond delay="indefinite"/>
+                      </p:stCondLst>
+                      <p:childTnLst>
+                        <p:par>
+                          <p:cTn id="14" fill="hold">
+                            <p:stCondLst>
+                              <p:cond delay="0"/>
+                            </p:stCondLst>
+                            <p:childTnLst>
+                              <p:par>
+                                <p:cTn id="15" presetID="1" presetClass="entr" presetSubtype="0" fill="hold" nodeType="clickEffect">
+                                  <p:stCondLst>
+                                    <p:cond delay="0"/>
+                                  </p:stCondLst>
+                                  <p:childTnLst>
+                                    <p:set>
+                                      <p:cBhvr>
+                                        <p:cTn id="16" dur="1" fill="hold">
+                                          <p:stCondLst>
+                                            <p:cond delay="0"/>
+                                          </p:stCondLst>
+                                        </p:cTn>
+                                        <p:tgtEl>
+                                          <p:spTgt spid="5">
+                                            <p:txEl>
+                                              <p:pRg st="4" end="4"/>
+                                            </p:txEl>
+                                          </p:spTgt>
+                                        </p:tgtEl>
+                                        <p:attrNameLst>
+                                          <p:attrName>style.visibility</p:attrName>
+                                        </p:attrNameLst>
+                                      </p:cBhvr>
+                                      <p:to>
+                                        <p:strVal val="visible"/>
+                                      </p:to>
+                                    </p:set>
+                                  </p:childTnLst>
+                                </p:cTn>
+                              </p:par>
+                              <p:par>
+                                <p:cTn id="17" presetID="1" presetClass="entr" presetSubtype="0" fill="hold" nodeType="withEffect">
+                                  <p:stCondLst>
+                                    <p:cond delay="0"/>
+                                  </p:stCondLst>
+                                  <p:childTnLst>
+                                    <p:set>
+                                      <p:cBhvr>
+                                        <p:cTn id="18" dur="1" fill="hold">
+                                          <p:stCondLst>
+                                            <p:cond delay="0"/>
+                                          </p:stCondLst>
+                                        </p:cTn>
+                                        <p:tgtEl>
+                                          <p:spTgt spid="5">
+                                            <p:txEl>
+                                              <p:pRg st="5" end="5"/>
+                                            </p:txEl>
+                                          </p:spTgt>
+                                        </p:tgtEl>
+                                        <p:attrNameLst>
+                                          <p:attrName>style.visibility</p:attrName>
+                                        </p:attrNameLst>
+                                      </p:cBhvr>
+                                      <p:to>
+                                        <p:strVal val="visible"/>
+                                      </p:to>
+                                    </p:set>
+                                  </p:childTnLst>
+                                </p:cTn>
+                              </p:par>
+                              <p:par>
+                                <p:cTn id="19" presetID="1" presetClass="entr" presetSubtype="0" fill="hold" nodeType="withEffect">
+                                  <p:stCondLst>
+                                    <p:cond delay="0"/>
+                                  </p:stCondLst>
+                                  <p:childTnLst>
+                                    <p:set>
+                                      <p:cBhvr>
+                                        <p:cTn id="20" dur="1" fill="hold">
+                                          <p:stCondLst>
+                                            <p:cond delay="0"/>
+                                          </p:stCondLst>
+                                        </p:cTn>
+                                        <p:tgtEl>
+                                          <p:spTgt spid="5">
+                                            <p:txEl>
+                                              <p:pRg st="6" end="6"/>
+                                            </p:txEl>
+                                          </p:spTgt>
+                                        </p:tgtEl>
+                                        <p:attrNameLst>
+                                          <p:attrName>style.visibility</p:attrName>
+                                        </p:attrNameLst>
+                                      </p:cBhvr>
+                                      <p:to>
+                                        <p:strVal val="visible"/>
+                                      </p:to>
+                                    </p:set>
+                                  </p:childTnLst>
+                                </p:cTn>
+                              </p:par>
+                            </p:childTnLst>
+                          </p:cTn>
+                        </p:par>
+                      </p:childTnLst>
+                    </p:cTn>
+                  </p:par>
+                </p:childTnLst>
+              </p:cTn>
+              <p:prevCondLst>
+                <p:cond evt="onPrev" delay="0">
+                  <p:tgtEl>
+                    <p:sldTgt/>
+                  </p:tgtEl>
+                </p:cond>
+              </p:prevCondLst>
+              <p:nextCondLst>
+                <p:cond evt="onNext" delay="0">
+                  <p:tgtEl>
+                    <p:sldTgt/>
+                  </p:tgtEl>
+                </p:cond>
+              </p:nextCondLst>
+            </p:seq>
+          </p:childTnLst>
+        </p:cTn>
       </p:par>
     </p:tnLst>
   </p:timing>
@@ -9756,7 +10440,11 @@
           <a:p>
             <a:r>
               <a:rPr lang="en-SG" dirty="0" smtClean="0"/>
-              <a:t>One to One Relationship</a:t>
+              <a:t>Conventions: One </a:t>
+            </a:r>
+            <a:r>
+              <a:rPr lang="en-SG" dirty="0" smtClean="0"/>
+              <a:t>to One Relationship</a:t>
             </a:r>
             <a:endParaRPr lang="en-SG" dirty="0"/>
           </a:p>
@@ -9783,14 +10471,42 @@
           <a:lstStyle/>
           <a:p>
             <a:r>
+              <a:rPr lang="en-US" b="1" dirty="0" smtClean="0"/>
+              <a:t>One to one</a:t>
+            </a:r>
+            <a:r>
               <a:rPr lang="en-US" dirty="0" smtClean="0"/>
-              <a:t>One to one relationship of student address entity. </a:t>
+              <a:t> relationship of </a:t>
+            </a:r>
+            <a:r>
+              <a:rPr lang="en-US" b="1" dirty="0" smtClean="0"/>
+              <a:t>student address </a:t>
+            </a:r>
+            <a:r>
+              <a:rPr lang="en-US" dirty="0" smtClean="0"/>
+              <a:t>entity. </a:t>
             </a:r>
           </a:p>
           <a:p>
             <a:r>
               <a:rPr lang="en-US" dirty="0" smtClean="0"/>
-              <a:t>Here each student will only have one address detail and each address detail will only belong to one student.</a:t>
+              <a:t>Here each student will only have </a:t>
+            </a:r>
+            <a:r>
+              <a:rPr lang="en-US" b="1" dirty="0" smtClean="0"/>
+              <a:t>one address </a:t>
+            </a:r>
+            <a:r>
+              <a:rPr lang="en-US" dirty="0" smtClean="0"/>
+              <a:t>detail and each address detail will only belong to </a:t>
+            </a:r>
+            <a:r>
+              <a:rPr lang="en-US" b="1" dirty="0" smtClean="0"/>
+              <a:t>one student</a:t>
+            </a:r>
+            <a:r>
+              <a:rPr lang="en-US" dirty="0" smtClean="0"/>
+              <a:t>.</a:t>
             </a:r>
             <a:endParaRPr lang="en-SG" dirty="0"/>
           </a:p>
@@ -9975,9 +10691,280 @@
   <p:timing>
     <p:tnLst>
       <p:par>
-        <p:cTn id="1" dur="indefinite" restart="never" nodeType="tmRoot"/>
+        <p:cTn id="1" dur="indefinite" restart="never" nodeType="tmRoot">
+          <p:childTnLst>
+            <p:seq concurrent="1" nextAc="seek">
+              <p:cTn id="2" dur="indefinite" nodeType="mainSeq">
+                <p:childTnLst>
+                  <p:par>
+                    <p:cTn id="3" fill="hold">
+                      <p:stCondLst>
+                        <p:cond delay="indefinite"/>
+                      </p:stCondLst>
+                      <p:childTnLst>
+                        <p:par>
+                          <p:cTn id="4" fill="hold">
+                            <p:stCondLst>
+                              <p:cond delay="0"/>
+                            </p:stCondLst>
+                            <p:childTnLst>
+                              <p:par>
+                                <p:cTn id="5" presetID="1" presetClass="entr" presetSubtype="0" fill="hold" grpId="0" nodeType="clickEffect">
+                                  <p:stCondLst>
+                                    <p:cond delay="0"/>
+                                  </p:stCondLst>
+                                  <p:childTnLst>
+                                    <p:set>
+                                      <p:cBhvr>
+                                        <p:cTn id="6" dur="1" fill="hold">
+                                          <p:stCondLst>
+                                            <p:cond delay="0"/>
+                                          </p:stCondLst>
+                                        </p:cTn>
+                                        <p:tgtEl>
+                                          <p:spTgt spid="6">
+                                            <p:txEl>
+                                              <p:pRg st="0" end="0"/>
+                                            </p:txEl>
+                                          </p:spTgt>
+                                        </p:tgtEl>
+                                        <p:attrNameLst>
+                                          <p:attrName>style.visibility</p:attrName>
+                                        </p:attrNameLst>
+                                      </p:cBhvr>
+                                      <p:to>
+                                        <p:strVal val="visible"/>
+                                      </p:to>
+                                    </p:set>
+                                  </p:childTnLst>
+                                </p:cTn>
+                              </p:par>
+                              <p:par>
+                                <p:cTn id="7" presetID="1" presetClass="entr" presetSubtype="0" fill="hold" nodeType="withEffect">
+                                  <p:stCondLst>
+                                    <p:cond delay="0"/>
+                                  </p:stCondLst>
+                                  <p:childTnLst>
+                                    <p:set>
+                                      <p:cBhvr>
+                                        <p:cTn id="8" dur="1" fill="hold">
+                                          <p:stCondLst>
+                                            <p:cond delay="0"/>
+                                          </p:stCondLst>
+                                        </p:cTn>
+                                        <p:tgtEl>
+                                          <p:spTgt spid="2"/>
+                                        </p:tgtEl>
+                                        <p:attrNameLst>
+                                          <p:attrName>style.visibility</p:attrName>
+                                        </p:attrNameLst>
+                                      </p:cBhvr>
+                                      <p:to>
+                                        <p:strVal val="visible"/>
+                                      </p:to>
+                                    </p:set>
+                                  </p:childTnLst>
+                                </p:cTn>
+                              </p:par>
+                            </p:childTnLst>
+                          </p:cTn>
+                        </p:par>
+                      </p:childTnLst>
+                    </p:cTn>
+                  </p:par>
+                  <p:par>
+                    <p:cTn id="9" fill="hold">
+                      <p:stCondLst>
+                        <p:cond delay="indefinite"/>
+                      </p:stCondLst>
+                      <p:childTnLst>
+                        <p:par>
+                          <p:cTn id="10" fill="hold">
+                            <p:stCondLst>
+                              <p:cond delay="0"/>
+                            </p:stCondLst>
+                            <p:childTnLst>
+                              <p:par>
+                                <p:cTn id="11" presetID="1" presetClass="entr" presetSubtype="0" fill="hold" grpId="0" nodeType="clickEffect">
+                                  <p:stCondLst>
+                                    <p:cond delay="0"/>
+                                  </p:stCondLst>
+                                  <p:childTnLst>
+                                    <p:set>
+                                      <p:cBhvr>
+                                        <p:cTn id="12" dur="1" fill="hold">
+                                          <p:stCondLst>
+                                            <p:cond delay="0"/>
+                                          </p:stCondLst>
+                                        </p:cTn>
+                                        <p:tgtEl>
+                                          <p:spTgt spid="6">
+                                            <p:txEl>
+                                              <p:pRg st="1" end="1"/>
+                                            </p:txEl>
+                                          </p:spTgt>
+                                        </p:tgtEl>
+                                        <p:attrNameLst>
+                                          <p:attrName>style.visibility</p:attrName>
+                                        </p:attrNameLst>
+                                      </p:cBhvr>
+                                      <p:to>
+                                        <p:strVal val="visible"/>
+                                      </p:to>
+                                    </p:set>
+                                  </p:childTnLst>
+                                </p:cTn>
+                              </p:par>
+                            </p:childTnLst>
+                          </p:cTn>
+                        </p:par>
+                      </p:childTnLst>
+                    </p:cTn>
+                  </p:par>
+                  <p:par>
+                    <p:cTn id="13" fill="hold">
+                      <p:stCondLst>
+                        <p:cond delay="indefinite"/>
+                      </p:stCondLst>
+                      <p:childTnLst>
+                        <p:par>
+                          <p:cTn id="14" fill="hold">
+                            <p:stCondLst>
+                              <p:cond delay="0"/>
+                            </p:stCondLst>
+                            <p:childTnLst>
+                              <p:par>
+                                <p:cTn id="15" presetID="1" presetClass="entr" presetSubtype="0" fill="hold" grpId="0" nodeType="clickEffect">
+                                  <p:stCondLst>
+                                    <p:cond delay="0"/>
+                                  </p:stCondLst>
+                                  <p:childTnLst>
+                                    <p:set>
+                                      <p:cBhvr>
+                                        <p:cTn id="16" dur="1" fill="hold">
+                                          <p:stCondLst>
+                                            <p:cond delay="0"/>
+                                          </p:stCondLst>
+                                        </p:cTn>
+                                        <p:tgtEl>
+                                          <p:spTgt spid="11"/>
+                                        </p:tgtEl>
+                                        <p:attrNameLst>
+                                          <p:attrName>style.visibility</p:attrName>
+                                        </p:attrNameLst>
+                                      </p:cBhvr>
+                                      <p:to>
+                                        <p:strVal val="visible"/>
+                                      </p:to>
+                                    </p:set>
+                                  </p:childTnLst>
+                                </p:cTn>
+                              </p:par>
+                              <p:par>
+                                <p:cTn id="17" presetID="1" presetClass="entr" presetSubtype="0" fill="hold" grpId="0" nodeType="withEffect">
+                                  <p:stCondLst>
+                                    <p:cond delay="0"/>
+                                  </p:stCondLst>
+                                  <p:childTnLst>
+                                    <p:set>
+                                      <p:cBhvr>
+                                        <p:cTn id="18" dur="1" fill="hold">
+                                          <p:stCondLst>
+                                            <p:cond delay="0"/>
+                                          </p:stCondLst>
+                                        </p:cTn>
+                                        <p:tgtEl>
+                                          <p:spTgt spid="13"/>
+                                        </p:tgtEl>
+                                        <p:attrNameLst>
+                                          <p:attrName>style.visibility</p:attrName>
+                                        </p:attrNameLst>
+                                      </p:cBhvr>
+                                      <p:to>
+                                        <p:strVal val="visible"/>
+                                      </p:to>
+                                    </p:set>
+                                  </p:childTnLst>
+                                </p:cTn>
+                              </p:par>
+                            </p:childTnLst>
+                          </p:cTn>
+                        </p:par>
+                      </p:childTnLst>
+                    </p:cTn>
+                  </p:par>
+                  <p:par>
+                    <p:cTn id="19" fill="hold">
+                      <p:stCondLst>
+                        <p:cond delay="indefinite"/>
+                      </p:stCondLst>
+                      <p:childTnLst>
+                        <p:par>
+                          <p:cTn id="20" fill="hold">
+                            <p:stCondLst>
+                              <p:cond delay="0"/>
+                            </p:stCondLst>
+                            <p:childTnLst>
+                              <p:par>
+                                <p:cTn id="21" presetID="1" presetClass="entr" presetSubtype="0" fill="hold" grpId="0" nodeType="clickEffect">
+                                  <p:stCondLst>
+                                    <p:cond delay="0"/>
+                                  </p:stCondLst>
+                                  <p:childTnLst>
+                                    <p:set>
+                                      <p:cBhvr>
+                                        <p:cTn id="22" dur="1" fill="hold">
+                                          <p:stCondLst>
+                                            <p:cond delay="0"/>
+                                          </p:stCondLst>
+                                        </p:cTn>
+                                        <p:tgtEl>
+                                          <p:spTgt spid="14"/>
+                                        </p:tgtEl>
+                                        <p:attrNameLst>
+                                          <p:attrName>style.visibility</p:attrName>
+                                        </p:attrNameLst>
+                                      </p:cBhvr>
+                                      <p:to>
+                                        <p:strVal val="visible"/>
+                                      </p:to>
+                                    </p:set>
+                                  </p:childTnLst>
+                                </p:cTn>
+                              </p:par>
+                            </p:childTnLst>
+                          </p:cTn>
+                        </p:par>
+                      </p:childTnLst>
+                    </p:cTn>
+                  </p:par>
+                </p:childTnLst>
+              </p:cTn>
+              <p:prevCondLst>
+                <p:cond evt="onPrev" delay="0">
+                  <p:tgtEl>
+                    <p:sldTgt/>
+                  </p:tgtEl>
+                </p:cond>
+              </p:prevCondLst>
+              <p:nextCondLst>
+                <p:cond evt="onNext" delay="0">
+                  <p:tgtEl>
+                    <p:sldTgt/>
+                  </p:tgtEl>
+                </p:cond>
+              </p:nextCondLst>
+            </p:seq>
+          </p:childTnLst>
+        </p:cTn>
       </p:par>
     </p:tnLst>
+    <p:bldLst>
+      <p:bldP spid="6" grpId="0" uiExpand="1" build="p"/>
+      <p:bldP spid="11" grpId="0" animBg="1"/>
+      <p:bldP spid="13" grpId="0" animBg="1"/>
+      <p:bldP spid="14" grpId="0" animBg="1"/>
+    </p:bldLst>
   </p:timing>
 </p:sld>
 </file>
@@ -10015,8 +11002,12 @@
           <a:lstStyle/>
           <a:p>
             <a:r>
+              <a:rPr lang="en-SG" dirty="0"/>
+              <a:t>Conventions: One </a:t>
+            </a:r>
+            <a:r>
               <a:rPr lang="en-SG" dirty="0" smtClean="0"/>
-              <a:t>One to Many Relationship</a:t>
+              <a:t>to Many Relationship</a:t>
             </a:r>
             <a:endParaRPr lang="en-SG" dirty="0"/>
           </a:p>
@@ -10043,14 +11034,34 @@
           <a:lstStyle/>
           <a:p>
             <a:r>
+              <a:rPr lang="en-SG" b="1" dirty="0" smtClean="0"/>
+              <a:t>One to Many </a:t>
+            </a:r>
+            <a:r>
               <a:rPr lang="en-SG" dirty="0" smtClean="0"/>
-              <a:t>One to Many relationship for students enrolled in diplomas.</a:t>
+              <a:t>relationship for students enrolled in diplomas.</a:t>
             </a:r>
           </a:p>
           <a:p>
             <a:r>
               <a:rPr lang="en-SG" dirty="0" smtClean="0"/>
-              <a:t>Here diploma can have many students while students can only be enrolled in one diploma.</a:t>
+              <a:t>Here diploma can have </a:t>
+            </a:r>
+            <a:r>
+              <a:rPr lang="en-SG" b="1" dirty="0" smtClean="0"/>
+              <a:t>many students </a:t>
+            </a:r>
+            <a:r>
+              <a:rPr lang="en-SG" dirty="0" smtClean="0"/>
+              <a:t>while students can only be enrolled in </a:t>
+            </a:r>
+            <a:r>
+              <a:rPr lang="en-SG" b="1" dirty="0" smtClean="0"/>
+              <a:t>one diploma</a:t>
+            </a:r>
+            <a:r>
+              <a:rPr lang="en-SG" dirty="0" smtClean="0"/>
+              <a:t>.</a:t>
             </a:r>
             <a:endParaRPr lang="en-SG" dirty="0"/>
           </a:p>
@@ -10327,9 +11338,324 @@
   <p:timing>
     <p:tnLst>
       <p:par>
-        <p:cTn id="1" dur="indefinite" restart="never" nodeType="tmRoot"/>
+        <p:cTn id="1" dur="indefinite" restart="never" nodeType="tmRoot">
+          <p:childTnLst>
+            <p:seq concurrent="1" nextAc="seek">
+              <p:cTn id="2" dur="indefinite" nodeType="mainSeq">
+                <p:childTnLst>
+                  <p:par>
+                    <p:cTn id="3" fill="hold">
+                      <p:stCondLst>
+                        <p:cond delay="indefinite"/>
+                      </p:stCondLst>
+                      <p:childTnLst>
+                        <p:par>
+                          <p:cTn id="4" fill="hold">
+                            <p:stCondLst>
+                              <p:cond delay="0"/>
+                            </p:stCondLst>
+                            <p:childTnLst>
+                              <p:par>
+                                <p:cTn id="5" presetID="1" presetClass="entr" presetSubtype="0" fill="hold" nodeType="clickEffect">
+                                  <p:stCondLst>
+                                    <p:cond delay="0"/>
+                                  </p:stCondLst>
+                                  <p:childTnLst>
+                                    <p:set>
+                                      <p:cBhvr>
+                                        <p:cTn id="6" dur="1" fill="hold">
+                                          <p:stCondLst>
+                                            <p:cond delay="0"/>
+                                          </p:stCondLst>
+                                        </p:cTn>
+                                        <p:tgtEl>
+                                          <p:spTgt spid="11"/>
+                                        </p:tgtEl>
+                                        <p:attrNameLst>
+                                          <p:attrName>style.visibility</p:attrName>
+                                        </p:attrNameLst>
+                                      </p:cBhvr>
+                                      <p:to>
+                                        <p:strVal val="visible"/>
+                                      </p:to>
+                                    </p:set>
+                                  </p:childTnLst>
+                                </p:cTn>
+                              </p:par>
+                              <p:par>
+                                <p:cTn id="7" presetID="1" presetClass="entr" presetSubtype="0" fill="hold" nodeType="withEffect">
+                                  <p:stCondLst>
+                                    <p:cond delay="0"/>
+                                  </p:stCondLst>
+                                  <p:childTnLst>
+                                    <p:set>
+                                      <p:cBhvr>
+                                        <p:cTn id="8" dur="1" fill="hold">
+                                          <p:stCondLst>
+                                            <p:cond delay="0"/>
+                                          </p:stCondLst>
+                                        </p:cTn>
+                                        <p:tgtEl>
+                                          <p:spTgt spid="8"/>
+                                        </p:tgtEl>
+                                        <p:attrNameLst>
+                                          <p:attrName>style.visibility</p:attrName>
+                                        </p:attrNameLst>
+                                      </p:cBhvr>
+                                      <p:to>
+                                        <p:strVal val="visible"/>
+                                      </p:to>
+                                    </p:set>
+                                  </p:childTnLst>
+                                </p:cTn>
+                              </p:par>
+                              <p:par>
+                                <p:cTn id="9" presetID="1" presetClass="entr" presetSubtype="0" fill="hold" grpId="0" nodeType="withEffect">
+                                  <p:stCondLst>
+                                    <p:cond delay="0"/>
+                                  </p:stCondLst>
+                                  <p:childTnLst>
+                                    <p:set>
+                                      <p:cBhvr>
+                                        <p:cTn id="10" dur="1" fill="hold">
+                                          <p:stCondLst>
+                                            <p:cond delay="0"/>
+                                          </p:stCondLst>
+                                        </p:cTn>
+                                        <p:tgtEl>
+                                          <p:spTgt spid="2">
+                                            <p:txEl>
+                                              <p:pRg st="0" end="0"/>
+                                            </p:txEl>
+                                          </p:spTgt>
+                                        </p:tgtEl>
+                                        <p:attrNameLst>
+                                          <p:attrName>style.visibility</p:attrName>
+                                        </p:attrNameLst>
+                                      </p:cBhvr>
+                                      <p:to>
+                                        <p:strVal val="visible"/>
+                                      </p:to>
+                                    </p:set>
+                                  </p:childTnLst>
+                                </p:cTn>
+                              </p:par>
+                            </p:childTnLst>
+                          </p:cTn>
+                        </p:par>
+                      </p:childTnLst>
+                    </p:cTn>
+                  </p:par>
+                  <p:par>
+                    <p:cTn id="11" fill="hold">
+                      <p:stCondLst>
+                        <p:cond delay="indefinite"/>
+                      </p:stCondLst>
+                      <p:childTnLst>
+                        <p:par>
+                          <p:cTn id="12" fill="hold">
+                            <p:stCondLst>
+                              <p:cond delay="0"/>
+                            </p:stCondLst>
+                            <p:childTnLst>
+                              <p:par>
+                                <p:cTn id="13" presetID="1" presetClass="entr" presetSubtype="0" fill="hold" grpId="0" nodeType="clickEffect">
+                                  <p:stCondLst>
+                                    <p:cond delay="0"/>
+                                  </p:stCondLst>
+                                  <p:childTnLst>
+                                    <p:set>
+                                      <p:cBhvr>
+                                        <p:cTn id="14" dur="1" fill="hold">
+                                          <p:stCondLst>
+                                            <p:cond delay="0"/>
+                                          </p:stCondLst>
+                                        </p:cTn>
+                                        <p:tgtEl>
+                                          <p:spTgt spid="2">
+                                            <p:txEl>
+                                              <p:pRg st="1" end="1"/>
+                                            </p:txEl>
+                                          </p:spTgt>
+                                        </p:tgtEl>
+                                        <p:attrNameLst>
+                                          <p:attrName>style.visibility</p:attrName>
+                                        </p:attrNameLst>
+                                      </p:cBhvr>
+                                      <p:to>
+                                        <p:strVal val="visible"/>
+                                      </p:to>
+                                    </p:set>
+                                  </p:childTnLst>
+                                </p:cTn>
+                              </p:par>
+                            </p:childTnLst>
+                          </p:cTn>
+                        </p:par>
+                      </p:childTnLst>
+                    </p:cTn>
+                  </p:par>
+                  <p:par>
+                    <p:cTn id="15" fill="hold">
+                      <p:stCondLst>
+                        <p:cond delay="indefinite"/>
+                      </p:stCondLst>
+                      <p:childTnLst>
+                        <p:par>
+                          <p:cTn id="16" fill="hold">
+                            <p:stCondLst>
+                              <p:cond delay="0"/>
+                            </p:stCondLst>
+                            <p:childTnLst>
+                              <p:par>
+                                <p:cTn id="17" presetID="1" presetClass="entr" presetSubtype="0" fill="hold" nodeType="clickEffect">
+                                  <p:stCondLst>
+                                    <p:cond delay="0"/>
+                                  </p:stCondLst>
+                                  <p:childTnLst>
+                                    <p:set>
+                                      <p:cBhvr>
+                                        <p:cTn id="18" dur="1" fill="hold">
+                                          <p:stCondLst>
+                                            <p:cond delay="0"/>
+                                          </p:stCondLst>
+                                        </p:cTn>
+                                        <p:tgtEl>
+                                          <p:spTgt spid="14"/>
+                                        </p:tgtEl>
+                                        <p:attrNameLst>
+                                          <p:attrName>style.visibility</p:attrName>
+                                        </p:attrNameLst>
+                                      </p:cBhvr>
+                                      <p:to>
+                                        <p:strVal val="visible"/>
+                                      </p:to>
+                                    </p:set>
+                                  </p:childTnLst>
+                                </p:cTn>
+                              </p:par>
+                            </p:childTnLst>
+                          </p:cTn>
+                        </p:par>
+                      </p:childTnLst>
+                    </p:cTn>
+                  </p:par>
+                  <p:par>
+                    <p:cTn id="19" fill="hold">
+                      <p:stCondLst>
+                        <p:cond delay="indefinite"/>
+                      </p:stCondLst>
+                      <p:childTnLst>
+                        <p:par>
+                          <p:cTn id="20" fill="hold">
+                            <p:stCondLst>
+                              <p:cond delay="0"/>
+                            </p:stCondLst>
+                            <p:childTnLst>
+                              <p:par>
+                                <p:cTn id="21" presetID="1" presetClass="entr" presetSubtype="0" fill="hold" grpId="0" nodeType="clickEffect">
+                                  <p:stCondLst>
+                                    <p:cond delay="0"/>
+                                  </p:stCondLst>
+                                  <p:childTnLst>
+                                    <p:set>
+                                      <p:cBhvr>
+                                        <p:cTn id="22" dur="1" fill="hold">
+                                          <p:stCondLst>
+                                            <p:cond delay="0"/>
+                                          </p:stCondLst>
+                                        </p:cTn>
+                                        <p:tgtEl>
+                                          <p:spTgt spid="9"/>
+                                        </p:tgtEl>
+                                        <p:attrNameLst>
+                                          <p:attrName>style.visibility</p:attrName>
+                                        </p:attrNameLst>
+                                      </p:cBhvr>
+                                      <p:to>
+                                        <p:strVal val="visible"/>
+                                      </p:to>
+                                    </p:set>
+                                  </p:childTnLst>
+                                </p:cTn>
+                              </p:par>
+                            </p:childTnLst>
+                          </p:cTn>
+                        </p:par>
+                      </p:childTnLst>
+                    </p:cTn>
+                  </p:par>
+                  <p:par>
+                    <p:cTn id="23" fill="hold">
+                      <p:stCondLst>
+                        <p:cond delay="indefinite"/>
+                      </p:stCondLst>
+                      <p:childTnLst>
+                        <p:par>
+                          <p:cTn id="24" fill="hold">
+                            <p:stCondLst>
+                              <p:cond delay="0"/>
+                            </p:stCondLst>
+                            <p:childTnLst>
+                              <p:par>
+                                <p:cTn id="25" presetID="1" presetClass="entr" presetSubtype="0" fill="hold" grpId="0" nodeType="clickEffect">
+                                  <p:stCondLst>
+                                    <p:cond delay="0"/>
+                                  </p:stCondLst>
+                                  <p:childTnLst>
+                                    <p:set>
+                                      <p:cBhvr>
+                                        <p:cTn id="26" dur="1" fill="hold">
+                                          <p:stCondLst>
+                                            <p:cond delay="0"/>
+                                          </p:stCondLst>
+                                        </p:cTn>
+                                        <p:tgtEl>
+                                          <p:spTgt spid="10"/>
+                                        </p:tgtEl>
+                                        <p:attrNameLst>
+                                          <p:attrName>style.visibility</p:attrName>
+                                        </p:attrNameLst>
+                                      </p:cBhvr>
+                                      <p:to>
+                                        <p:strVal val="visible"/>
+                                      </p:to>
+                                    </p:set>
+                                  </p:childTnLst>
+                                </p:cTn>
+                              </p:par>
+                            </p:childTnLst>
+                          </p:cTn>
+                        </p:par>
+                      </p:childTnLst>
+                    </p:cTn>
+                  </p:par>
+                </p:childTnLst>
+              </p:cTn>
+              <p:prevCondLst>
+                <p:cond evt="onPrev" delay="0">
+                  <p:tgtEl>
+                    <p:sldTgt/>
+                  </p:tgtEl>
+                </p:cond>
+              </p:prevCondLst>
+              <p:nextCondLst>
+                <p:cond evt="onNext" delay="0">
+                  <p:tgtEl>
+                    <p:sldTgt/>
+                  </p:tgtEl>
+                </p:cond>
+              </p:nextCondLst>
+            </p:seq>
+          </p:childTnLst>
+        </p:cTn>
       </p:par>
     </p:tnLst>
+    <p:bldLst>
+      <p:bldP spid="2" grpId="0" build="p"/>
+      <p:bldP spid="9" grpId="0" animBg="1"/>
+      <p:bldP spid="10" grpId="0" animBg="1"/>
+    </p:bldLst>
   </p:timing>
 </p:sld>
 </file>
@@ -10367,8 +11693,12 @@
           <a:lstStyle/>
           <a:p>
             <a:r>
+              <a:rPr lang="en-SG" dirty="0"/>
+              <a:t>Conventions: Many </a:t>
+            </a:r>
+            <a:r>
               <a:rPr lang="en-SG" dirty="0" smtClean="0"/>
-              <a:t>Many to Many Relationship</a:t>
+              <a:t>to Many Relationship</a:t>
             </a:r>
             <a:endParaRPr lang="en-SG" dirty="0"/>
           </a:p>
@@ -10390,14 +11720,34 @@
           <a:lstStyle/>
           <a:p>
             <a:r>
+              <a:rPr lang="en-SG" b="1" dirty="0" smtClean="0"/>
+              <a:t>Many to many </a:t>
+            </a:r>
+            <a:r>
               <a:rPr lang="en-SG" dirty="0" smtClean="0"/>
-              <a:t>Many to many relationship for student course modules. </a:t>
+              <a:t>relationship for student course modules. </a:t>
             </a:r>
           </a:p>
           <a:p>
             <a:r>
               <a:rPr lang="en-SG" dirty="0" smtClean="0"/>
-              <a:t>Here modules can have many students and student can have many modules.</a:t>
+              <a:t>Here modules can have </a:t>
+            </a:r>
+            <a:r>
+              <a:rPr lang="en-SG" b="1" dirty="0" smtClean="0"/>
+              <a:t>many students </a:t>
+            </a:r>
+            <a:r>
+              <a:rPr lang="en-SG" dirty="0" smtClean="0"/>
+              <a:t>and student can have </a:t>
+            </a:r>
+            <a:r>
+              <a:rPr lang="en-SG" b="1" dirty="0" smtClean="0"/>
+              <a:t>many modules</a:t>
+            </a:r>
+            <a:r>
+              <a:rPr lang="en-SG" dirty="0" smtClean="0"/>
+              <a:t>.</a:t>
             </a:r>
             <a:endParaRPr lang="en-SG" dirty="0"/>
           </a:p>
@@ -10504,74 +11854,6 @@
           </a:effectLst>
         </p:spPr>
       </p:pic>
-      <p:cxnSp>
-        <p:nvCxnSpPr>
-          <p:cNvPr id="11" name="Elbow Connector 10"/>
-          <p:cNvCxnSpPr/>
-          <p:nvPr/>
-        </p:nvCxnSpPr>
-        <p:spPr>
-          <a:xfrm flipV="1">
-            <a:off x="6357053" y="4800600"/>
-            <a:ext cx="2053522" cy="1171576"/>
-          </a:xfrm>
-          <a:prstGeom prst="bentConnector3">
-            <a:avLst/>
-          </a:prstGeom>
-          <a:ln w="76200">
-            <a:headEnd type="triangle"/>
-            <a:tailEnd type="triangle"/>
-          </a:ln>
-        </p:spPr>
-        <p:style>
-          <a:lnRef idx="1">
-            <a:schemeClr val="accent1"/>
-          </a:lnRef>
-          <a:fillRef idx="0">
-            <a:schemeClr val="accent1"/>
-          </a:fillRef>
-          <a:effectRef idx="0">
-            <a:schemeClr val="accent1"/>
-          </a:effectRef>
-          <a:fontRef idx="minor">
-            <a:schemeClr val="tx1"/>
-          </a:fontRef>
-        </p:style>
-      </p:cxnSp>
-      <p:cxnSp>
-        <p:nvCxnSpPr>
-          <p:cNvPr id="19" name="Straight Arrow Connector 18"/>
-          <p:cNvCxnSpPr/>
-          <p:nvPr/>
-        </p:nvCxnSpPr>
-        <p:spPr>
-          <a:xfrm flipV="1">
-            <a:off x="6491287" y="3887212"/>
-            <a:ext cx="1919288" cy="15976"/>
-          </a:xfrm>
-          <a:prstGeom prst="straightConnector1">
-            <a:avLst/>
-          </a:prstGeom>
-          <a:ln w="76200">
-            <a:headEnd type="triangle"/>
-            <a:tailEnd type="triangle"/>
-          </a:ln>
-        </p:spPr>
-        <p:style>
-          <a:lnRef idx="1">
-            <a:schemeClr val="accent1"/>
-          </a:lnRef>
-          <a:fillRef idx="0">
-            <a:schemeClr val="accent1"/>
-          </a:fillRef>
-          <a:effectRef idx="0">
-            <a:schemeClr val="accent1"/>
-          </a:effectRef>
-          <a:fontRef idx="minor">
-            <a:schemeClr val="tx1"/>
-          </a:fontRef>
-        </p:style>
-      </p:cxnSp>
       <p:sp>
         <p:nvSpPr>
           <p:cNvPr id="22" name="Rectangle 21"/>
@@ -10616,66 +11898,164 @@
           </a:p>
         </p:txBody>
       </p:sp>
-      <p:sp>
-        <p:nvSpPr>
-          <p:cNvPr id="23" name="TextBox 22"/>
-          <p:cNvSpPr txBox="1"/>
+      <p:grpSp>
+        <p:nvGrpSpPr>
+          <p:cNvPr id="7" name="Group 6"/>
+          <p:cNvGrpSpPr/>
           <p:nvPr/>
-        </p:nvSpPr>
-        <p:spPr>
+        </p:nvGrpSpPr>
+        <p:grpSpPr>
           <a:xfrm>
-            <a:off x="6822891" y="3580568"/>
-            <a:ext cx="1121846" cy="276999"/>
+            <a:off x="6491287" y="3580568"/>
+            <a:ext cx="1919288" cy="322620"/>
+            <a:chOff x="6491287" y="3580568"/>
+            <a:chExt cx="1919288" cy="322620"/>
           </a:xfrm>
-          <a:prstGeom prst="rect">
-            <a:avLst/>
-          </a:prstGeom>
-          <a:noFill/>
-        </p:spPr>
-        <p:txBody>
-          <a:bodyPr wrap="none" rtlCol="0">
-            <a:spAutoFit/>
-          </a:bodyPr>
-          <a:lstStyle/>
-          <a:p>
-            <a:r>
-              <a:rPr lang="en-SG" sz="1200" b="1" dirty="0" smtClean="0"/>
-              <a:t>One to Many</a:t>
-            </a:r>
-            <a:endParaRPr lang="en-SG" sz="1200" b="1" dirty="0"/>
-          </a:p>
-        </p:txBody>
-      </p:sp>
-      <p:sp>
-        <p:nvSpPr>
-          <p:cNvPr id="24" name="TextBox 23"/>
-          <p:cNvSpPr txBox="1"/>
+        </p:grpSpPr>
+        <p:cxnSp>
+          <p:nvCxnSpPr>
+            <p:cNvPr id="19" name="Straight Arrow Connector 18"/>
+            <p:cNvCxnSpPr/>
+            <p:nvPr/>
+          </p:nvCxnSpPr>
+          <p:spPr>
+            <a:xfrm flipV="1">
+              <a:off x="6491287" y="3887212"/>
+              <a:ext cx="1919288" cy="15976"/>
+            </a:xfrm>
+            <a:prstGeom prst="straightConnector1">
+              <a:avLst/>
+            </a:prstGeom>
+            <a:ln w="76200">
+              <a:headEnd type="triangle"/>
+              <a:tailEnd type="triangle"/>
+            </a:ln>
+          </p:spPr>
+          <p:style>
+            <a:lnRef idx="1">
+              <a:schemeClr val="accent1"/>
+            </a:lnRef>
+            <a:fillRef idx="0">
+              <a:schemeClr val="accent1"/>
+            </a:fillRef>
+            <a:effectRef idx="0">
+              <a:schemeClr val="accent1"/>
+            </a:effectRef>
+            <a:fontRef idx="minor">
+              <a:schemeClr val="tx1"/>
+            </a:fontRef>
+          </p:style>
+        </p:cxnSp>
+        <p:sp>
+          <p:nvSpPr>
+            <p:cNvPr id="23" name="TextBox 22"/>
+            <p:cNvSpPr txBox="1"/>
+            <p:nvPr/>
+          </p:nvSpPr>
+          <p:spPr>
+            <a:xfrm>
+              <a:off x="6822891" y="3580568"/>
+              <a:ext cx="1121846" cy="276999"/>
+            </a:xfrm>
+            <a:prstGeom prst="rect">
+              <a:avLst/>
+            </a:prstGeom>
+            <a:noFill/>
+          </p:spPr>
+          <p:txBody>
+            <a:bodyPr wrap="none" rtlCol="0">
+              <a:spAutoFit/>
+            </a:bodyPr>
+            <a:lstStyle/>
+            <a:p>
+              <a:r>
+                <a:rPr lang="en-SG" sz="1200" b="1" dirty="0" smtClean="0"/>
+                <a:t>One to Many</a:t>
+              </a:r>
+              <a:endParaRPr lang="en-SG" sz="1200" b="1" dirty="0"/>
+            </a:p>
+          </p:txBody>
+        </p:sp>
+      </p:grpSp>
+      <p:grpSp>
+        <p:nvGrpSpPr>
+          <p:cNvPr id="8" name="Group 7"/>
+          <p:cNvGrpSpPr/>
           <p:nvPr/>
-        </p:nvSpPr>
-        <p:spPr>
-          <a:xfrm rot="16200000">
-            <a:off x="6643763" y="5205404"/>
-            <a:ext cx="1121846" cy="276999"/>
+        </p:nvGrpSpPr>
+        <p:grpSpPr>
+          <a:xfrm>
+            <a:off x="6357053" y="4782981"/>
+            <a:ext cx="2053522" cy="1189195"/>
+            <a:chOff x="6357053" y="4782981"/>
+            <a:chExt cx="2053522" cy="1189195"/>
           </a:xfrm>
-          <a:prstGeom prst="rect">
-            <a:avLst/>
-          </a:prstGeom>
-          <a:noFill/>
-        </p:spPr>
-        <p:txBody>
-          <a:bodyPr wrap="none" rtlCol="0">
-            <a:spAutoFit/>
-          </a:bodyPr>
-          <a:lstStyle/>
-          <a:p>
-            <a:r>
-              <a:rPr lang="en-SG" sz="1200" b="1" dirty="0" smtClean="0"/>
-              <a:t>One to Many</a:t>
-            </a:r>
-            <a:endParaRPr lang="en-SG" sz="1200" b="1" dirty="0"/>
-          </a:p>
-        </p:txBody>
-      </p:sp>
+        </p:grpSpPr>
+        <p:cxnSp>
+          <p:nvCxnSpPr>
+            <p:cNvPr id="11" name="Elbow Connector 10"/>
+            <p:cNvCxnSpPr/>
+            <p:nvPr/>
+          </p:nvCxnSpPr>
+          <p:spPr>
+            <a:xfrm flipV="1">
+              <a:off x="6357053" y="4800600"/>
+              <a:ext cx="2053522" cy="1171576"/>
+            </a:xfrm>
+            <a:prstGeom prst="bentConnector3">
+              <a:avLst/>
+            </a:prstGeom>
+            <a:ln w="76200">
+              <a:headEnd type="triangle"/>
+              <a:tailEnd type="triangle"/>
+            </a:ln>
+          </p:spPr>
+          <p:style>
+            <a:lnRef idx="1">
+              <a:schemeClr val="accent1"/>
+            </a:lnRef>
+            <a:fillRef idx="0">
+              <a:schemeClr val="accent1"/>
+            </a:fillRef>
+            <a:effectRef idx="0">
+              <a:schemeClr val="accent1"/>
+            </a:effectRef>
+            <a:fontRef idx="minor">
+              <a:schemeClr val="tx1"/>
+            </a:fontRef>
+          </p:style>
+        </p:cxnSp>
+        <p:sp>
+          <p:nvSpPr>
+            <p:cNvPr id="24" name="TextBox 23"/>
+            <p:cNvSpPr txBox="1"/>
+            <p:nvPr/>
+          </p:nvSpPr>
+          <p:spPr>
+            <a:xfrm rot="16200000">
+              <a:off x="6643763" y="5205404"/>
+              <a:ext cx="1121846" cy="276999"/>
+            </a:xfrm>
+            <a:prstGeom prst="rect">
+              <a:avLst/>
+            </a:prstGeom>
+            <a:noFill/>
+          </p:spPr>
+          <p:txBody>
+            <a:bodyPr wrap="none" rtlCol="0">
+              <a:spAutoFit/>
+            </a:bodyPr>
+            <a:lstStyle/>
+            <a:p>
+              <a:r>
+                <a:rPr lang="en-SG" sz="1200" b="1" dirty="0" smtClean="0"/>
+                <a:t>One to Many</a:t>
+              </a:r>
+              <a:endParaRPr lang="en-SG" sz="1200" b="1" dirty="0"/>
+            </a:p>
+          </p:txBody>
+        </p:sp>
+      </p:grpSp>
     </p:spTree>
     <p:extLst>
       <p:ext uri="{BB962C8B-B14F-4D97-AF65-F5344CB8AC3E}">
@@ -10689,9 +12069,350 @@
   <p:timing>
     <p:tnLst>
       <p:par>
-        <p:cTn id="1" dur="indefinite" restart="never" nodeType="tmRoot"/>
+        <p:cTn id="1" dur="indefinite" restart="never" nodeType="tmRoot">
+          <p:childTnLst>
+            <p:seq concurrent="1" nextAc="seek">
+              <p:cTn id="2" dur="indefinite" nodeType="mainSeq">
+                <p:childTnLst>
+                  <p:par>
+                    <p:cTn id="3" fill="hold">
+                      <p:stCondLst>
+                        <p:cond delay="indefinite"/>
+                      </p:stCondLst>
+                      <p:childTnLst>
+                        <p:par>
+                          <p:cTn id="4" fill="hold">
+                            <p:stCondLst>
+                              <p:cond delay="0"/>
+                            </p:stCondLst>
+                            <p:childTnLst>
+                              <p:par>
+                                <p:cTn id="5" presetID="1" presetClass="entr" presetSubtype="0" fill="hold" nodeType="clickEffect">
+                                  <p:stCondLst>
+                                    <p:cond delay="0"/>
+                                  </p:stCondLst>
+                                  <p:childTnLst>
+                                    <p:set>
+                                      <p:cBhvr>
+                                        <p:cTn id="6" dur="1" fill="hold">
+                                          <p:stCondLst>
+                                            <p:cond delay="0"/>
+                                          </p:stCondLst>
+                                        </p:cTn>
+                                        <p:tgtEl>
+                                          <p:spTgt spid="5"/>
+                                        </p:tgtEl>
+                                        <p:attrNameLst>
+                                          <p:attrName>style.visibility</p:attrName>
+                                        </p:attrNameLst>
+                                      </p:cBhvr>
+                                      <p:to>
+                                        <p:strVal val="visible"/>
+                                      </p:to>
+                                    </p:set>
+                                  </p:childTnLst>
+                                </p:cTn>
+                              </p:par>
+                              <p:par>
+                                <p:cTn id="7" presetID="1" presetClass="entr" presetSubtype="0" fill="hold" nodeType="withEffect">
+                                  <p:stCondLst>
+                                    <p:cond delay="0"/>
+                                  </p:stCondLst>
+                                  <p:childTnLst>
+                                    <p:set>
+                                      <p:cBhvr>
+                                        <p:cTn id="8" dur="1" fill="hold">
+                                          <p:stCondLst>
+                                            <p:cond delay="0"/>
+                                          </p:stCondLst>
+                                        </p:cTn>
+                                        <p:tgtEl>
+                                          <p:spTgt spid="4"/>
+                                        </p:tgtEl>
+                                        <p:attrNameLst>
+                                          <p:attrName>style.visibility</p:attrName>
+                                        </p:attrNameLst>
+                                      </p:cBhvr>
+                                      <p:to>
+                                        <p:strVal val="visible"/>
+                                      </p:to>
+                                    </p:set>
+                                  </p:childTnLst>
+                                </p:cTn>
+                              </p:par>
+                              <p:par>
+                                <p:cTn id="9" presetID="1" presetClass="entr" presetSubtype="0" fill="hold" grpId="0" nodeType="withEffect">
+                                  <p:stCondLst>
+                                    <p:cond delay="0"/>
+                                  </p:stCondLst>
+                                  <p:childTnLst>
+                                    <p:set>
+                                      <p:cBhvr>
+                                        <p:cTn id="10" dur="1" fill="hold">
+                                          <p:stCondLst>
+                                            <p:cond delay="0"/>
+                                          </p:stCondLst>
+                                        </p:cTn>
+                                        <p:tgtEl>
+                                          <p:spTgt spid="2">
+                                            <p:txEl>
+                                              <p:pRg st="0" end="0"/>
+                                            </p:txEl>
+                                          </p:spTgt>
+                                        </p:tgtEl>
+                                        <p:attrNameLst>
+                                          <p:attrName>style.visibility</p:attrName>
+                                        </p:attrNameLst>
+                                      </p:cBhvr>
+                                      <p:to>
+                                        <p:strVal val="visible"/>
+                                      </p:to>
+                                    </p:set>
+                                  </p:childTnLst>
+                                </p:cTn>
+                              </p:par>
+                            </p:childTnLst>
+                          </p:cTn>
+                        </p:par>
+                      </p:childTnLst>
+                    </p:cTn>
+                  </p:par>
+                  <p:par>
+                    <p:cTn id="11" fill="hold">
+                      <p:stCondLst>
+                        <p:cond delay="indefinite"/>
+                      </p:stCondLst>
+                      <p:childTnLst>
+                        <p:par>
+                          <p:cTn id="12" fill="hold">
+                            <p:stCondLst>
+                              <p:cond delay="0"/>
+                            </p:stCondLst>
+                            <p:childTnLst>
+                              <p:par>
+                                <p:cTn id="13" presetID="1" presetClass="entr" presetSubtype="0" fill="hold" grpId="0" nodeType="clickEffect">
+                                  <p:stCondLst>
+                                    <p:cond delay="0"/>
+                                  </p:stCondLst>
+                                  <p:childTnLst>
+                                    <p:set>
+                                      <p:cBhvr>
+                                        <p:cTn id="14" dur="1" fill="hold">
+                                          <p:stCondLst>
+                                            <p:cond delay="0"/>
+                                          </p:stCondLst>
+                                        </p:cTn>
+                                        <p:tgtEl>
+                                          <p:spTgt spid="2">
+                                            <p:txEl>
+                                              <p:pRg st="1" end="1"/>
+                                            </p:txEl>
+                                          </p:spTgt>
+                                        </p:tgtEl>
+                                        <p:attrNameLst>
+                                          <p:attrName>style.visibility</p:attrName>
+                                        </p:attrNameLst>
+                                      </p:cBhvr>
+                                      <p:to>
+                                        <p:strVal val="visible"/>
+                                      </p:to>
+                                    </p:set>
+                                  </p:childTnLst>
+                                </p:cTn>
+                              </p:par>
+                            </p:childTnLst>
+                          </p:cTn>
+                        </p:par>
+                      </p:childTnLst>
+                    </p:cTn>
+                  </p:par>
+                  <p:par>
+                    <p:cTn id="15" fill="hold">
+                      <p:stCondLst>
+                        <p:cond delay="indefinite"/>
+                      </p:stCondLst>
+                      <p:childTnLst>
+                        <p:par>
+                          <p:cTn id="16" fill="hold">
+                            <p:stCondLst>
+                              <p:cond delay="0"/>
+                            </p:stCondLst>
+                            <p:childTnLst>
+                              <p:par>
+                                <p:cTn id="17" presetID="1" presetClass="entr" presetSubtype="0" fill="hold" nodeType="clickEffect">
+                                  <p:stCondLst>
+                                    <p:cond delay="0"/>
+                                  </p:stCondLst>
+                                  <p:childTnLst>
+                                    <p:set>
+                                      <p:cBhvr>
+                                        <p:cTn id="18" dur="1" fill="hold">
+                                          <p:stCondLst>
+                                            <p:cond delay="0"/>
+                                          </p:stCondLst>
+                                        </p:cTn>
+                                        <p:tgtEl>
+                                          <p:spTgt spid="3"/>
+                                        </p:tgtEl>
+                                        <p:attrNameLst>
+                                          <p:attrName>style.visibility</p:attrName>
+                                        </p:attrNameLst>
+                                      </p:cBhvr>
+                                      <p:to>
+                                        <p:strVal val="visible"/>
+                                      </p:to>
+                                    </p:set>
+                                  </p:childTnLst>
+                                </p:cTn>
+                              </p:par>
+                              <p:par>
+                                <p:cTn id="19" presetID="1" presetClass="entr" presetSubtype="0" fill="hold" grpId="0" nodeType="withEffect">
+                                  <p:stCondLst>
+                                    <p:cond delay="0"/>
+                                  </p:stCondLst>
+                                  <p:childTnLst>
+                                    <p:set>
+                                      <p:cBhvr>
+                                        <p:cTn id="20" dur="1" fill="hold">
+                                          <p:stCondLst>
+                                            <p:cond delay="0"/>
+                                          </p:stCondLst>
+                                        </p:cTn>
+                                        <p:tgtEl>
+                                          <p:spTgt spid="22"/>
+                                        </p:tgtEl>
+                                        <p:attrNameLst>
+                                          <p:attrName>style.visibility</p:attrName>
+                                        </p:attrNameLst>
+                                      </p:cBhvr>
+                                      <p:to>
+                                        <p:strVal val="visible"/>
+                                      </p:to>
+                                    </p:set>
+                                  </p:childTnLst>
+                                </p:cTn>
+                              </p:par>
+                            </p:childTnLst>
+                          </p:cTn>
+                        </p:par>
+                      </p:childTnLst>
+                    </p:cTn>
+                  </p:par>
+                  <p:par>
+                    <p:cTn id="21" fill="hold">
+                      <p:stCondLst>
+                        <p:cond delay="indefinite"/>
+                      </p:stCondLst>
+                      <p:childTnLst>
+                        <p:par>
+                          <p:cTn id="22" fill="hold">
+                            <p:stCondLst>
+                              <p:cond delay="0"/>
+                            </p:stCondLst>
+                            <p:childTnLst>
+                              <p:par>
+                                <p:cTn id="23" presetID="1" presetClass="entr" presetSubtype="0" fill="hold" nodeType="clickEffect">
+                                  <p:stCondLst>
+                                    <p:cond delay="0"/>
+                                  </p:stCondLst>
+                                  <p:childTnLst>
+                                    <p:set>
+                                      <p:cBhvr>
+                                        <p:cTn id="24" dur="1" fill="hold">
+                                          <p:stCondLst>
+                                            <p:cond delay="0"/>
+                                          </p:stCondLst>
+                                        </p:cTn>
+                                        <p:tgtEl>
+                                          <p:spTgt spid="7"/>
+                                        </p:tgtEl>
+                                        <p:attrNameLst>
+                                          <p:attrName>style.visibility</p:attrName>
+                                        </p:attrNameLst>
+                                      </p:cBhvr>
+                                      <p:to>
+                                        <p:strVal val="visible"/>
+                                      </p:to>
+                                    </p:set>
+                                  </p:childTnLst>
+                                </p:cTn>
+                              </p:par>
+                            </p:childTnLst>
+                          </p:cTn>
+                        </p:par>
+                      </p:childTnLst>
+                    </p:cTn>
+                  </p:par>
+                  <p:par>
+                    <p:cTn id="25" fill="hold">
+                      <p:stCondLst>
+                        <p:cond delay="indefinite"/>
+                      </p:stCondLst>
+                      <p:childTnLst>
+                        <p:par>
+                          <p:cTn id="26" fill="hold">
+                            <p:stCondLst>
+                              <p:cond delay="0"/>
+                            </p:stCondLst>
+                            <p:childTnLst>
+                              <p:par>
+                                <p:cTn id="27" presetID="1" presetClass="entr" presetSubtype="0" fill="hold" nodeType="clickEffect">
+                                  <p:stCondLst>
+                                    <p:cond delay="0"/>
+                                  </p:stCondLst>
+                                  <p:childTnLst>
+                                    <p:set>
+                                      <p:cBhvr>
+                                        <p:cTn id="28" dur="1" fill="hold">
+                                          <p:stCondLst>
+                                            <p:cond delay="0"/>
+                                          </p:stCondLst>
+                                        </p:cTn>
+                                        <p:tgtEl>
+                                          <p:spTgt spid="8"/>
+                                        </p:tgtEl>
+                                        <p:attrNameLst>
+                                          <p:attrName>style.visibility</p:attrName>
+                                        </p:attrNameLst>
+                                      </p:cBhvr>
+                                      <p:to>
+                                        <p:strVal val="visible"/>
+                                      </p:to>
+                                    </p:set>
+                                  </p:childTnLst>
+                                </p:cTn>
+                              </p:par>
+                            </p:childTnLst>
+                          </p:cTn>
+                        </p:par>
+                      </p:childTnLst>
+                    </p:cTn>
+                  </p:par>
+                </p:childTnLst>
+              </p:cTn>
+              <p:prevCondLst>
+                <p:cond evt="onPrev" delay="0">
+                  <p:tgtEl>
+                    <p:sldTgt/>
+                  </p:tgtEl>
+                </p:cond>
+              </p:prevCondLst>
+              <p:nextCondLst>
+                <p:cond evt="onNext" delay="0">
+                  <p:tgtEl>
+                    <p:sldTgt/>
+                  </p:tgtEl>
+                </p:cond>
+              </p:nextCondLst>
+            </p:seq>
+          </p:childTnLst>
+        </p:cTn>
       </p:par>
     </p:tnLst>
+    <p:bldLst>
+      <p:bldP spid="2" grpId="0" build="p"/>
+      <p:bldP spid="22" grpId="0" animBg="1"/>
+    </p:bldLst>
   </p:timing>
 </p:sld>
 </file>
@@ -10729,8 +12450,12 @@
           <a:lstStyle/>
           <a:p>
             <a:r>
+              <a:rPr lang="en-SG" dirty="0"/>
+              <a:t>Conventions: Many </a:t>
+            </a:r>
+            <a:r>
               <a:rPr lang="en-SG" dirty="0" smtClean="0"/>
-              <a:t>Many to Many Relationship</a:t>
+              <a:t>to Many Relationship</a:t>
             </a:r>
             <a:endParaRPr lang="en-SG" dirty="0"/>
           </a:p>
@@ -10758,7 +12483,15 @@
           <a:p>
             <a:r>
               <a:rPr lang="en-SG" dirty="0" smtClean="0"/>
-              <a:t>As student module class is a join table class,</a:t>
+              <a:t>As student module class is a </a:t>
+            </a:r>
+            <a:r>
+              <a:rPr lang="en-SG" b="1" dirty="0" smtClean="0"/>
+              <a:t>join table class</a:t>
+            </a:r>
+            <a:r>
+              <a:rPr lang="en-SG" dirty="0" smtClean="0"/>
+              <a:t>,</a:t>
             </a:r>
             <a:r>
               <a:rPr lang="en-SG" dirty="0"/>
@@ -10990,9 +12723,154 @@
   <p:timing>
     <p:tnLst>
       <p:par>
-        <p:cTn id="1" dur="indefinite" restart="never" nodeType="tmRoot"/>
+        <p:cTn id="1" dur="indefinite" restart="never" nodeType="tmRoot">
+          <p:childTnLst>
+            <p:seq concurrent="1" nextAc="seek">
+              <p:cTn id="2" dur="indefinite" nodeType="mainSeq">
+                <p:childTnLst>
+                  <p:par>
+                    <p:cTn id="3" fill="hold">
+                      <p:stCondLst>
+                        <p:cond delay="indefinite"/>
+                      </p:stCondLst>
+                      <p:childTnLst>
+                        <p:par>
+                          <p:cTn id="4" fill="hold">
+                            <p:stCondLst>
+                              <p:cond delay="0"/>
+                            </p:stCondLst>
+                            <p:childTnLst>
+                              <p:par>
+                                <p:cTn id="5" presetID="1" presetClass="entr" presetSubtype="0" fill="hold" grpId="0" nodeType="clickEffect">
+                                  <p:stCondLst>
+                                    <p:cond delay="0"/>
+                                  </p:stCondLst>
+                                  <p:childTnLst>
+                                    <p:set>
+                                      <p:cBhvr>
+                                        <p:cTn id="6" dur="1" fill="hold">
+                                          <p:stCondLst>
+                                            <p:cond delay="0"/>
+                                          </p:stCondLst>
+                                        </p:cTn>
+                                        <p:tgtEl>
+                                          <p:spTgt spid="15"/>
+                                        </p:tgtEl>
+                                        <p:attrNameLst>
+                                          <p:attrName>style.visibility</p:attrName>
+                                        </p:attrNameLst>
+                                      </p:cBhvr>
+                                      <p:to>
+                                        <p:strVal val="visible"/>
+                                      </p:to>
+                                    </p:set>
+                                  </p:childTnLst>
+                                </p:cTn>
+                              </p:par>
+                            </p:childTnLst>
+                          </p:cTn>
+                        </p:par>
+                      </p:childTnLst>
+                    </p:cTn>
+                  </p:par>
+                  <p:par>
+                    <p:cTn id="7" fill="hold">
+                      <p:stCondLst>
+                        <p:cond delay="indefinite"/>
+                      </p:stCondLst>
+                      <p:childTnLst>
+                        <p:par>
+                          <p:cTn id="8" fill="hold">
+                            <p:stCondLst>
+                              <p:cond delay="0"/>
+                            </p:stCondLst>
+                            <p:childTnLst>
+                              <p:par>
+                                <p:cTn id="9" presetID="1" presetClass="entr" presetSubtype="0" fill="hold" grpId="0" nodeType="clickEffect">
+                                  <p:stCondLst>
+                                    <p:cond delay="0"/>
+                                  </p:stCondLst>
+                                  <p:childTnLst>
+                                    <p:set>
+                                      <p:cBhvr>
+                                        <p:cTn id="10" dur="1" fill="hold">
+                                          <p:stCondLst>
+                                            <p:cond delay="0"/>
+                                          </p:stCondLst>
+                                        </p:cTn>
+                                        <p:tgtEl>
+                                          <p:spTgt spid="16"/>
+                                        </p:tgtEl>
+                                        <p:attrNameLst>
+                                          <p:attrName>style.visibility</p:attrName>
+                                        </p:attrNameLst>
+                                      </p:cBhvr>
+                                      <p:to>
+                                        <p:strVal val="visible"/>
+                                      </p:to>
+                                    </p:set>
+                                  </p:childTnLst>
+                                </p:cTn>
+                              </p:par>
+                              <p:par>
+                                <p:cTn id="11" presetID="1" presetClass="entr" presetSubtype="0" fill="hold" grpId="0" nodeType="withEffect">
+                                  <p:stCondLst>
+                                    <p:cond delay="0"/>
+                                  </p:stCondLst>
+                                  <p:childTnLst>
+                                    <p:set>
+                                      <p:cBhvr>
+                                        <p:cTn id="12" dur="1" fill="hold">
+                                          <p:stCondLst>
+                                            <p:cond delay="0"/>
+                                          </p:stCondLst>
+                                        </p:cTn>
+                                        <p:tgtEl>
+                                          <p:spTgt spid="17"/>
+                                        </p:tgtEl>
+                                        <p:attrNameLst>
+                                          <p:attrName>style.visibility</p:attrName>
+                                        </p:attrNameLst>
+                                      </p:cBhvr>
+                                      <p:to>
+                                        <p:strVal val="visible"/>
+                                      </p:to>
+                                    </p:set>
+                                  </p:childTnLst>
+                                </p:cTn>
+                              </p:par>
+                            </p:childTnLst>
+                          </p:cTn>
+                        </p:par>
+                      </p:childTnLst>
+                    </p:cTn>
+                  </p:par>
+                </p:childTnLst>
+              </p:cTn>
+              <p:prevCondLst>
+                <p:cond evt="onPrev" delay="0">
+                  <p:tgtEl>
+                    <p:sldTgt/>
+                  </p:tgtEl>
+                </p:cond>
+              </p:prevCondLst>
+              <p:nextCondLst>
+                <p:cond evt="onNext" delay="0">
+                  <p:tgtEl>
+                    <p:sldTgt/>
+                  </p:tgtEl>
+                </p:cond>
+              </p:nextCondLst>
+            </p:seq>
+          </p:childTnLst>
+        </p:cTn>
       </p:par>
     </p:tnLst>
+    <p:bldLst>
+      <p:bldP spid="15" grpId="0" animBg="1"/>
+      <p:bldP spid="16" grpId="0" animBg="1"/>
+      <p:bldP spid="17" grpId="0" animBg="1"/>
+    </p:bldLst>
   </p:timing>
 </p:sld>
 </file>
@@ -11031,16 +12909,48 @@
           <a:p>
             <a:r>
               <a:rPr lang="en-SG" dirty="0" smtClean="0"/>
-              <a:t>Similar to SQL, the data models can use Data Annotation to enforce rules on each model properties.</a:t>
+              <a:t>Similar to SQL, the data models can use Data Annotation to </a:t>
+            </a:r>
+            <a:r>
+              <a:rPr lang="en-SG" b="1" dirty="0" smtClean="0"/>
+              <a:t>enforce rules </a:t>
+            </a:r>
+            <a:r>
+              <a:rPr lang="en-SG" dirty="0" smtClean="0"/>
+              <a:t>on each model properties.</a:t>
             </a:r>
           </a:p>
           <a:p>
+            <a:pPr lvl="1"/>
+            <a:r>
+              <a:rPr lang="en-SG" dirty="0" smtClean="0"/>
+              <a:t>Allow NULL</a:t>
+            </a:r>
+          </a:p>
+          <a:p>
+            <a:pPr lvl="1"/>
+            <a:r>
+              <a:rPr lang="en-SG" dirty="0" smtClean="0"/>
+              <a:t>String Length </a:t>
+            </a:r>
+            <a:r>
+              <a:rPr lang="en-SG" dirty="0" err="1" smtClean="0"/>
+              <a:t>etc</a:t>
+            </a:r>
             <a:endParaRPr lang="en-SG" dirty="0"/>
           </a:p>
           <a:p>
             <a:r>
               <a:rPr lang="en-SG" dirty="0" smtClean="0"/>
-              <a:t>Not only SQL constrains, data annotation can be useful for defining other behaviours such as:</a:t>
+              <a:t>Not only SQL constrains, data annotation can be useful for defining </a:t>
+            </a:r>
+            <a:r>
+              <a:rPr lang="en-SG" b="1" dirty="0" smtClean="0"/>
+              <a:t>other behaviours </a:t>
+            </a:r>
+            <a:r>
+              <a:rPr lang="en-SG" dirty="0" smtClean="0"/>
+              <a:t>such as:</a:t>
             </a:r>
           </a:p>
           <a:p>
@@ -11065,7 +12975,18 @@
             </a:r>
           </a:p>
           <a:p>
-            <a:pPr lvl="1"/>
+            <a:r>
+              <a:rPr lang="en-SG" dirty="0" smtClean="0"/>
+              <a:t>Useful for form </a:t>
+            </a:r>
+            <a:r>
+              <a:rPr lang="en-SG" b="1" dirty="0" smtClean="0"/>
+              <a:t>validation</a:t>
+            </a:r>
+            <a:r>
+              <a:rPr lang="en-SG" dirty="0" smtClean="0"/>
+              <a:t> </a:t>
+            </a:r>
             <a:endParaRPr lang="en-SG" dirty="0" smtClean="0"/>
           </a:p>
         </p:txBody>
@@ -11175,9 +13096,337 @@
   <p:timing>
     <p:tnLst>
       <p:par>
-        <p:cTn id="1" dur="indefinite" restart="never" nodeType="tmRoot"/>
+        <p:cTn id="1" dur="indefinite" restart="never" nodeType="tmRoot">
+          <p:childTnLst>
+            <p:seq concurrent="1" nextAc="seek">
+              <p:cTn id="2" dur="indefinite" nodeType="mainSeq">
+                <p:childTnLst>
+                  <p:par>
+                    <p:cTn id="3" fill="hold">
+                      <p:stCondLst>
+                        <p:cond delay="indefinite"/>
+                      </p:stCondLst>
+                      <p:childTnLst>
+                        <p:par>
+                          <p:cTn id="4" fill="hold">
+                            <p:stCondLst>
+                              <p:cond delay="0"/>
+                            </p:stCondLst>
+                            <p:childTnLst>
+                              <p:par>
+                                <p:cTn id="5" presetID="1" presetClass="entr" presetSubtype="0" fill="hold" grpId="0" nodeType="clickEffect">
+                                  <p:stCondLst>
+                                    <p:cond delay="0"/>
+                                  </p:stCondLst>
+                                  <p:childTnLst>
+                                    <p:set>
+                                      <p:cBhvr>
+                                        <p:cTn id="6" dur="1" fill="hold">
+                                          <p:stCondLst>
+                                            <p:cond delay="0"/>
+                                          </p:stCondLst>
+                                        </p:cTn>
+                                        <p:tgtEl>
+                                          <p:spTgt spid="5">
+                                            <p:txEl>
+                                              <p:pRg st="0" end="0"/>
+                                            </p:txEl>
+                                          </p:spTgt>
+                                        </p:tgtEl>
+                                        <p:attrNameLst>
+                                          <p:attrName>style.visibility</p:attrName>
+                                        </p:attrNameLst>
+                                      </p:cBhvr>
+                                      <p:to>
+                                        <p:strVal val="visible"/>
+                                      </p:to>
+                                    </p:set>
+                                  </p:childTnLst>
+                                </p:cTn>
+                              </p:par>
+                              <p:par>
+                                <p:cTn id="7" presetID="1" presetClass="entr" presetSubtype="0" fill="hold" grpId="0" nodeType="withEffect">
+                                  <p:stCondLst>
+                                    <p:cond delay="0"/>
+                                  </p:stCondLst>
+                                  <p:childTnLst>
+                                    <p:set>
+                                      <p:cBhvr>
+                                        <p:cTn id="8" dur="1" fill="hold">
+                                          <p:stCondLst>
+                                            <p:cond delay="0"/>
+                                          </p:stCondLst>
+                                        </p:cTn>
+                                        <p:tgtEl>
+                                          <p:spTgt spid="5">
+                                            <p:txEl>
+                                              <p:pRg st="1" end="1"/>
+                                            </p:txEl>
+                                          </p:spTgt>
+                                        </p:tgtEl>
+                                        <p:attrNameLst>
+                                          <p:attrName>style.visibility</p:attrName>
+                                        </p:attrNameLst>
+                                      </p:cBhvr>
+                                      <p:to>
+                                        <p:strVal val="visible"/>
+                                      </p:to>
+                                    </p:set>
+                                  </p:childTnLst>
+                                </p:cTn>
+                              </p:par>
+                              <p:par>
+                                <p:cTn id="9" presetID="1" presetClass="entr" presetSubtype="0" fill="hold" grpId="0" nodeType="withEffect">
+                                  <p:stCondLst>
+                                    <p:cond delay="0"/>
+                                  </p:stCondLst>
+                                  <p:childTnLst>
+                                    <p:set>
+                                      <p:cBhvr>
+                                        <p:cTn id="10" dur="1" fill="hold">
+                                          <p:stCondLst>
+                                            <p:cond delay="0"/>
+                                          </p:stCondLst>
+                                        </p:cTn>
+                                        <p:tgtEl>
+                                          <p:spTgt spid="5">
+                                            <p:txEl>
+                                              <p:pRg st="2" end="2"/>
+                                            </p:txEl>
+                                          </p:spTgt>
+                                        </p:tgtEl>
+                                        <p:attrNameLst>
+                                          <p:attrName>style.visibility</p:attrName>
+                                        </p:attrNameLst>
+                                      </p:cBhvr>
+                                      <p:to>
+                                        <p:strVal val="visible"/>
+                                      </p:to>
+                                    </p:set>
+                                  </p:childTnLst>
+                                </p:cTn>
+                              </p:par>
+                            </p:childTnLst>
+                          </p:cTn>
+                        </p:par>
+                      </p:childTnLst>
+                    </p:cTn>
+                  </p:par>
+                  <p:par>
+                    <p:cTn id="11" fill="hold">
+                      <p:stCondLst>
+                        <p:cond delay="indefinite"/>
+                      </p:stCondLst>
+                      <p:childTnLst>
+                        <p:par>
+                          <p:cTn id="12" fill="hold">
+                            <p:stCondLst>
+                              <p:cond delay="0"/>
+                            </p:stCondLst>
+                            <p:childTnLst>
+                              <p:par>
+                                <p:cTn id="13" presetID="1" presetClass="entr" presetSubtype="0" fill="hold" grpId="0" nodeType="clickEffect">
+                                  <p:stCondLst>
+                                    <p:cond delay="0"/>
+                                  </p:stCondLst>
+                                  <p:childTnLst>
+                                    <p:set>
+                                      <p:cBhvr>
+                                        <p:cTn id="14" dur="1" fill="hold">
+                                          <p:stCondLst>
+                                            <p:cond delay="0"/>
+                                          </p:stCondLst>
+                                        </p:cTn>
+                                        <p:tgtEl>
+                                          <p:spTgt spid="5">
+                                            <p:txEl>
+                                              <p:pRg st="3" end="3"/>
+                                            </p:txEl>
+                                          </p:spTgt>
+                                        </p:tgtEl>
+                                        <p:attrNameLst>
+                                          <p:attrName>style.visibility</p:attrName>
+                                        </p:attrNameLst>
+                                      </p:cBhvr>
+                                      <p:to>
+                                        <p:strVal val="visible"/>
+                                      </p:to>
+                                    </p:set>
+                                  </p:childTnLst>
+                                </p:cTn>
+                              </p:par>
+                              <p:par>
+                                <p:cTn id="15" presetID="1" presetClass="entr" presetSubtype="0" fill="hold" grpId="0" nodeType="withEffect">
+                                  <p:stCondLst>
+                                    <p:cond delay="0"/>
+                                  </p:stCondLst>
+                                  <p:childTnLst>
+                                    <p:set>
+                                      <p:cBhvr>
+                                        <p:cTn id="16" dur="1" fill="hold">
+                                          <p:stCondLst>
+                                            <p:cond delay="0"/>
+                                          </p:stCondLst>
+                                        </p:cTn>
+                                        <p:tgtEl>
+                                          <p:spTgt spid="5">
+                                            <p:txEl>
+                                              <p:pRg st="4" end="4"/>
+                                            </p:txEl>
+                                          </p:spTgt>
+                                        </p:tgtEl>
+                                        <p:attrNameLst>
+                                          <p:attrName>style.visibility</p:attrName>
+                                        </p:attrNameLst>
+                                      </p:cBhvr>
+                                      <p:to>
+                                        <p:strVal val="visible"/>
+                                      </p:to>
+                                    </p:set>
+                                  </p:childTnLst>
+                                </p:cTn>
+                              </p:par>
+                              <p:par>
+                                <p:cTn id="17" presetID="1" presetClass="entr" presetSubtype="0" fill="hold" grpId="0" nodeType="withEffect">
+                                  <p:stCondLst>
+                                    <p:cond delay="0"/>
+                                  </p:stCondLst>
+                                  <p:childTnLst>
+                                    <p:set>
+                                      <p:cBhvr>
+                                        <p:cTn id="18" dur="1" fill="hold">
+                                          <p:stCondLst>
+                                            <p:cond delay="0"/>
+                                          </p:stCondLst>
+                                        </p:cTn>
+                                        <p:tgtEl>
+                                          <p:spTgt spid="5">
+                                            <p:txEl>
+                                              <p:pRg st="5" end="5"/>
+                                            </p:txEl>
+                                          </p:spTgt>
+                                        </p:tgtEl>
+                                        <p:attrNameLst>
+                                          <p:attrName>style.visibility</p:attrName>
+                                        </p:attrNameLst>
+                                      </p:cBhvr>
+                                      <p:to>
+                                        <p:strVal val="visible"/>
+                                      </p:to>
+                                    </p:set>
+                                  </p:childTnLst>
+                                </p:cTn>
+                              </p:par>
+                              <p:par>
+                                <p:cTn id="19" presetID="1" presetClass="entr" presetSubtype="0" fill="hold" grpId="0" nodeType="withEffect">
+                                  <p:stCondLst>
+                                    <p:cond delay="0"/>
+                                  </p:stCondLst>
+                                  <p:childTnLst>
+                                    <p:set>
+                                      <p:cBhvr>
+                                        <p:cTn id="20" dur="1" fill="hold">
+                                          <p:stCondLst>
+                                            <p:cond delay="0"/>
+                                          </p:stCondLst>
+                                        </p:cTn>
+                                        <p:tgtEl>
+                                          <p:spTgt spid="5">
+                                            <p:txEl>
+                                              <p:pRg st="6" end="6"/>
+                                            </p:txEl>
+                                          </p:spTgt>
+                                        </p:tgtEl>
+                                        <p:attrNameLst>
+                                          <p:attrName>style.visibility</p:attrName>
+                                        </p:attrNameLst>
+                                      </p:cBhvr>
+                                      <p:to>
+                                        <p:strVal val="visible"/>
+                                      </p:to>
+                                    </p:set>
+                                  </p:childTnLst>
+                                </p:cTn>
+                              </p:par>
+                            </p:childTnLst>
+                          </p:cTn>
+                        </p:par>
+                      </p:childTnLst>
+                    </p:cTn>
+                  </p:par>
+                  <p:par>
+                    <p:cTn id="21" fill="hold">
+                      <p:stCondLst>
+                        <p:cond delay="indefinite"/>
+                      </p:stCondLst>
+                      <p:childTnLst>
+                        <p:par>
+                          <p:cTn id="22" fill="hold">
+                            <p:stCondLst>
+                              <p:cond delay="0"/>
+                            </p:stCondLst>
+                            <p:childTnLst>
+                              <p:par>
+                                <p:cTn id="23" presetID="1" presetClass="entr" presetSubtype="0" fill="hold" grpId="0" nodeType="clickEffect">
+                                  <p:stCondLst>
+                                    <p:cond delay="0"/>
+                                  </p:stCondLst>
+                                  <p:childTnLst>
+                                    <p:set>
+                                      <p:cBhvr>
+                                        <p:cTn id="24" dur="1" fill="hold">
+                                          <p:stCondLst>
+                                            <p:cond delay="0"/>
+                                          </p:stCondLst>
+                                        </p:cTn>
+                                        <p:tgtEl>
+                                          <p:spTgt spid="5">
+                                            <p:txEl>
+                                              <p:pRg st="7" end="7"/>
+                                            </p:txEl>
+                                          </p:spTgt>
+                                        </p:tgtEl>
+                                        <p:attrNameLst>
+                                          <p:attrName>style.visibility</p:attrName>
+                                        </p:attrNameLst>
+                                      </p:cBhvr>
+                                      <p:to>
+                                        <p:strVal val="visible"/>
+                                      </p:to>
+                                    </p:set>
+                                  </p:childTnLst>
+                                </p:cTn>
+                              </p:par>
+                            </p:childTnLst>
+                          </p:cTn>
+                        </p:par>
+                      </p:childTnLst>
+                    </p:cTn>
+                  </p:par>
+                </p:childTnLst>
+              </p:cTn>
+              <p:prevCondLst>
+                <p:cond evt="onPrev" delay="0">
+                  <p:tgtEl>
+                    <p:sldTgt/>
+                  </p:tgtEl>
+                </p:cond>
+              </p:prevCondLst>
+              <p:nextCondLst>
+                <p:cond evt="onNext" delay="0">
+                  <p:tgtEl>
+                    <p:sldTgt/>
+                  </p:tgtEl>
+                </p:cond>
+              </p:nextCondLst>
+            </p:seq>
+          </p:childTnLst>
+        </p:cTn>
       </p:par>
     </p:tnLst>
+    <p:bldLst>
+      <p:bldP spid="5" grpId="0" build="p"/>
+    </p:bldLst>
   </p:timing>
 </p:sld>
 </file>
@@ -11216,9 +13465,13 @@
           <a:p>
             <a:r>
               <a:rPr lang="en-SG" dirty="0" smtClean="0"/>
-              <a:t>Data Annotations for Database Schema</a:t>
-            </a:r>
-            <a:endParaRPr lang="en-SG" dirty="0"/>
+              <a:t>Data Annotations for </a:t>
+            </a:r>
+            <a:r>
+              <a:rPr lang="en-SG" b="1" dirty="0" smtClean="0"/>
+              <a:t>Database Schema</a:t>
+            </a:r>
+            <a:endParaRPr lang="en-SG" b="1" dirty="0"/>
           </a:p>
         </p:txBody>
       </p:sp>
@@ -11790,9 +14043,13 @@
           <a:p>
             <a:r>
               <a:rPr lang="en-SG" dirty="0" smtClean="0"/>
-              <a:t>Data Annotations for Database Schema</a:t>
-            </a:r>
-            <a:endParaRPr lang="en-SG" dirty="0"/>
+              <a:t>Data Annotations for </a:t>
+            </a:r>
+            <a:r>
+              <a:rPr lang="en-SG" b="1" dirty="0" smtClean="0"/>
+              <a:t>Database Schema</a:t>
+            </a:r>
+            <a:endParaRPr lang="en-SG" b="1" dirty="0"/>
           </a:p>
         </p:txBody>
       </p:sp>
@@ -12311,9 +14568,13 @@
           <a:p>
             <a:r>
               <a:rPr lang="en-SG" dirty="0" smtClean="0"/>
-              <a:t>Data Annotations for Database Schema</a:t>
-            </a:r>
-            <a:endParaRPr lang="en-SG" dirty="0"/>
+              <a:t>Data Annotations for </a:t>
+            </a:r>
+            <a:r>
+              <a:rPr lang="en-SG" b="1" dirty="0" smtClean="0"/>
+              <a:t>Database Schema</a:t>
+            </a:r>
+            <a:endParaRPr lang="en-SG" b="1" dirty="0"/>
           </a:p>
         </p:txBody>
       </p:sp>
@@ -12972,17 +15233,28 @@
             <a:pPr lvl="1"/>
             <a:r>
               <a:rPr lang="en-SG" dirty="0" smtClean="0"/>
-              <a:t>Many to many</a:t>
+              <a:t>Many to </a:t>
+            </a:r>
+            <a:r>
+              <a:rPr lang="en-SG" dirty="0" smtClean="0"/>
+              <a:t>many</a:t>
             </a:r>
           </a:p>
           <a:p>
             <a:r>
               <a:rPr lang="en-SG" dirty="0" smtClean="0"/>
-              <a:t>Configure </a:t>
+              <a:t>Managing Database Schemas</a:t>
+            </a:r>
+            <a:endParaRPr lang="en-SG" dirty="0" smtClean="0"/>
+          </a:p>
+          <a:p>
+            <a:r>
+              <a:rPr lang="en-SG" dirty="0" smtClean="0"/>
+              <a:t>Model Constrains using </a:t>
             </a:r>
             <a:r>
               <a:rPr lang="en-SG" dirty="0"/>
-              <a:t>the Model using Data </a:t>
+              <a:t>Data </a:t>
             </a:r>
             <a:r>
               <a:rPr lang="en-SG" dirty="0" smtClean="0"/>
@@ -13015,9 +15287,435 @@
   <p:timing>
     <p:tnLst>
       <p:par>
-        <p:cTn id="1" dur="indefinite" restart="never" nodeType="tmRoot"/>
+        <p:cTn id="1" dur="indefinite" restart="never" nodeType="tmRoot">
+          <p:childTnLst>
+            <p:seq concurrent="1" nextAc="seek">
+              <p:cTn id="2" dur="indefinite" nodeType="mainSeq">
+                <p:childTnLst>
+                  <p:par>
+                    <p:cTn id="3" fill="hold">
+                      <p:stCondLst>
+                        <p:cond delay="indefinite"/>
+                      </p:stCondLst>
+                      <p:childTnLst>
+                        <p:par>
+                          <p:cTn id="4" fill="hold">
+                            <p:stCondLst>
+                              <p:cond delay="0"/>
+                            </p:stCondLst>
+                            <p:childTnLst>
+                              <p:par>
+                                <p:cTn id="5" presetID="1" presetClass="entr" presetSubtype="0" fill="hold" grpId="0" nodeType="clickEffect">
+                                  <p:stCondLst>
+                                    <p:cond delay="0"/>
+                                  </p:stCondLst>
+                                  <p:childTnLst>
+                                    <p:set>
+                                      <p:cBhvr>
+                                        <p:cTn id="6" dur="1" fill="hold">
+                                          <p:stCondLst>
+                                            <p:cond delay="0"/>
+                                          </p:stCondLst>
+                                        </p:cTn>
+                                        <p:tgtEl>
+                                          <p:spTgt spid="3">
+                                            <p:txEl>
+                                              <p:pRg st="0" end="0"/>
+                                            </p:txEl>
+                                          </p:spTgt>
+                                        </p:tgtEl>
+                                        <p:attrNameLst>
+                                          <p:attrName>style.visibility</p:attrName>
+                                        </p:attrNameLst>
+                                      </p:cBhvr>
+                                      <p:to>
+                                        <p:strVal val="visible"/>
+                                      </p:to>
+                                    </p:set>
+                                  </p:childTnLst>
+                                </p:cTn>
+                              </p:par>
+                            </p:childTnLst>
+                          </p:cTn>
+                        </p:par>
+                      </p:childTnLst>
+                    </p:cTn>
+                  </p:par>
+                  <p:par>
+                    <p:cTn id="7" fill="hold">
+                      <p:stCondLst>
+                        <p:cond delay="indefinite"/>
+                      </p:stCondLst>
+                      <p:childTnLst>
+                        <p:par>
+                          <p:cTn id="8" fill="hold">
+                            <p:stCondLst>
+                              <p:cond delay="0"/>
+                            </p:stCondLst>
+                            <p:childTnLst>
+                              <p:par>
+                                <p:cTn id="9" presetID="1" presetClass="entr" presetSubtype="0" fill="hold" grpId="0" nodeType="clickEffect">
+                                  <p:stCondLst>
+                                    <p:cond delay="0"/>
+                                  </p:stCondLst>
+                                  <p:childTnLst>
+                                    <p:set>
+                                      <p:cBhvr>
+                                        <p:cTn id="10" dur="1" fill="hold">
+                                          <p:stCondLst>
+                                            <p:cond delay="0"/>
+                                          </p:stCondLst>
+                                        </p:cTn>
+                                        <p:tgtEl>
+                                          <p:spTgt spid="3">
+                                            <p:txEl>
+                                              <p:pRg st="1" end="1"/>
+                                            </p:txEl>
+                                          </p:spTgt>
+                                        </p:tgtEl>
+                                        <p:attrNameLst>
+                                          <p:attrName>style.visibility</p:attrName>
+                                        </p:attrNameLst>
+                                      </p:cBhvr>
+                                      <p:to>
+                                        <p:strVal val="visible"/>
+                                      </p:to>
+                                    </p:set>
+                                  </p:childTnLst>
+                                </p:cTn>
+                              </p:par>
+                              <p:par>
+                                <p:cTn id="11" presetID="1" presetClass="entr" presetSubtype="0" fill="hold" grpId="0" nodeType="withEffect">
+                                  <p:stCondLst>
+                                    <p:cond delay="0"/>
+                                  </p:stCondLst>
+                                  <p:childTnLst>
+                                    <p:set>
+                                      <p:cBhvr>
+                                        <p:cTn id="12" dur="1" fill="hold">
+                                          <p:stCondLst>
+                                            <p:cond delay="0"/>
+                                          </p:stCondLst>
+                                        </p:cTn>
+                                        <p:tgtEl>
+                                          <p:spTgt spid="3">
+                                            <p:txEl>
+                                              <p:pRg st="2" end="2"/>
+                                            </p:txEl>
+                                          </p:spTgt>
+                                        </p:tgtEl>
+                                        <p:attrNameLst>
+                                          <p:attrName>style.visibility</p:attrName>
+                                        </p:attrNameLst>
+                                      </p:cBhvr>
+                                      <p:to>
+                                        <p:strVal val="visible"/>
+                                      </p:to>
+                                    </p:set>
+                                  </p:childTnLst>
+                                </p:cTn>
+                              </p:par>
+                              <p:par>
+                                <p:cTn id="13" presetID="1" presetClass="entr" presetSubtype="0" fill="hold" grpId="0" nodeType="withEffect">
+                                  <p:stCondLst>
+                                    <p:cond delay="0"/>
+                                  </p:stCondLst>
+                                  <p:childTnLst>
+                                    <p:set>
+                                      <p:cBhvr>
+                                        <p:cTn id="14" dur="1" fill="hold">
+                                          <p:stCondLst>
+                                            <p:cond delay="0"/>
+                                          </p:stCondLst>
+                                        </p:cTn>
+                                        <p:tgtEl>
+                                          <p:spTgt spid="3">
+                                            <p:txEl>
+                                              <p:pRg st="3" end="3"/>
+                                            </p:txEl>
+                                          </p:spTgt>
+                                        </p:tgtEl>
+                                        <p:attrNameLst>
+                                          <p:attrName>style.visibility</p:attrName>
+                                        </p:attrNameLst>
+                                      </p:cBhvr>
+                                      <p:to>
+                                        <p:strVal val="visible"/>
+                                      </p:to>
+                                    </p:set>
+                                  </p:childTnLst>
+                                </p:cTn>
+                              </p:par>
+                            </p:childTnLst>
+                          </p:cTn>
+                        </p:par>
+                      </p:childTnLst>
+                    </p:cTn>
+                  </p:par>
+                  <p:par>
+                    <p:cTn id="15" fill="hold">
+                      <p:stCondLst>
+                        <p:cond delay="indefinite"/>
+                      </p:stCondLst>
+                      <p:childTnLst>
+                        <p:par>
+                          <p:cTn id="16" fill="hold">
+                            <p:stCondLst>
+                              <p:cond delay="0"/>
+                            </p:stCondLst>
+                            <p:childTnLst>
+                              <p:par>
+                                <p:cTn id="17" presetID="1" presetClass="entr" presetSubtype="0" fill="hold" grpId="0" nodeType="clickEffect">
+                                  <p:stCondLst>
+                                    <p:cond delay="0"/>
+                                  </p:stCondLst>
+                                  <p:childTnLst>
+                                    <p:set>
+                                      <p:cBhvr>
+                                        <p:cTn id="18" dur="1" fill="hold">
+                                          <p:stCondLst>
+                                            <p:cond delay="0"/>
+                                          </p:stCondLst>
+                                        </p:cTn>
+                                        <p:tgtEl>
+                                          <p:spTgt spid="3">
+                                            <p:txEl>
+                                              <p:pRg st="4" end="4"/>
+                                            </p:txEl>
+                                          </p:spTgt>
+                                        </p:tgtEl>
+                                        <p:attrNameLst>
+                                          <p:attrName>style.visibility</p:attrName>
+                                        </p:attrNameLst>
+                                      </p:cBhvr>
+                                      <p:to>
+                                        <p:strVal val="visible"/>
+                                      </p:to>
+                                    </p:set>
+                                  </p:childTnLst>
+                                </p:cTn>
+                              </p:par>
+                              <p:par>
+                                <p:cTn id="19" presetID="1" presetClass="entr" presetSubtype="0" fill="hold" grpId="0" nodeType="withEffect">
+                                  <p:stCondLst>
+                                    <p:cond delay="0"/>
+                                  </p:stCondLst>
+                                  <p:childTnLst>
+                                    <p:set>
+                                      <p:cBhvr>
+                                        <p:cTn id="20" dur="1" fill="hold">
+                                          <p:stCondLst>
+                                            <p:cond delay="0"/>
+                                          </p:stCondLst>
+                                        </p:cTn>
+                                        <p:tgtEl>
+                                          <p:spTgt spid="3">
+                                            <p:txEl>
+                                              <p:pRg st="5" end="5"/>
+                                            </p:txEl>
+                                          </p:spTgt>
+                                        </p:tgtEl>
+                                        <p:attrNameLst>
+                                          <p:attrName>style.visibility</p:attrName>
+                                        </p:attrNameLst>
+                                      </p:cBhvr>
+                                      <p:to>
+                                        <p:strVal val="visible"/>
+                                      </p:to>
+                                    </p:set>
+                                  </p:childTnLst>
+                                </p:cTn>
+                              </p:par>
+                              <p:par>
+                                <p:cTn id="21" presetID="1" presetClass="entr" presetSubtype="0" fill="hold" grpId="0" nodeType="withEffect">
+                                  <p:stCondLst>
+                                    <p:cond delay="0"/>
+                                  </p:stCondLst>
+                                  <p:childTnLst>
+                                    <p:set>
+                                      <p:cBhvr>
+                                        <p:cTn id="22" dur="1" fill="hold">
+                                          <p:stCondLst>
+                                            <p:cond delay="0"/>
+                                          </p:stCondLst>
+                                        </p:cTn>
+                                        <p:tgtEl>
+                                          <p:spTgt spid="3">
+                                            <p:txEl>
+                                              <p:pRg st="6" end="6"/>
+                                            </p:txEl>
+                                          </p:spTgt>
+                                        </p:tgtEl>
+                                        <p:attrNameLst>
+                                          <p:attrName>style.visibility</p:attrName>
+                                        </p:attrNameLst>
+                                      </p:cBhvr>
+                                      <p:to>
+                                        <p:strVal val="visible"/>
+                                      </p:to>
+                                    </p:set>
+                                  </p:childTnLst>
+                                </p:cTn>
+                              </p:par>
+                              <p:par>
+                                <p:cTn id="23" presetID="1" presetClass="entr" presetSubtype="0" fill="hold" grpId="0" nodeType="withEffect">
+                                  <p:stCondLst>
+                                    <p:cond delay="0"/>
+                                  </p:stCondLst>
+                                  <p:childTnLst>
+                                    <p:set>
+                                      <p:cBhvr>
+                                        <p:cTn id="24" dur="1" fill="hold">
+                                          <p:stCondLst>
+                                            <p:cond delay="0"/>
+                                          </p:stCondLst>
+                                        </p:cTn>
+                                        <p:tgtEl>
+                                          <p:spTgt spid="3">
+                                            <p:txEl>
+                                              <p:pRg st="7" end="7"/>
+                                            </p:txEl>
+                                          </p:spTgt>
+                                        </p:tgtEl>
+                                        <p:attrNameLst>
+                                          <p:attrName>style.visibility</p:attrName>
+                                        </p:attrNameLst>
+                                      </p:cBhvr>
+                                      <p:to>
+                                        <p:strVal val="visible"/>
+                                      </p:to>
+                                    </p:set>
+                                  </p:childTnLst>
+                                </p:cTn>
+                              </p:par>
+                            </p:childTnLst>
+                          </p:cTn>
+                        </p:par>
+                      </p:childTnLst>
+                    </p:cTn>
+                  </p:par>
+                  <p:par>
+                    <p:cTn id="25" fill="hold">
+                      <p:stCondLst>
+                        <p:cond delay="indefinite"/>
+                      </p:stCondLst>
+                      <p:childTnLst>
+                        <p:par>
+                          <p:cTn id="26" fill="hold">
+                            <p:stCondLst>
+                              <p:cond delay="0"/>
+                            </p:stCondLst>
+                            <p:childTnLst>
+                              <p:par>
+                                <p:cTn id="27" presetID="1" presetClass="entr" presetSubtype="0" fill="hold" grpId="0" nodeType="clickEffect">
+                                  <p:stCondLst>
+                                    <p:cond delay="0"/>
+                                  </p:stCondLst>
+                                  <p:childTnLst>
+                                    <p:set>
+                                      <p:cBhvr>
+                                        <p:cTn id="28" dur="1" fill="hold">
+                                          <p:stCondLst>
+                                            <p:cond delay="0"/>
+                                          </p:stCondLst>
+                                        </p:cTn>
+                                        <p:tgtEl>
+                                          <p:spTgt spid="3">
+                                            <p:txEl>
+                                              <p:pRg st="8" end="8"/>
+                                            </p:txEl>
+                                          </p:spTgt>
+                                        </p:tgtEl>
+                                        <p:attrNameLst>
+                                          <p:attrName>style.visibility</p:attrName>
+                                        </p:attrNameLst>
+                                      </p:cBhvr>
+                                      <p:to>
+                                        <p:strVal val="visible"/>
+                                      </p:to>
+                                    </p:set>
+                                  </p:childTnLst>
+                                </p:cTn>
+                              </p:par>
+                            </p:childTnLst>
+                          </p:cTn>
+                        </p:par>
+                      </p:childTnLst>
+                    </p:cTn>
+                  </p:par>
+                  <p:par>
+                    <p:cTn id="29" fill="hold">
+                      <p:stCondLst>
+                        <p:cond delay="indefinite"/>
+                      </p:stCondLst>
+                      <p:childTnLst>
+                        <p:par>
+                          <p:cTn id="30" fill="hold">
+                            <p:stCondLst>
+                              <p:cond delay="0"/>
+                            </p:stCondLst>
+                            <p:childTnLst>
+                              <p:par>
+                                <p:cTn id="31" presetID="1" presetClass="entr" presetSubtype="0" fill="hold" grpId="0" nodeType="clickEffect">
+                                  <p:stCondLst>
+                                    <p:cond delay="0"/>
+                                  </p:stCondLst>
+                                  <p:childTnLst>
+                                    <p:set>
+                                      <p:cBhvr>
+                                        <p:cTn id="32" dur="1" fill="hold">
+                                          <p:stCondLst>
+                                            <p:cond delay="0"/>
+                                          </p:stCondLst>
+                                        </p:cTn>
+                                        <p:tgtEl>
+                                          <p:spTgt spid="3">
+                                            <p:txEl>
+                                              <p:pRg st="9" end="9"/>
+                                            </p:txEl>
+                                          </p:spTgt>
+                                        </p:tgtEl>
+                                        <p:attrNameLst>
+                                          <p:attrName>style.visibility</p:attrName>
+                                        </p:attrNameLst>
+                                      </p:cBhvr>
+                                      <p:to>
+                                        <p:strVal val="visible"/>
+                                      </p:to>
+                                    </p:set>
+                                  </p:childTnLst>
+                                </p:cTn>
+                              </p:par>
+                            </p:childTnLst>
+                          </p:cTn>
+                        </p:par>
+                      </p:childTnLst>
+                    </p:cTn>
+                  </p:par>
+                </p:childTnLst>
+              </p:cTn>
+              <p:prevCondLst>
+                <p:cond evt="onPrev" delay="0">
+                  <p:tgtEl>
+                    <p:sldTgt/>
+                  </p:tgtEl>
+                </p:cond>
+              </p:prevCondLst>
+              <p:nextCondLst>
+                <p:cond evt="onNext" delay="0">
+                  <p:tgtEl>
+                    <p:sldTgt/>
+                  </p:tgtEl>
+                </p:cond>
+              </p:nextCondLst>
+            </p:seq>
+          </p:childTnLst>
+        </p:cTn>
       </p:par>
     </p:tnLst>
+    <p:bldLst>
+      <p:bldP spid="3" grpId="0" build="p"/>
+    </p:bldLst>
   </p:timing>
 </p:sld>
 </file>
@@ -13056,9 +15754,13 @@
           <a:p>
             <a:r>
               <a:rPr lang="en-SG" dirty="0" smtClean="0"/>
-              <a:t>Data Annotations for Attributes</a:t>
-            </a:r>
-            <a:endParaRPr lang="en-SG" dirty="0"/>
+              <a:t>Data Annotations for </a:t>
+            </a:r>
+            <a:r>
+              <a:rPr lang="en-SG" b="1" dirty="0" smtClean="0"/>
+              <a:t>Attributes</a:t>
+            </a:r>
+            <a:endParaRPr lang="en-SG" b="1" dirty="0"/>
           </a:p>
         </p:txBody>
       </p:sp>
@@ -13072,7 +15774,7 @@
             <p:ph idx="1"/>
             <p:extLst>
               <p:ext uri="{D42A27DB-BD31-4B8C-83A1-F6EECF244321}">
-                <p14:modId xmlns:p14="http://schemas.microsoft.com/office/powerpoint/2010/main" val="1423926689"/>
+                <p14:modId xmlns:p14="http://schemas.microsoft.com/office/powerpoint/2010/main" val="832355278"/>
               </p:ext>
             </p:extLst>
           </p:nvPr>
@@ -13309,7 +16011,103 @@
                           <a:ea typeface="+mn-ea"/>
                           <a:cs typeface="+mn-cs"/>
                         </a:rPr>
-                        <a:t> core will automatically create key for properties ending with “ID”</a:t>
+                        <a:t> core will </a:t>
+                      </a:r>
+                      <a:r>
+                        <a:rPr lang="en-US" sz="1800" b="1" i="0" kern="1200" dirty="0" smtClean="0">
+                          <a:solidFill>
+                            <a:schemeClr val="dk1"/>
+                          </a:solidFill>
+                          <a:effectLst/>
+                          <a:latin typeface="+mn-lt"/>
+                          <a:ea typeface="+mn-ea"/>
+                          <a:cs typeface="+mn-cs"/>
+                        </a:rPr>
+                        <a:t>automatically</a:t>
+                      </a:r>
+                      <a:r>
+                        <a:rPr lang="en-US" sz="1800" b="0" i="0" kern="1200" dirty="0" smtClean="0">
+                          <a:solidFill>
+                            <a:schemeClr val="dk1"/>
+                          </a:solidFill>
+                          <a:effectLst/>
+                          <a:latin typeface="+mn-lt"/>
+                          <a:ea typeface="+mn-ea"/>
+                          <a:cs typeface="+mn-cs"/>
+                        </a:rPr>
+                        <a:t> create key for </a:t>
+                      </a:r>
+                      <a:r>
+                        <a:rPr lang="en-US" sz="1800" b="1" i="0" kern="1200" dirty="0" smtClean="0">
+                          <a:solidFill>
+                            <a:schemeClr val="dk1"/>
+                          </a:solidFill>
+                          <a:effectLst/>
+                          <a:latin typeface="+mn-lt"/>
+                          <a:ea typeface="+mn-ea"/>
+                          <a:cs typeface="+mn-cs"/>
+                        </a:rPr>
+                        <a:t>properties</a:t>
+                      </a:r>
+                      <a:r>
+                        <a:rPr lang="en-US" sz="1800" b="0" i="0" kern="1200" dirty="0" smtClean="0">
+                          <a:solidFill>
+                            <a:schemeClr val="dk1"/>
+                          </a:solidFill>
+                          <a:effectLst/>
+                          <a:latin typeface="+mn-lt"/>
+                          <a:ea typeface="+mn-ea"/>
+                          <a:cs typeface="+mn-cs"/>
+                        </a:rPr>
+                        <a:t> </a:t>
+                      </a:r>
+                      <a:r>
+                        <a:rPr lang="en-US" sz="1800" b="1" i="0" kern="1200" dirty="0" smtClean="0">
+                          <a:solidFill>
+                            <a:schemeClr val="dk1"/>
+                          </a:solidFill>
+                          <a:effectLst/>
+                          <a:latin typeface="+mn-lt"/>
+                          <a:ea typeface="+mn-ea"/>
+                          <a:cs typeface="+mn-cs"/>
+                        </a:rPr>
+                        <a:t>ending</a:t>
+                      </a:r>
+                      <a:r>
+                        <a:rPr lang="en-US" sz="1800" b="0" i="0" kern="1200" dirty="0" smtClean="0">
+                          <a:solidFill>
+                            <a:schemeClr val="dk1"/>
+                          </a:solidFill>
+                          <a:effectLst/>
+                          <a:latin typeface="+mn-lt"/>
+                          <a:ea typeface="+mn-ea"/>
+                          <a:cs typeface="+mn-cs"/>
+                        </a:rPr>
+                        <a:t> with “</a:t>
+                      </a:r>
+                      <a:r>
+                        <a:rPr lang="en-US" sz="1800" b="1" i="0" kern="1200" dirty="0" smtClean="0">
+                          <a:solidFill>
+                            <a:schemeClr val="dk1"/>
+                          </a:solidFill>
+                          <a:effectLst/>
+                          <a:latin typeface="+mn-lt"/>
+                          <a:ea typeface="+mn-ea"/>
+                          <a:cs typeface="+mn-cs"/>
+                        </a:rPr>
+                        <a:t>ID</a:t>
+                      </a:r>
+                      <a:r>
+                        <a:rPr lang="en-US" sz="1800" b="0" i="0" kern="1200" dirty="0" smtClean="0">
+                          <a:solidFill>
+                            <a:schemeClr val="dk1"/>
+                          </a:solidFill>
+                          <a:effectLst/>
+                          <a:latin typeface="+mn-lt"/>
+                          <a:ea typeface="+mn-ea"/>
+                          <a:cs typeface="+mn-cs"/>
+                        </a:rPr>
+                        <a:t>”</a:t>
                       </a:r>
                     </a:p>
                     <a:p>
@@ -13517,9 +16315,13 @@
           <a:p>
             <a:r>
               <a:rPr lang="en-SG" dirty="0" smtClean="0"/>
-              <a:t>Data Annotations for Attributes</a:t>
-            </a:r>
-            <a:endParaRPr lang="en-SG" dirty="0"/>
+              <a:t>Data Annotations for </a:t>
+            </a:r>
+            <a:r>
+              <a:rPr lang="en-SG" b="1" dirty="0" smtClean="0"/>
+              <a:t>Attributes</a:t>
+            </a:r>
+            <a:endParaRPr lang="en-SG" b="1" dirty="0"/>
           </a:p>
         </p:txBody>
       </p:sp>
@@ -14037,9 +16839,13 @@
           <a:p>
             <a:r>
               <a:rPr lang="en-SG" dirty="0" smtClean="0"/>
-              <a:t>Data Annotations for Attributes</a:t>
-            </a:r>
-            <a:endParaRPr lang="en-SG" dirty="0"/>
+              <a:t>Data Annotations for </a:t>
+            </a:r>
+            <a:r>
+              <a:rPr lang="en-SG" b="1" dirty="0" smtClean="0"/>
+              <a:t>Attributes</a:t>
+            </a:r>
+            <a:endParaRPr lang="en-SG" b="1" dirty="0"/>
           </a:p>
         </p:txBody>
       </p:sp>
@@ -14385,7 +17191,7 @@
             </a:r>
             <a:r>
               <a:rPr lang="en-SG" dirty="0" err="1" smtClean="0"/>
-              <a:t>ef</a:t>
+              <a:t>Ef</a:t>
             </a:r>
             <a:r>
               <a:rPr lang="en-SG" dirty="0" smtClean="0"/>
@@ -14393,7 +17199,7 @@
             </a:r>
             <a:r>
               <a:rPr lang="en-SG" dirty="0" err="1" smtClean="0"/>
-              <a:t>ef</a:t>
+              <a:t>Ef</a:t>
             </a:r>
             <a:r>
               <a:rPr lang="en-SG" dirty="0" smtClean="0"/>
@@ -14827,9 +17633,264 @@
   <p:timing>
     <p:tnLst>
       <p:par>
-        <p:cTn id="1" dur="indefinite" restart="never" nodeType="tmRoot"/>
+        <p:cTn id="1" dur="indefinite" restart="never" nodeType="tmRoot">
+          <p:childTnLst>
+            <p:seq concurrent="1" nextAc="seek">
+              <p:cTn id="2" dur="indefinite" nodeType="mainSeq">
+                <p:childTnLst>
+                  <p:par>
+                    <p:cTn id="3" fill="hold">
+                      <p:stCondLst>
+                        <p:cond delay="indefinite"/>
+                      </p:stCondLst>
+                      <p:childTnLst>
+                        <p:par>
+                          <p:cTn id="4" fill="hold">
+                            <p:stCondLst>
+                              <p:cond delay="0"/>
+                            </p:stCondLst>
+                            <p:childTnLst>
+                              <p:par>
+                                <p:cTn id="5" presetID="1" presetClass="entr" presetSubtype="0" fill="hold" grpId="0" nodeType="clickEffect">
+                                  <p:stCondLst>
+                                    <p:cond delay="0"/>
+                                  </p:stCondLst>
+                                  <p:childTnLst>
+                                    <p:set>
+                                      <p:cBhvr>
+                                        <p:cTn id="6" dur="1" fill="hold">
+                                          <p:stCondLst>
+                                            <p:cond delay="0"/>
+                                          </p:stCondLst>
+                                        </p:cTn>
+                                        <p:tgtEl>
+                                          <p:spTgt spid="16"/>
+                                        </p:tgtEl>
+                                        <p:attrNameLst>
+                                          <p:attrName>style.visibility</p:attrName>
+                                        </p:attrNameLst>
+                                      </p:cBhvr>
+                                      <p:to>
+                                        <p:strVal val="visible"/>
+                                      </p:to>
+                                    </p:set>
+                                  </p:childTnLst>
+                                </p:cTn>
+                              </p:par>
+                            </p:childTnLst>
+                          </p:cTn>
+                        </p:par>
+                      </p:childTnLst>
+                    </p:cTn>
+                  </p:par>
+                  <p:par>
+                    <p:cTn id="7" fill="hold">
+                      <p:stCondLst>
+                        <p:cond delay="indefinite"/>
+                      </p:stCondLst>
+                      <p:childTnLst>
+                        <p:par>
+                          <p:cTn id="8" fill="hold">
+                            <p:stCondLst>
+                              <p:cond delay="0"/>
+                            </p:stCondLst>
+                            <p:childTnLst>
+                              <p:par>
+                                <p:cTn id="9" presetID="1" presetClass="entr" presetSubtype="0" fill="hold" grpId="0" nodeType="clickEffect">
+                                  <p:stCondLst>
+                                    <p:cond delay="0"/>
+                                  </p:stCondLst>
+                                  <p:childTnLst>
+                                    <p:set>
+                                      <p:cBhvr>
+                                        <p:cTn id="10" dur="1" fill="hold">
+                                          <p:stCondLst>
+                                            <p:cond delay="0"/>
+                                          </p:stCondLst>
+                                        </p:cTn>
+                                        <p:tgtEl>
+                                          <p:spTgt spid="12"/>
+                                        </p:tgtEl>
+                                        <p:attrNameLst>
+                                          <p:attrName>style.visibility</p:attrName>
+                                        </p:attrNameLst>
+                                      </p:cBhvr>
+                                      <p:to>
+                                        <p:strVal val="visible"/>
+                                      </p:to>
+                                    </p:set>
+                                  </p:childTnLst>
+                                </p:cTn>
+                              </p:par>
+                            </p:childTnLst>
+                          </p:cTn>
+                        </p:par>
+                      </p:childTnLst>
+                    </p:cTn>
+                  </p:par>
+                  <p:par>
+                    <p:cTn id="11" fill="hold">
+                      <p:stCondLst>
+                        <p:cond delay="indefinite"/>
+                      </p:stCondLst>
+                      <p:childTnLst>
+                        <p:par>
+                          <p:cTn id="12" fill="hold">
+                            <p:stCondLst>
+                              <p:cond delay="0"/>
+                            </p:stCondLst>
+                            <p:childTnLst>
+                              <p:par>
+                                <p:cTn id="13" presetID="1" presetClass="entr" presetSubtype="0" fill="hold" grpId="0" nodeType="clickEffect">
+                                  <p:stCondLst>
+                                    <p:cond delay="0"/>
+                                  </p:stCondLst>
+                                  <p:childTnLst>
+                                    <p:set>
+                                      <p:cBhvr>
+                                        <p:cTn id="14" dur="1" fill="hold">
+                                          <p:stCondLst>
+                                            <p:cond delay="0"/>
+                                          </p:stCondLst>
+                                        </p:cTn>
+                                        <p:tgtEl>
+                                          <p:spTgt spid="13"/>
+                                        </p:tgtEl>
+                                        <p:attrNameLst>
+                                          <p:attrName>style.visibility</p:attrName>
+                                        </p:attrNameLst>
+                                      </p:cBhvr>
+                                      <p:to>
+                                        <p:strVal val="visible"/>
+                                      </p:to>
+                                    </p:set>
+                                  </p:childTnLst>
+                                </p:cTn>
+                              </p:par>
+                            </p:childTnLst>
+                          </p:cTn>
+                        </p:par>
+                      </p:childTnLst>
+                    </p:cTn>
+                  </p:par>
+                  <p:par>
+                    <p:cTn id="15" fill="hold">
+                      <p:stCondLst>
+                        <p:cond delay="indefinite"/>
+                      </p:stCondLst>
+                      <p:childTnLst>
+                        <p:par>
+                          <p:cTn id="16" fill="hold">
+                            <p:stCondLst>
+                              <p:cond delay="0"/>
+                            </p:stCondLst>
+                            <p:childTnLst>
+                              <p:par>
+                                <p:cTn id="17" presetID="1" presetClass="entr" presetSubtype="0" fill="hold" grpId="0" nodeType="clickEffect">
+                                  <p:stCondLst>
+                                    <p:cond delay="0"/>
+                                  </p:stCondLst>
+                                  <p:childTnLst>
+                                    <p:set>
+                                      <p:cBhvr>
+                                        <p:cTn id="18" dur="1" fill="hold">
+                                          <p:stCondLst>
+                                            <p:cond delay="0"/>
+                                          </p:stCondLst>
+                                        </p:cTn>
+                                        <p:tgtEl>
+                                          <p:spTgt spid="14"/>
+                                        </p:tgtEl>
+                                        <p:attrNameLst>
+                                          <p:attrName>style.visibility</p:attrName>
+                                        </p:attrNameLst>
+                                      </p:cBhvr>
+                                      <p:to>
+                                        <p:strVal val="visible"/>
+                                      </p:to>
+                                    </p:set>
+                                  </p:childTnLst>
+                                </p:cTn>
+                              </p:par>
+                            </p:childTnLst>
+                          </p:cTn>
+                        </p:par>
+                      </p:childTnLst>
+                    </p:cTn>
+                  </p:par>
+                  <p:par>
+                    <p:cTn id="19" fill="hold">
+                      <p:stCondLst>
+                        <p:cond delay="indefinite"/>
+                      </p:stCondLst>
+                      <p:childTnLst>
+                        <p:par>
+                          <p:cTn id="20" fill="hold">
+                            <p:stCondLst>
+                              <p:cond delay="0"/>
+                            </p:stCondLst>
+                            <p:childTnLst>
+                              <p:par>
+                                <p:cTn id="21" presetID="1" presetClass="entr" presetSubtype="0" fill="hold" grpId="0" nodeType="clickEffect">
+                                  <p:stCondLst>
+                                    <p:cond delay="0"/>
+                                  </p:stCondLst>
+                                  <p:childTnLst>
+                                    <p:set>
+                                      <p:cBhvr>
+                                        <p:cTn id="22" dur="1" fill="hold">
+                                          <p:stCondLst>
+                                            <p:cond delay="0"/>
+                                          </p:stCondLst>
+                                        </p:cTn>
+                                        <p:tgtEl>
+                                          <p:spTgt spid="15"/>
+                                        </p:tgtEl>
+                                        <p:attrNameLst>
+                                          <p:attrName>style.visibility</p:attrName>
+                                        </p:attrNameLst>
+                                      </p:cBhvr>
+                                      <p:to>
+                                        <p:strVal val="visible"/>
+                                      </p:to>
+                                    </p:set>
+                                  </p:childTnLst>
+                                </p:cTn>
+                              </p:par>
+                            </p:childTnLst>
+                          </p:cTn>
+                        </p:par>
+                      </p:childTnLst>
+                    </p:cTn>
+                  </p:par>
+                </p:childTnLst>
+              </p:cTn>
+              <p:prevCondLst>
+                <p:cond evt="onPrev" delay="0">
+                  <p:tgtEl>
+                    <p:sldTgt/>
+                  </p:tgtEl>
+                </p:cond>
+              </p:prevCondLst>
+              <p:nextCondLst>
+                <p:cond evt="onNext" delay="0">
+                  <p:tgtEl>
+                    <p:sldTgt/>
+                  </p:tgtEl>
+                </p:cond>
+              </p:nextCondLst>
+            </p:seq>
+          </p:childTnLst>
+        </p:cTn>
       </p:par>
     </p:tnLst>
+    <p:bldLst>
+      <p:bldP spid="12" grpId="0"/>
+      <p:bldP spid="13" grpId="0"/>
+      <p:bldP spid="14" grpId="0"/>
+      <p:bldP spid="15" grpId="0"/>
+      <p:bldP spid="16" grpId="0"/>
+    </p:bldLst>
   </p:timing>
 </p:sld>
 </file>
@@ -15044,32 +18105,18 @@
             <a:pPr lvl="1"/>
             <a:r>
               <a:rPr lang="en-US" dirty="0" smtClean="0"/>
-              <a:t>Model </a:t>
-            </a:r>
-            <a:r>
-              <a:rPr lang="en-US" dirty="0"/>
-              <a:t>building</a:t>
+              <a:t>Data Mapping</a:t>
             </a:r>
           </a:p>
           <a:p>
             <a:pPr lvl="1"/>
             <a:r>
+              <a:rPr lang="en-US" dirty="0" smtClean="0"/>
+              <a:t>Transaction </a:t>
+            </a:r>
+            <a:r>
               <a:rPr lang="en-US" dirty="0"/>
-              <a:t>Data Mapping</a:t>
-            </a:r>
-          </a:p>
-          <a:p>
-            <a:pPr lvl="1"/>
-            <a:r>
-              <a:rPr lang="en-US" dirty="0"/>
-              <a:t>Object caching</a:t>
-            </a:r>
-          </a:p>
-          <a:p>
-            <a:pPr lvl="1"/>
-            <a:r>
-              <a:rPr lang="en-US" dirty="0"/>
-              <a:t>Transaction management</a:t>
+              <a:t>management</a:t>
             </a:r>
           </a:p>
           <a:p>
@@ -15150,7 +18197,7 @@
         </p:blipFill>
         <p:spPr>
           <a:xfrm>
-            <a:off x="9076146" y="4375546"/>
+            <a:off x="8923382" y="5419981"/>
             <a:ext cx="2552700" cy="857250"/>
           </a:xfrm>
           <a:prstGeom prst="rect">
@@ -15215,9 +18262,519 @@
   <p:timing>
     <p:tnLst>
       <p:par>
-        <p:cTn id="1" dur="indefinite" restart="never" nodeType="tmRoot"/>
+        <p:cTn id="1" dur="indefinite" restart="never" nodeType="tmRoot">
+          <p:childTnLst>
+            <p:seq concurrent="1" nextAc="seek">
+              <p:cTn id="2" dur="indefinite" nodeType="mainSeq">
+                <p:childTnLst>
+                  <p:par>
+                    <p:cTn id="3" fill="hold">
+                      <p:stCondLst>
+                        <p:cond delay="indefinite"/>
+                      </p:stCondLst>
+                      <p:childTnLst>
+                        <p:par>
+                          <p:cTn id="4" fill="hold">
+                            <p:stCondLst>
+                              <p:cond delay="0"/>
+                            </p:stCondLst>
+                            <p:childTnLst>
+                              <p:par>
+                                <p:cTn id="5" presetID="1" presetClass="entr" presetSubtype="0" fill="hold" grpId="0" nodeType="clickEffect">
+                                  <p:stCondLst>
+                                    <p:cond delay="0"/>
+                                  </p:stCondLst>
+                                  <p:childTnLst>
+                                    <p:set>
+                                      <p:cBhvr>
+                                        <p:cTn id="6" dur="1" fill="hold">
+                                          <p:stCondLst>
+                                            <p:cond delay="0"/>
+                                          </p:stCondLst>
+                                        </p:cTn>
+                                        <p:tgtEl>
+                                          <p:spTgt spid="4">
+                                            <p:txEl>
+                                              <p:pRg st="0" end="0"/>
+                                            </p:txEl>
+                                          </p:spTgt>
+                                        </p:tgtEl>
+                                        <p:attrNameLst>
+                                          <p:attrName>style.visibility</p:attrName>
+                                        </p:attrNameLst>
+                                      </p:cBhvr>
+                                      <p:to>
+                                        <p:strVal val="visible"/>
+                                      </p:to>
+                                    </p:set>
+                                  </p:childTnLst>
+                                </p:cTn>
+                              </p:par>
+                            </p:childTnLst>
+                          </p:cTn>
+                        </p:par>
+                      </p:childTnLst>
+                    </p:cTn>
+                  </p:par>
+                  <p:par>
+                    <p:cTn id="7" fill="hold">
+                      <p:stCondLst>
+                        <p:cond delay="indefinite"/>
+                      </p:stCondLst>
+                      <p:childTnLst>
+                        <p:par>
+                          <p:cTn id="8" fill="hold">
+                            <p:stCondLst>
+                              <p:cond delay="0"/>
+                            </p:stCondLst>
+                            <p:childTnLst>
+                              <p:par>
+                                <p:cTn id="9" presetID="1" presetClass="entr" presetSubtype="0" fill="hold" grpId="0" nodeType="clickEffect">
+                                  <p:stCondLst>
+                                    <p:cond delay="0"/>
+                                  </p:stCondLst>
+                                  <p:childTnLst>
+                                    <p:set>
+                                      <p:cBhvr>
+                                        <p:cTn id="10" dur="1" fill="hold">
+                                          <p:stCondLst>
+                                            <p:cond delay="0"/>
+                                          </p:stCondLst>
+                                        </p:cTn>
+                                        <p:tgtEl>
+                                          <p:spTgt spid="5">
+                                            <p:txEl>
+                                              <p:pRg st="0" end="0"/>
+                                            </p:txEl>
+                                          </p:spTgt>
+                                        </p:tgtEl>
+                                        <p:attrNameLst>
+                                          <p:attrName>style.visibility</p:attrName>
+                                        </p:attrNameLst>
+                                      </p:cBhvr>
+                                      <p:to>
+                                        <p:strVal val="visible"/>
+                                      </p:to>
+                                    </p:set>
+                                  </p:childTnLst>
+                                </p:cTn>
+                              </p:par>
+                              <p:par>
+                                <p:cTn id="11" presetID="1" presetClass="entr" presetSubtype="0" fill="hold" nodeType="withEffect">
+                                  <p:stCondLst>
+                                    <p:cond delay="0"/>
+                                  </p:stCondLst>
+                                  <p:childTnLst>
+                                    <p:set>
+                                      <p:cBhvr>
+                                        <p:cTn id="12" dur="1" fill="hold">
+                                          <p:stCondLst>
+                                            <p:cond delay="0"/>
+                                          </p:stCondLst>
+                                        </p:cTn>
+                                        <p:tgtEl>
+                                          <p:spTgt spid="3"/>
+                                        </p:tgtEl>
+                                        <p:attrNameLst>
+                                          <p:attrName>style.visibility</p:attrName>
+                                        </p:attrNameLst>
+                                      </p:cBhvr>
+                                      <p:to>
+                                        <p:strVal val="visible"/>
+                                      </p:to>
+                                    </p:set>
+                                  </p:childTnLst>
+                                </p:cTn>
+                              </p:par>
+                            </p:childTnLst>
+                          </p:cTn>
+                        </p:par>
+                      </p:childTnLst>
+                    </p:cTn>
+                  </p:par>
+                  <p:par>
+                    <p:cTn id="13" fill="hold">
+                      <p:stCondLst>
+                        <p:cond delay="indefinite"/>
+                      </p:stCondLst>
+                      <p:childTnLst>
+                        <p:par>
+                          <p:cTn id="14" fill="hold">
+                            <p:stCondLst>
+                              <p:cond delay="0"/>
+                            </p:stCondLst>
+                            <p:childTnLst>
+                              <p:par>
+                                <p:cTn id="15" presetID="1" presetClass="entr" presetSubtype="0" fill="hold" grpId="0" nodeType="clickEffect">
+                                  <p:stCondLst>
+                                    <p:cond delay="0"/>
+                                  </p:stCondLst>
+                                  <p:childTnLst>
+                                    <p:set>
+                                      <p:cBhvr>
+                                        <p:cTn id="16" dur="1" fill="hold">
+                                          <p:stCondLst>
+                                            <p:cond delay="0"/>
+                                          </p:stCondLst>
+                                        </p:cTn>
+                                        <p:tgtEl>
+                                          <p:spTgt spid="5">
+                                            <p:txEl>
+                                              <p:pRg st="1" end="1"/>
+                                            </p:txEl>
+                                          </p:spTgt>
+                                        </p:tgtEl>
+                                        <p:attrNameLst>
+                                          <p:attrName>style.visibility</p:attrName>
+                                        </p:attrNameLst>
+                                      </p:cBhvr>
+                                      <p:to>
+                                        <p:strVal val="visible"/>
+                                      </p:to>
+                                    </p:set>
+                                  </p:childTnLst>
+                                </p:cTn>
+                              </p:par>
+                              <p:par>
+                                <p:cTn id="17" presetID="1" presetClass="entr" presetSubtype="0" fill="hold" nodeType="withEffect">
+                                  <p:stCondLst>
+                                    <p:cond delay="0"/>
+                                  </p:stCondLst>
+                                  <p:childTnLst>
+                                    <p:set>
+                                      <p:cBhvr>
+                                        <p:cTn id="18" dur="1" fill="hold">
+                                          <p:stCondLst>
+                                            <p:cond delay="0"/>
+                                          </p:stCondLst>
+                                        </p:cTn>
+                                        <p:tgtEl>
+                                          <p:spTgt spid="9"/>
+                                        </p:tgtEl>
+                                        <p:attrNameLst>
+                                          <p:attrName>style.visibility</p:attrName>
+                                        </p:attrNameLst>
+                                      </p:cBhvr>
+                                      <p:to>
+                                        <p:strVal val="visible"/>
+                                      </p:to>
+                                    </p:set>
+                                  </p:childTnLst>
+                                </p:cTn>
+                              </p:par>
+                            </p:childTnLst>
+                          </p:cTn>
+                        </p:par>
+                      </p:childTnLst>
+                    </p:cTn>
+                  </p:par>
+                  <p:par>
+                    <p:cTn id="19" fill="hold">
+                      <p:stCondLst>
+                        <p:cond delay="indefinite"/>
+                      </p:stCondLst>
+                      <p:childTnLst>
+                        <p:par>
+                          <p:cTn id="20" fill="hold">
+                            <p:stCondLst>
+                              <p:cond delay="0"/>
+                            </p:stCondLst>
+                            <p:childTnLst>
+                              <p:par>
+                                <p:cTn id="21" presetID="1" presetClass="entr" presetSubtype="0" fill="hold" grpId="0" nodeType="clickEffect">
+                                  <p:stCondLst>
+                                    <p:cond delay="0"/>
+                                  </p:stCondLst>
+                                  <p:childTnLst>
+                                    <p:set>
+                                      <p:cBhvr>
+                                        <p:cTn id="22" dur="1" fill="hold">
+                                          <p:stCondLst>
+                                            <p:cond delay="0"/>
+                                          </p:stCondLst>
+                                        </p:cTn>
+                                        <p:tgtEl>
+                                          <p:spTgt spid="6">
+                                            <p:txEl>
+                                              <p:pRg st="0" end="0"/>
+                                            </p:txEl>
+                                          </p:spTgt>
+                                        </p:tgtEl>
+                                        <p:attrNameLst>
+                                          <p:attrName>style.visibility</p:attrName>
+                                        </p:attrNameLst>
+                                      </p:cBhvr>
+                                      <p:to>
+                                        <p:strVal val="visible"/>
+                                      </p:to>
+                                    </p:set>
+                                  </p:childTnLst>
+                                </p:cTn>
+                              </p:par>
+                            </p:childTnLst>
+                          </p:cTn>
+                        </p:par>
+                      </p:childTnLst>
+                    </p:cTn>
+                  </p:par>
+                  <p:par>
+                    <p:cTn id="23" fill="hold">
+                      <p:stCondLst>
+                        <p:cond delay="indefinite"/>
+                      </p:stCondLst>
+                      <p:childTnLst>
+                        <p:par>
+                          <p:cTn id="24" fill="hold">
+                            <p:stCondLst>
+                              <p:cond delay="0"/>
+                            </p:stCondLst>
+                            <p:childTnLst>
+                              <p:par>
+                                <p:cTn id="25" presetID="1" presetClass="entr" presetSubtype="0" fill="hold" grpId="0" nodeType="clickEffect">
+                                  <p:stCondLst>
+                                    <p:cond delay="0"/>
+                                  </p:stCondLst>
+                                  <p:childTnLst>
+                                    <p:set>
+                                      <p:cBhvr>
+                                        <p:cTn id="26" dur="1" fill="hold">
+                                          <p:stCondLst>
+                                            <p:cond delay="0"/>
+                                          </p:stCondLst>
+                                        </p:cTn>
+                                        <p:tgtEl>
+                                          <p:spTgt spid="7">
+                                            <p:txEl>
+                                              <p:pRg st="0" end="0"/>
+                                            </p:txEl>
+                                          </p:spTgt>
+                                        </p:tgtEl>
+                                        <p:attrNameLst>
+                                          <p:attrName>style.visibility</p:attrName>
+                                        </p:attrNameLst>
+                                      </p:cBhvr>
+                                      <p:to>
+                                        <p:strVal val="visible"/>
+                                      </p:to>
+                                    </p:set>
+                                  </p:childTnLst>
+                                </p:cTn>
+                              </p:par>
+                              <p:par>
+                                <p:cTn id="27" presetID="1" presetClass="entr" presetSubtype="0" fill="hold" grpId="0" nodeType="withEffect">
+                                  <p:stCondLst>
+                                    <p:cond delay="0"/>
+                                  </p:stCondLst>
+                                  <p:childTnLst>
+                                    <p:set>
+                                      <p:cBhvr>
+                                        <p:cTn id="28" dur="1" fill="hold">
+                                          <p:stCondLst>
+                                            <p:cond delay="0"/>
+                                          </p:stCondLst>
+                                        </p:cTn>
+                                        <p:tgtEl>
+                                          <p:spTgt spid="7">
+                                            <p:txEl>
+                                              <p:pRg st="1" end="1"/>
+                                            </p:txEl>
+                                          </p:spTgt>
+                                        </p:tgtEl>
+                                        <p:attrNameLst>
+                                          <p:attrName>style.visibility</p:attrName>
+                                        </p:attrNameLst>
+                                      </p:cBhvr>
+                                      <p:to>
+                                        <p:strVal val="visible"/>
+                                      </p:to>
+                                    </p:set>
+                                  </p:childTnLst>
+                                </p:cTn>
+                              </p:par>
+                              <p:par>
+                                <p:cTn id="29" presetID="1" presetClass="entr" presetSubtype="0" fill="hold" grpId="0" nodeType="withEffect">
+                                  <p:stCondLst>
+                                    <p:cond delay="0"/>
+                                  </p:stCondLst>
+                                  <p:childTnLst>
+                                    <p:set>
+                                      <p:cBhvr>
+                                        <p:cTn id="30" dur="1" fill="hold">
+                                          <p:stCondLst>
+                                            <p:cond delay="0"/>
+                                          </p:stCondLst>
+                                        </p:cTn>
+                                        <p:tgtEl>
+                                          <p:spTgt spid="7">
+                                            <p:txEl>
+                                              <p:pRg st="2" end="2"/>
+                                            </p:txEl>
+                                          </p:spTgt>
+                                        </p:tgtEl>
+                                        <p:attrNameLst>
+                                          <p:attrName>style.visibility</p:attrName>
+                                        </p:attrNameLst>
+                                      </p:cBhvr>
+                                      <p:to>
+                                        <p:strVal val="visible"/>
+                                      </p:to>
+                                    </p:set>
+                                  </p:childTnLst>
+                                </p:cTn>
+                              </p:par>
+                              <p:par>
+                                <p:cTn id="31" presetID="1" presetClass="entr" presetSubtype="0" fill="hold" grpId="0" nodeType="withEffect">
+                                  <p:stCondLst>
+                                    <p:cond delay="0"/>
+                                  </p:stCondLst>
+                                  <p:childTnLst>
+                                    <p:set>
+                                      <p:cBhvr>
+                                        <p:cTn id="32" dur="1" fill="hold">
+                                          <p:stCondLst>
+                                            <p:cond delay="0"/>
+                                          </p:stCondLst>
+                                        </p:cTn>
+                                        <p:tgtEl>
+                                          <p:spTgt spid="7">
+                                            <p:txEl>
+                                              <p:pRg st="3" end="3"/>
+                                            </p:txEl>
+                                          </p:spTgt>
+                                        </p:tgtEl>
+                                        <p:attrNameLst>
+                                          <p:attrName>style.visibility</p:attrName>
+                                        </p:attrNameLst>
+                                      </p:cBhvr>
+                                      <p:to>
+                                        <p:strVal val="visible"/>
+                                      </p:to>
+                                    </p:set>
+                                  </p:childTnLst>
+                                </p:cTn>
+                              </p:par>
+                              <p:par>
+                                <p:cTn id="33" presetID="1" presetClass="entr" presetSubtype="0" fill="hold" grpId="0" nodeType="withEffect">
+                                  <p:stCondLst>
+                                    <p:cond delay="0"/>
+                                  </p:stCondLst>
+                                  <p:childTnLst>
+                                    <p:set>
+                                      <p:cBhvr>
+                                        <p:cTn id="34" dur="1" fill="hold">
+                                          <p:stCondLst>
+                                            <p:cond delay="0"/>
+                                          </p:stCondLst>
+                                        </p:cTn>
+                                        <p:tgtEl>
+                                          <p:spTgt spid="7">
+                                            <p:txEl>
+                                              <p:pRg st="4" end="4"/>
+                                            </p:txEl>
+                                          </p:spTgt>
+                                        </p:tgtEl>
+                                        <p:attrNameLst>
+                                          <p:attrName>style.visibility</p:attrName>
+                                        </p:attrNameLst>
+                                      </p:cBhvr>
+                                      <p:to>
+                                        <p:strVal val="visible"/>
+                                      </p:to>
+                                    </p:set>
+                                  </p:childTnLst>
+                                </p:cTn>
+                              </p:par>
+                              <p:par>
+                                <p:cTn id="35" presetID="1" presetClass="entr" presetSubtype="0" fill="hold" grpId="0" nodeType="withEffect">
+                                  <p:stCondLst>
+                                    <p:cond delay="0"/>
+                                  </p:stCondLst>
+                                  <p:childTnLst>
+                                    <p:set>
+                                      <p:cBhvr>
+                                        <p:cTn id="36" dur="1" fill="hold">
+                                          <p:stCondLst>
+                                            <p:cond delay="0"/>
+                                          </p:stCondLst>
+                                        </p:cTn>
+                                        <p:tgtEl>
+                                          <p:spTgt spid="7">
+                                            <p:txEl>
+                                              <p:pRg st="5" end="5"/>
+                                            </p:txEl>
+                                          </p:spTgt>
+                                        </p:tgtEl>
+                                        <p:attrNameLst>
+                                          <p:attrName>style.visibility</p:attrName>
+                                        </p:attrNameLst>
+                                      </p:cBhvr>
+                                      <p:to>
+                                        <p:strVal val="visible"/>
+                                      </p:to>
+                                    </p:set>
+                                  </p:childTnLst>
+                                </p:cTn>
+                              </p:par>
+                              <p:par>
+                                <p:cTn id="37" presetID="1" presetClass="entr" presetSubtype="0" fill="hold" nodeType="withEffect">
+                                  <p:stCondLst>
+                                    <p:cond delay="0"/>
+                                  </p:stCondLst>
+                                  <p:childTnLst>
+                                    <p:set>
+                                      <p:cBhvr>
+                                        <p:cTn id="38" dur="1" fill="hold">
+                                          <p:stCondLst>
+                                            <p:cond delay="0"/>
+                                          </p:stCondLst>
+                                        </p:cTn>
+                                        <p:tgtEl>
+                                          <p:spTgt spid="8"/>
+                                        </p:tgtEl>
+                                        <p:attrNameLst>
+                                          <p:attrName>style.visibility</p:attrName>
+                                        </p:attrNameLst>
+                                      </p:cBhvr>
+                                      <p:to>
+                                        <p:strVal val="visible"/>
+                                      </p:to>
+                                    </p:set>
+                                  </p:childTnLst>
+                                </p:cTn>
+                              </p:par>
+                            </p:childTnLst>
+                          </p:cTn>
+                        </p:par>
+                      </p:childTnLst>
+                    </p:cTn>
+                  </p:par>
+                </p:childTnLst>
+              </p:cTn>
+              <p:prevCondLst>
+                <p:cond evt="onPrev" delay="0">
+                  <p:tgtEl>
+                    <p:sldTgt/>
+                  </p:tgtEl>
+                </p:cond>
+              </p:prevCondLst>
+              <p:nextCondLst>
+                <p:cond evt="onNext" delay="0">
+                  <p:tgtEl>
+                    <p:sldTgt/>
+                  </p:tgtEl>
+                </p:cond>
+              </p:nextCondLst>
+            </p:seq>
+          </p:childTnLst>
+        </p:cTn>
       </p:par>
     </p:tnLst>
+    <p:bldLst>
+      <p:bldP spid="4" grpId="0" build="p"/>
+      <p:bldP spid="5" grpId="0" uiExpand="1" build="p"/>
+      <p:bldP spid="6" grpId="0" build="p"/>
+      <p:bldP spid="7" grpId="0" build="p"/>
+    </p:bldLst>
   </p:timing>
 </p:sld>
 </file>
@@ -15293,7 +18850,15 @@
             </a:pPr>
             <a:r>
               <a:rPr lang="en-SG" dirty="0"/>
-              <a:t>Focuses on model building</a:t>
+              <a:t>Focuses on </a:t>
+            </a:r>
+            <a:r>
+              <a:rPr lang="en-SG" b="1" dirty="0" smtClean="0"/>
+              <a:t>Model </a:t>
+            </a:r>
+            <a:r>
+              <a:rPr lang="en-SG" b="1" dirty="0"/>
+              <a:t>building</a:t>
             </a:r>
           </a:p>
           <a:p>
@@ -15436,6 +19001,9 @@
                     <p:cTn id="3" fill="hold">
                       <p:stCondLst>
                         <p:cond delay="indefinite"/>
+                        <p:cond evt="onBegin" delay="0">
+                          <p:tn val="2"/>
+                        </p:cond>
                       </p:stCondLst>
                       <p:childTnLst>
                         <p:par>
@@ -15445,7 +19013,7 @@
                             </p:stCondLst>
                             <p:childTnLst>
                               <p:par>
-                                <p:cTn id="5" presetID="1" presetClass="entr" presetSubtype="0" fill="hold" grpId="0" nodeType="clickEffect">
+                                <p:cTn id="5" presetID="1" presetClass="entr" presetSubtype="0" fill="hold" grpId="0" nodeType="withEffect">
                                   <p:stCondLst>
                                     <p:cond delay="0"/>
                                   </p:stCondLst>
@@ -15458,7 +19026,11 @@
                                           </p:stCondLst>
                                         </p:cTn>
                                         <p:tgtEl>
-                                          <p:spTgt spid="5"/>
+                                          <p:spTgt spid="8">
+                                            <p:graphicEl>
+                                              <a:dgm id="{495A4A7E-C673-48B2-9D9B-E0A72DDC8D9B}"/>
+                                            </p:graphicEl>
+                                          </p:spTgt>
                                         </p:tgtEl>
                                         <p:attrNameLst>
                                           <p:attrName>style.visibility</p:attrName>
@@ -15490,7 +19062,7 @@
                             </p:stCondLst>
                             <p:childTnLst>
                               <p:par>
-                                <p:cTn id="9" presetID="10" presetClass="entr" presetSubtype="0" fill="hold" grpId="0" nodeType="clickEffect">
+                                <p:cTn id="9" presetID="1" presetClass="entr" presetSubtype="0" fill="hold" grpId="0" nodeType="clickEffect">
                                   <p:stCondLst>
                                     <p:cond delay="0"/>
                                   </p:stCondLst>
@@ -15498,6 +19070,149 @@
                                     <p:set>
                                       <p:cBhvr>
                                         <p:cTn id="10" dur="1" fill="hold">
+                                          <p:stCondLst>
+                                            <p:cond delay="0"/>
+                                          </p:stCondLst>
+                                        </p:cTn>
+                                        <p:tgtEl>
+                                          <p:spTgt spid="8">
+                                            <p:graphicEl>
+                                              <a:dgm id="{C165A247-D928-4941-B58F-192871F89A73}"/>
+                                            </p:graphicEl>
+                                          </p:spTgt>
+                                        </p:tgtEl>
+                                        <p:attrNameLst>
+                                          <p:attrName>style.visibility</p:attrName>
+                                        </p:attrNameLst>
+                                      </p:cBhvr>
+                                      <p:to>
+                                        <p:strVal val="visible"/>
+                                      </p:to>
+                                    </p:set>
+                                  </p:childTnLst>
+                                </p:cTn>
+                              </p:par>
+                            </p:childTnLst>
+                          </p:cTn>
+                        </p:par>
+                      </p:childTnLst>
+                    </p:cTn>
+                  </p:par>
+                  <p:par>
+                    <p:cTn id="11" fill="hold">
+                      <p:stCondLst>
+                        <p:cond delay="indefinite"/>
+                      </p:stCondLst>
+                      <p:childTnLst>
+                        <p:par>
+                          <p:cTn id="12" fill="hold">
+                            <p:stCondLst>
+                              <p:cond delay="0"/>
+                            </p:stCondLst>
+                            <p:childTnLst>
+                              <p:par>
+                                <p:cTn id="13" presetID="1" presetClass="entr" presetSubtype="0" fill="hold" grpId="0" nodeType="clickEffect">
+                                  <p:stCondLst>
+                                    <p:cond delay="0"/>
+                                  </p:stCondLst>
+                                  <p:childTnLst>
+                                    <p:set>
+                                      <p:cBhvr>
+                                        <p:cTn id="14" dur="1" fill="hold">
+                                          <p:stCondLst>
+                                            <p:cond delay="0"/>
+                                          </p:stCondLst>
+                                        </p:cTn>
+                                        <p:tgtEl>
+                                          <p:spTgt spid="8">
+                                            <p:graphicEl>
+                                              <a:dgm id="{0C41172D-F658-42C0-B19E-1CFB935FF8B2}"/>
+                                            </p:graphicEl>
+                                          </p:spTgt>
+                                        </p:tgtEl>
+                                        <p:attrNameLst>
+                                          <p:attrName>style.visibility</p:attrName>
+                                        </p:attrNameLst>
+                                      </p:cBhvr>
+                                      <p:to>
+                                        <p:strVal val="visible"/>
+                                      </p:to>
+                                    </p:set>
+                                  </p:childTnLst>
+                                </p:cTn>
+                              </p:par>
+                            </p:childTnLst>
+                          </p:cTn>
+                        </p:par>
+                      </p:childTnLst>
+                    </p:cTn>
+                  </p:par>
+                  <p:par>
+                    <p:cTn id="15" fill="hold">
+                      <p:stCondLst>
+                        <p:cond delay="indefinite"/>
+                      </p:stCondLst>
+                      <p:childTnLst>
+                        <p:par>
+                          <p:cTn id="16" fill="hold">
+                            <p:stCondLst>
+                              <p:cond delay="0"/>
+                            </p:stCondLst>
+                            <p:childTnLst>
+                              <p:par>
+                                <p:cTn id="17" presetID="1" presetClass="entr" presetSubtype="0" fill="hold" grpId="0" nodeType="clickEffect">
+                                  <p:stCondLst>
+                                    <p:cond delay="0"/>
+                                  </p:stCondLst>
+                                  <p:childTnLst>
+                                    <p:set>
+                                      <p:cBhvr>
+                                        <p:cTn id="18" dur="1" fill="hold">
+                                          <p:stCondLst>
+                                            <p:cond delay="0"/>
+                                          </p:stCondLst>
+                                        </p:cTn>
+                                        <p:tgtEl>
+                                          <p:spTgt spid="5"/>
+                                        </p:tgtEl>
+                                        <p:attrNameLst>
+                                          <p:attrName>style.visibility</p:attrName>
+                                        </p:attrNameLst>
+                                      </p:cBhvr>
+                                      <p:to>
+                                        <p:strVal val="visible"/>
+                                      </p:to>
+                                    </p:set>
+                                  </p:childTnLst>
+                                </p:cTn>
+                              </p:par>
+                            </p:childTnLst>
+                          </p:cTn>
+                        </p:par>
+                      </p:childTnLst>
+                    </p:cTn>
+                  </p:par>
+                  <p:par>
+                    <p:cTn id="19" fill="hold">
+                      <p:stCondLst>
+                        <p:cond delay="indefinite"/>
+                      </p:stCondLst>
+                      <p:childTnLst>
+                        <p:par>
+                          <p:cTn id="20" fill="hold">
+                            <p:stCondLst>
+                              <p:cond delay="0"/>
+                            </p:stCondLst>
+                            <p:childTnLst>
+                              <p:par>
+                                <p:cTn id="21" presetID="10" presetClass="entr" presetSubtype="0" fill="hold" grpId="0" nodeType="clickEffect">
+                                  <p:stCondLst>
+                                    <p:cond delay="0"/>
+                                  </p:stCondLst>
+                                  <p:childTnLst>
+                                    <p:set>
+                                      <p:cBhvr>
+                                        <p:cTn id="22" dur="1" fill="hold">
                                           <p:stCondLst>
                                             <p:cond delay="0"/>
                                           </p:stCondLst>
@@ -15515,7 +19230,7 @@
                                     </p:set>
                                     <p:animEffect transition="in" filter="fade">
                                       <p:cBhvr>
-                                        <p:cTn id="11" dur="500"/>
+                                        <p:cTn id="23" dur="500"/>
                                         <p:tgtEl>
                                           <p:spTgt spid="7"/>
                                         </p:tgtEl>
@@ -15554,6 +19269,11 @@
     <p:bldLst>
       <p:bldP spid="5" grpId="0"/>
       <p:bldP spid="7" grpId="0"/>
+      <p:bldGraphic spid="8" grpId="0" uiExpand="1">
+        <p:bldSub>
+          <a:bldDgm bld="one"/>
+        </p:bldSub>
+      </p:bldGraphic>
     </p:bldLst>
   </p:timing>
 </p:sld>
@@ -16361,6 +20081,127 @@
                       </p:childTnLst>
                     </p:cTn>
                   </p:par>
+                  <p:par>
+                    <p:cTn id="11" fill="hold">
+                      <p:stCondLst>
+                        <p:cond delay="indefinite"/>
+                      </p:stCondLst>
+                      <p:childTnLst>
+                        <p:par>
+                          <p:cTn id="12" fill="hold">
+                            <p:stCondLst>
+                              <p:cond delay="0"/>
+                            </p:stCondLst>
+                            <p:childTnLst>
+                              <p:par>
+                                <p:cTn id="13" presetID="1" presetClass="entr" presetSubtype="0" fill="hold" grpId="0" nodeType="clickEffect">
+                                  <p:stCondLst>
+                                    <p:cond delay="0"/>
+                                  </p:stCondLst>
+                                  <p:childTnLst>
+                                    <p:set>
+                                      <p:cBhvr>
+                                        <p:cTn id="14" dur="1" fill="hold">
+                                          <p:stCondLst>
+                                            <p:cond delay="0"/>
+                                          </p:stCondLst>
+                                        </p:cTn>
+                                        <p:tgtEl>
+                                          <p:spTgt spid="16">
+                                            <p:txEl>
+                                              <p:pRg st="0" end="0"/>
+                                            </p:txEl>
+                                          </p:spTgt>
+                                        </p:tgtEl>
+                                        <p:attrNameLst>
+                                          <p:attrName>style.visibility</p:attrName>
+                                        </p:attrNameLst>
+                                      </p:cBhvr>
+                                      <p:to>
+                                        <p:strVal val="visible"/>
+                                      </p:to>
+                                    </p:set>
+                                  </p:childTnLst>
+                                </p:cTn>
+                              </p:par>
+                              <p:par>
+                                <p:cTn id="15" presetID="1" presetClass="entr" presetSubtype="0" fill="hold" nodeType="withEffect">
+                                  <p:stCondLst>
+                                    <p:cond delay="0"/>
+                                  </p:stCondLst>
+                                  <p:childTnLst>
+                                    <p:set>
+                                      <p:cBhvr>
+                                        <p:cTn id="16" dur="1" fill="hold">
+                                          <p:stCondLst>
+                                            <p:cond delay="0"/>
+                                          </p:stCondLst>
+                                        </p:cTn>
+                                        <p:tgtEl>
+                                          <p:spTgt spid="17"/>
+                                        </p:tgtEl>
+                                        <p:attrNameLst>
+                                          <p:attrName>style.visibility</p:attrName>
+                                        </p:attrNameLst>
+                                      </p:cBhvr>
+                                      <p:to>
+                                        <p:strVal val="visible"/>
+                                      </p:to>
+                                    </p:set>
+                                  </p:childTnLst>
+                                </p:cTn>
+                              </p:par>
+                            </p:childTnLst>
+                          </p:cTn>
+                        </p:par>
+                      </p:childTnLst>
+                    </p:cTn>
+                  </p:par>
+                  <p:par>
+                    <p:cTn id="17" fill="hold">
+                      <p:stCondLst>
+                        <p:cond delay="indefinite"/>
+                      </p:stCondLst>
+                      <p:childTnLst>
+                        <p:par>
+                          <p:cTn id="18" fill="hold">
+                            <p:stCondLst>
+                              <p:cond delay="0"/>
+                            </p:stCondLst>
+                            <p:childTnLst>
+                              <p:par>
+                                <p:cTn id="19" presetID="1" presetClass="entr" presetSubtype="0" fill="hold" grpId="0" nodeType="clickEffect">
+                                  <p:stCondLst>
+                                    <p:cond delay="0"/>
+                                  </p:stCondLst>
+                                  <p:childTnLst>
+                                    <p:set>
+                                      <p:cBhvr>
+                                        <p:cTn id="20" dur="1" fill="hold">
+                                          <p:stCondLst>
+                                            <p:cond delay="0"/>
+                                          </p:stCondLst>
+                                        </p:cTn>
+                                        <p:tgtEl>
+                                          <p:spTgt spid="18"/>
+                                        </p:tgtEl>
+                                        <p:attrNameLst>
+                                          <p:attrName>style.visibility</p:attrName>
+                                        </p:attrNameLst>
+                                      </p:cBhvr>
+                                      <p:to>
+                                        <p:strVal val="visible"/>
+                                      </p:to>
+                                    </p:set>
+                                  </p:childTnLst>
+                                </p:cTn>
+                              </p:par>
+                            </p:childTnLst>
+                          </p:cTn>
+                        </p:par>
+                      </p:childTnLst>
+                    </p:cTn>
+                  </p:par>
                 </p:childTnLst>
               </p:cTn>
               <p:prevCondLst>
@@ -16382,6 +20223,10 @@
         </p:cTn>
       </p:par>
     </p:tnLst>
+    <p:bldLst>
+      <p:bldP spid="16" grpId="0" build="p"/>
+      <p:bldP spid="18" grpId="0"/>
+    </p:bldLst>
   </p:timing>
 </p:sld>
 </file>
@@ -16605,7 +20450,25 @@
             </a:r>
             <a:r>
               <a:rPr lang="en-US" dirty="0"/>
-              <a:t>EF Core provides a way to incrementally update the database schema to keep it in sync with the application's data model while preserving existing data in the database.</a:t>
+              <a:t>EF Core provides a way to incrementally update the database schema to keep it in sync with the application's data model while preserving existing data in the database</a:t>
+            </a:r>
+            <a:r>
+              <a:rPr lang="en-US" dirty="0" smtClean="0"/>
+              <a:t>.</a:t>
+            </a:r>
+          </a:p>
+          <a:p>
+            <a:r>
+              <a:rPr lang="en-US" dirty="0" smtClean="0"/>
+              <a:t>Like a </a:t>
+            </a:r>
+            <a:r>
+              <a:rPr lang="en-US" b="1" dirty="0" smtClean="0"/>
+              <a:t>checkpoint</a:t>
+            </a:r>
+            <a:r>
+              <a:rPr lang="en-US" dirty="0" smtClean="0"/>
+              <a:t> </a:t>
             </a:r>
             <a:endParaRPr lang="en-SG" dirty="0"/>
           </a:p>
@@ -16655,7 +20518,7 @@
                                           </p:stCondLst>
                                         </p:cTn>
                                         <p:tgtEl>
-                                          <p:spTgt spid="7">
+                                          <p:spTgt spid="3">
                                             <p:txEl>
                                               <p:pRg st="0" end="0"/>
                                             </p:txEl>
@@ -16672,15 +20535,33 @@
                                   </p:childTnLst>
                                 </p:cTn>
                               </p:par>
+                            </p:childTnLst>
+                          </p:cTn>
+                        </p:par>
+                      </p:childTnLst>
+                    </p:cTn>
+                  </p:par>
+                  <p:par>
+                    <p:cTn id="7" fill="hold">
+                      <p:stCondLst>
+                        <p:cond delay="indefinite"/>
+                      </p:stCondLst>
+                      <p:childTnLst>
+                        <p:par>
+                          <p:cTn id="8" fill="hold">
+                            <p:stCondLst>
+                              <p:cond delay="0"/>
+                            </p:stCondLst>
+                            <p:childTnLst>
                               <p:par>
-                                <p:cTn id="7" presetID="1" presetClass="entr" presetSubtype="0" fill="hold" nodeType="withEffect">
+                                <p:cTn id="9" presetID="1" presetClass="entr" presetSubtype="0" fill="hold" nodeType="clickEffect">
                                   <p:stCondLst>
                                     <p:cond delay="0"/>
                                   </p:stCondLst>
                                   <p:childTnLst>
                                     <p:set>
                                       <p:cBhvr>
-                                        <p:cTn id="8" dur="1" fill="hold">
+                                        <p:cTn id="10" dur="1" fill="hold">
                                           <p:stCondLst>
                                             <p:cond delay="0"/>
                                           </p:stCondLst>
@@ -16699,21 +20580,235 @@
                                   </p:childTnLst>
                                 </p:cTn>
                               </p:par>
+                            </p:childTnLst>
+                          </p:cTn>
+                        </p:par>
+                      </p:childTnLst>
+                    </p:cTn>
+                  </p:par>
+                  <p:par>
+                    <p:cTn id="11" fill="hold">
+                      <p:stCondLst>
+                        <p:cond delay="indefinite"/>
+                      </p:stCondLst>
+                      <p:childTnLst>
+                        <p:par>
+                          <p:cTn id="12" fill="hold">
+                            <p:stCondLst>
+                              <p:cond delay="0"/>
+                            </p:stCondLst>
+                            <p:childTnLst>
                               <p:par>
-                                <p:cTn id="9" presetID="1" presetClass="entr" presetSubtype="0" fill="hold" nodeType="withEffect">
+                                <p:cTn id="13" presetID="1" presetClass="entr" presetSubtype="0" fill="hold" grpId="0" nodeType="clickEffect">
                                   <p:stCondLst>
                                     <p:cond delay="0"/>
                                   </p:stCondLst>
                                   <p:childTnLst>
                                     <p:set>
                                       <p:cBhvr>
-                                        <p:cTn id="10" dur="1" fill="hold">
+                                        <p:cTn id="14" dur="1" fill="hold">
+                                          <p:stCondLst>
+                                            <p:cond delay="0"/>
+                                          </p:stCondLst>
+                                        </p:cTn>
+                                        <p:tgtEl>
+                                          <p:spTgt spid="5">
+                                            <p:txEl>
+                                              <p:pRg st="0" end="0"/>
+                                            </p:txEl>
+                                          </p:spTgt>
+                                        </p:tgtEl>
+                                        <p:attrNameLst>
+                                          <p:attrName>style.visibility</p:attrName>
+                                        </p:attrNameLst>
+                                      </p:cBhvr>
+                                      <p:to>
+                                        <p:strVal val="visible"/>
+                                      </p:to>
+                                    </p:set>
+                                  </p:childTnLst>
+                                </p:cTn>
+                              </p:par>
+                            </p:childTnLst>
+                          </p:cTn>
+                        </p:par>
+                      </p:childTnLst>
+                    </p:cTn>
+                  </p:par>
+                  <p:par>
+                    <p:cTn id="15" fill="hold">
+                      <p:stCondLst>
+                        <p:cond delay="indefinite"/>
+                      </p:stCondLst>
+                      <p:childTnLst>
+                        <p:par>
+                          <p:cTn id="16" fill="hold">
+                            <p:stCondLst>
+                              <p:cond delay="0"/>
+                            </p:stCondLst>
+                            <p:childTnLst>
+                              <p:par>
+                                <p:cTn id="17" presetID="1" presetClass="entr" presetSubtype="0" fill="hold" grpId="0" nodeType="clickEffect">
+                                  <p:stCondLst>
+                                    <p:cond delay="0"/>
+                                  </p:stCondLst>
+                                  <p:childTnLst>
+                                    <p:set>
+                                      <p:cBhvr>
+                                        <p:cTn id="18" dur="1" fill="hold">
+                                          <p:stCondLst>
+                                            <p:cond delay="0"/>
+                                          </p:stCondLst>
+                                        </p:cTn>
+                                        <p:tgtEl>
+                                          <p:spTgt spid="5">
+                                            <p:txEl>
+                                              <p:pRg st="1" end="1"/>
+                                            </p:txEl>
+                                          </p:spTgt>
+                                        </p:tgtEl>
+                                        <p:attrNameLst>
+                                          <p:attrName>style.visibility</p:attrName>
+                                        </p:attrNameLst>
+                                      </p:cBhvr>
+                                      <p:to>
+                                        <p:strVal val="visible"/>
+                                      </p:to>
+                                    </p:set>
+                                  </p:childTnLst>
+                                </p:cTn>
+                              </p:par>
+                            </p:childTnLst>
+                          </p:cTn>
+                        </p:par>
+                      </p:childTnLst>
+                    </p:cTn>
+                  </p:par>
+                  <p:par>
+                    <p:cTn id="19" fill="hold">
+                      <p:stCondLst>
+                        <p:cond delay="indefinite"/>
+                      </p:stCondLst>
+                      <p:childTnLst>
+                        <p:par>
+                          <p:cTn id="20" fill="hold">
+                            <p:stCondLst>
+                              <p:cond delay="0"/>
+                            </p:stCondLst>
+                            <p:childTnLst>
+                              <p:par>
+                                <p:cTn id="21" presetID="1" presetClass="entr" presetSubtype="0" fill="hold" grpId="0" nodeType="clickEffect">
+                                  <p:stCondLst>
+                                    <p:cond delay="0"/>
+                                  </p:stCondLst>
+                                  <p:childTnLst>
+                                    <p:set>
+                                      <p:cBhvr>
+                                        <p:cTn id="22" dur="1" fill="hold">
+                                          <p:stCondLst>
+                                            <p:cond delay="0"/>
+                                          </p:stCondLst>
+                                        </p:cTn>
+                                        <p:tgtEl>
+                                          <p:spTgt spid="6">
+                                            <p:txEl>
+                                              <p:pRg st="0" end="0"/>
+                                            </p:txEl>
+                                          </p:spTgt>
+                                        </p:tgtEl>
+                                        <p:attrNameLst>
+                                          <p:attrName>style.visibility</p:attrName>
+                                        </p:attrNameLst>
+                                      </p:cBhvr>
+                                      <p:to>
+                                        <p:strVal val="visible"/>
+                                      </p:to>
+                                    </p:set>
+                                  </p:childTnLst>
+                                </p:cTn>
+                              </p:par>
+                            </p:childTnLst>
+                          </p:cTn>
+                        </p:par>
+                      </p:childTnLst>
+                    </p:cTn>
+                  </p:par>
+                  <p:par>
+                    <p:cTn id="23" fill="hold">
+                      <p:stCondLst>
+                        <p:cond delay="indefinite"/>
+                      </p:stCondLst>
+                      <p:childTnLst>
+                        <p:par>
+                          <p:cTn id="24" fill="hold">
+                            <p:stCondLst>
+                              <p:cond delay="0"/>
+                            </p:stCondLst>
+                            <p:childTnLst>
+                              <p:par>
+                                <p:cTn id="25" presetID="1" presetClass="entr" presetSubtype="0" fill="hold" nodeType="clickEffect">
+                                  <p:stCondLst>
+                                    <p:cond delay="0"/>
+                                  </p:stCondLst>
+                                  <p:childTnLst>
+                                    <p:set>
+                                      <p:cBhvr>
+                                        <p:cTn id="26" dur="1" fill="hold">
                                           <p:stCondLst>
                                             <p:cond delay="0"/>
                                           </p:stCondLst>
                                         </p:cTn>
                                         <p:tgtEl>
                                           <p:spTgt spid="13"/>
+                                        </p:tgtEl>
+                                        <p:attrNameLst>
+                                          <p:attrName>style.visibility</p:attrName>
+                                        </p:attrNameLst>
+                                      </p:cBhvr>
+                                      <p:to>
+                                        <p:strVal val="visible"/>
+                                      </p:to>
+                                    </p:set>
+                                  </p:childTnLst>
+                                </p:cTn>
+                              </p:par>
+                            </p:childTnLst>
+                          </p:cTn>
+                        </p:par>
+                      </p:childTnLst>
+                    </p:cTn>
+                  </p:par>
+                  <p:par>
+                    <p:cTn id="27" fill="hold">
+                      <p:stCondLst>
+                        <p:cond delay="indefinite"/>
+                      </p:stCondLst>
+                      <p:childTnLst>
+                        <p:par>
+                          <p:cTn id="28" fill="hold">
+                            <p:stCondLst>
+                              <p:cond delay="0"/>
+                            </p:stCondLst>
+                            <p:childTnLst>
+                              <p:par>
+                                <p:cTn id="29" presetID="1" presetClass="entr" presetSubtype="0" fill="hold" grpId="0" nodeType="clickEffect">
+                                  <p:stCondLst>
+                                    <p:cond delay="0"/>
+                                  </p:stCondLst>
+                                  <p:childTnLst>
+                                    <p:set>
+                                      <p:cBhvr>
+                                        <p:cTn id="30" dur="1" fill="hold">
+                                          <p:stCondLst>
+                                            <p:cond delay="0"/>
+                                          </p:stCondLst>
+                                        </p:cTn>
+                                        <p:tgtEl>
+                                          <p:spTgt spid="7">
+                                            <p:txEl>
+                                              <p:pRg st="0" end="0"/>
+                                            </p:txEl>
+                                          </p:spTgt>
                                         </p:tgtEl>
                                         <p:attrNameLst>
                                           <p:attrName>style.visibility</p:attrName>
@@ -16754,7 +20849,10 @@
       </p:par>
     </p:tnLst>
     <p:bldLst>
+      <p:bldP spid="3" grpId="0" build="p"/>
+      <p:bldP spid="6" grpId="0" build="p"/>
       <p:bldP spid="7" grpId="0" build="p"/>
+      <p:bldP spid="5" grpId="0" build="p"/>
     </p:bldLst>
   </p:timing>
 </p:sld>
@@ -17683,7 +21781,7 @@
                             </p:stCondLst>
                             <p:childTnLst>
                               <p:par>
-                                <p:cTn id="5" presetID="1" presetClass="entr" presetSubtype="0" fill="hold" nodeType="clickEffect">
+                                <p:cTn id="5" presetID="1" presetClass="entr" presetSubtype="0" fill="hold" grpId="0" nodeType="clickEffect">
                                   <p:stCondLst>
                                     <p:cond delay="0"/>
                                   </p:stCondLst>
@@ -17691,6 +21789,55 @@
                                     <p:set>
                                       <p:cBhvr>
                                         <p:cTn id="6" dur="1" fill="hold">
+                                          <p:stCondLst>
+                                            <p:cond delay="0"/>
+                                          </p:stCondLst>
+                                        </p:cTn>
+                                        <p:tgtEl>
+                                          <p:spTgt spid="3">
+                                            <p:txEl>
+                                              <p:pRg st="0" end="0"/>
+                                            </p:txEl>
+                                          </p:spTgt>
+                                        </p:tgtEl>
+                                        <p:attrNameLst>
+                                          <p:attrName>style.visibility</p:attrName>
+                                        </p:attrNameLst>
+                                      </p:cBhvr>
+                                      <p:to>
+                                        <p:strVal val="visible"/>
+                                      </p:to>
+                                    </p:set>
+                                  </p:childTnLst>
+                                </p:cTn>
+                              </p:par>
+                            </p:childTnLst>
+                          </p:cTn>
+                        </p:par>
+                      </p:childTnLst>
+                    </p:cTn>
+                  </p:par>
+                  <p:par>
+                    <p:cTn id="7" fill="hold">
+                      <p:stCondLst>
+                        <p:cond delay="indefinite"/>
+                      </p:stCondLst>
+                      <p:childTnLst>
+                        <p:par>
+                          <p:cTn id="8" fill="hold">
+                            <p:stCondLst>
+                              <p:cond delay="0"/>
+                            </p:stCondLst>
+                            <p:childTnLst>
+                              <p:par>
+                                <p:cTn id="9" presetID="1" presetClass="entr" presetSubtype="0" fill="hold" nodeType="clickEffect">
+                                  <p:stCondLst>
+                                    <p:cond delay="0"/>
+                                  </p:stCondLst>
+                                  <p:childTnLst>
+                                    <p:set>
+                                      <p:cBhvr>
+                                        <p:cTn id="10" dur="1" fill="hold">
                                           <p:stCondLst>
                                             <p:cond delay="0"/>
                                           </p:stCondLst>
@@ -17710,20 +21857,20 @@
                                 </p:cTn>
                               </p:par>
                               <p:par>
-                                <p:cTn id="7" presetID="1" presetClass="entr" presetSubtype="0" fill="hold" nodeType="withEffect">
+                                <p:cTn id="11" presetID="1" presetClass="entr" presetSubtype="0" fill="hold" grpId="0" nodeType="withEffect">
                                   <p:stCondLst>
                                     <p:cond delay="0"/>
                                   </p:stCondLst>
                                   <p:childTnLst>
                                     <p:set>
                                       <p:cBhvr>
-                                        <p:cTn id="8" dur="1" fill="hold">
+                                        <p:cTn id="12" dur="1" fill="hold">
                                           <p:stCondLst>
                                             <p:cond delay="0"/>
                                           </p:stCondLst>
                                         </p:cTn>
                                         <p:tgtEl>
-                                          <p:spTgt spid="18"/>
+                                          <p:spTgt spid="16"/>
                                         </p:tgtEl>
                                         <p:attrNameLst>
                                           <p:attrName>style.visibility</p:attrName>
@@ -17737,20 +21884,20 @@
                                 </p:cTn>
                               </p:par>
                               <p:par>
-                                <p:cTn id="9" presetID="1" presetClass="entr" presetSubtype="0" fill="hold" grpId="0" nodeType="withEffect">
+                                <p:cTn id="13" presetID="1" presetClass="entr" presetSubtype="0" fill="hold" nodeType="withEffect">
                                   <p:stCondLst>
                                     <p:cond delay="0"/>
                                   </p:stCondLst>
                                   <p:childTnLst>
                                     <p:set>
                                       <p:cBhvr>
-                                        <p:cTn id="10" dur="1" fill="hold">
+                                        <p:cTn id="14" dur="1" fill="hold">
                                           <p:stCondLst>
                                             <p:cond delay="0"/>
                                           </p:stCondLst>
                                         </p:cTn>
                                         <p:tgtEl>
-                                          <p:spTgt spid="16"/>
+                                          <p:spTgt spid="18"/>
                                         </p:tgtEl>
                                         <p:attrNameLst>
                                           <p:attrName>style.visibility</p:attrName>
@@ -17770,73 +21917,19 @@
                     </p:cTn>
                   </p:par>
                   <p:par>
-                    <p:cTn id="11" fill="hold">
+                    <p:cTn id="15" fill="hold">
                       <p:stCondLst>
                         <p:cond delay="indefinite"/>
                       </p:stCondLst>
                       <p:childTnLst>
                         <p:par>
-                          <p:cTn id="12" fill="hold">
+                          <p:cTn id="16" fill="hold">
                             <p:stCondLst>
                               <p:cond delay="0"/>
                             </p:stCondLst>
                             <p:childTnLst>
                               <p:par>
-                                <p:cTn id="13" presetID="1" presetClass="entr" presetSubtype="0" fill="hold" nodeType="clickEffect">
-                                  <p:stCondLst>
-                                    <p:cond delay="0"/>
-                                  </p:stCondLst>
-                                  <p:childTnLst>
-                                    <p:set>
-                                      <p:cBhvr>
-                                        <p:cTn id="14" dur="1" fill="hold">
-                                          <p:stCondLst>
-                                            <p:cond delay="0"/>
-                                          </p:stCondLst>
-                                        </p:cTn>
-                                        <p:tgtEl>
-                                          <p:spTgt spid="13"/>
-                                        </p:tgtEl>
-                                        <p:attrNameLst>
-                                          <p:attrName>style.visibility</p:attrName>
-                                        </p:attrNameLst>
-                                      </p:cBhvr>
-                                      <p:to>
-                                        <p:strVal val="visible"/>
-                                      </p:to>
-                                    </p:set>
-                                  </p:childTnLst>
-                                </p:cTn>
-                              </p:par>
-                              <p:par>
-                                <p:cTn id="15" presetID="1" presetClass="entr" presetSubtype="0" fill="hold" nodeType="withEffect">
-                                  <p:stCondLst>
-                                    <p:cond delay="0"/>
-                                  </p:stCondLst>
-                                  <p:childTnLst>
-                                    <p:set>
-                                      <p:cBhvr>
-                                        <p:cTn id="16" dur="1" fill="hold">
-                                          <p:stCondLst>
-                                            <p:cond delay="0"/>
-                                          </p:stCondLst>
-                                        </p:cTn>
-                                        <p:tgtEl>
-                                          <p:spTgt spid="11"/>
-                                        </p:tgtEl>
-                                        <p:attrNameLst>
-                                          <p:attrName>style.visibility</p:attrName>
-                                        </p:attrNameLst>
-                                      </p:cBhvr>
-                                      <p:to>
-                                        <p:strVal val="visible"/>
-                                      </p:to>
-                                    </p:set>
-                                  </p:childTnLst>
-                                </p:cTn>
-                              </p:par>
-                              <p:par>
-                                <p:cTn id="17" presetID="1" presetClass="entr" presetSubtype="0" fill="hold" nodeType="withEffect">
+                                <p:cTn id="17" presetID="1" presetClass="entr" presetSubtype="0" fill="hold" grpId="0" nodeType="clickEffect">
                                   <p:stCondLst>
                                     <p:cond delay="0"/>
                                   </p:stCondLst>
@@ -17849,7 +21942,11 @@
                                           </p:stCondLst>
                                         </p:cTn>
                                         <p:tgtEl>
-                                          <p:spTgt spid="14"/>
+                                          <p:spTgt spid="5">
+                                            <p:txEl>
+                                              <p:pRg st="0" end="0"/>
+                                            </p:txEl>
+                                          </p:spTgt>
                                         </p:tgtEl>
                                         <p:attrNameLst>
                                           <p:attrName>style.visibility</p:attrName>
@@ -17889,21 +21986,120 @@
                                   </p:childTnLst>
                                 </p:cTn>
                               </p:par>
+                            </p:childTnLst>
+                          </p:cTn>
+                        </p:par>
+                      </p:childTnLst>
+                    </p:cTn>
+                  </p:par>
+                  <p:par>
+                    <p:cTn id="21" fill="hold">
+                      <p:stCondLst>
+                        <p:cond delay="indefinite"/>
+                      </p:stCondLst>
+                      <p:childTnLst>
+                        <p:par>
+                          <p:cTn id="22" fill="hold">
+                            <p:stCondLst>
+                              <p:cond delay="0"/>
+                            </p:stCondLst>
+                            <p:childTnLst>
                               <p:par>
-                                <p:cTn id="21" presetID="1" presetClass="entr" presetSubtype="0" fill="hold" grpId="0" nodeType="withEffect">
+                                <p:cTn id="23" presetID="1" presetClass="entr" presetSubtype="0" fill="hold" grpId="0" nodeType="clickEffect">
                                   <p:stCondLst>
                                     <p:cond delay="0"/>
                                   </p:stCondLst>
                                   <p:childTnLst>
                                     <p:set>
                                       <p:cBhvr>
-                                        <p:cTn id="22" dur="1" fill="hold">
+                                        <p:cTn id="24" dur="1" fill="hold">
                                           <p:stCondLst>
                                             <p:cond delay="0"/>
                                           </p:stCondLst>
                                         </p:cTn>
                                         <p:tgtEl>
                                           <p:spTgt spid="9"/>
+                                        </p:tgtEl>
+                                        <p:attrNameLst>
+                                          <p:attrName>style.visibility</p:attrName>
+                                        </p:attrNameLst>
+                                      </p:cBhvr>
+                                      <p:to>
+                                        <p:strVal val="visible"/>
+                                      </p:to>
+                                    </p:set>
+                                  </p:childTnLst>
+                                </p:cTn>
+                              </p:par>
+                              <p:par>
+                                <p:cTn id="25" presetID="1" presetClass="entr" presetSubtype="0" fill="hold" nodeType="withEffect">
+                                  <p:stCondLst>
+                                    <p:cond delay="0"/>
+                                  </p:stCondLst>
+                                  <p:childTnLst>
+                                    <p:set>
+                                      <p:cBhvr>
+                                        <p:cTn id="26" dur="1" fill="hold">
+                                          <p:stCondLst>
+                                            <p:cond delay="0"/>
+                                          </p:stCondLst>
+                                        </p:cTn>
+                                        <p:tgtEl>
+                                          <p:spTgt spid="13"/>
+                                        </p:tgtEl>
+                                        <p:attrNameLst>
+                                          <p:attrName>style.visibility</p:attrName>
+                                        </p:attrNameLst>
+                                      </p:cBhvr>
+                                      <p:to>
+                                        <p:strVal val="visible"/>
+                                      </p:to>
+                                    </p:set>
+                                  </p:childTnLst>
+                                </p:cTn>
+                              </p:par>
+                              <p:par>
+                                <p:cTn id="27" presetID="1" presetClass="entr" presetSubtype="0" fill="hold" nodeType="withEffect">
+                                  <p:stCondLst>
+                                    <p:cond delay="0"/>
+                                  </p:stCondLst>
+                                  <p:childTnLst>
+                                    <p:set>
+                                      <p:cBhvr>
+                                        <p:cTn id="28" dur="1" fill="hold">
+                                          <p:stCondLst>
+                                            <p:cond delay="0"/>
+                                          </p:stCondLst>
+                                        </p:cTn>
+                                        <p:tgtEl>
+                                          <p:spTgt spid="11"/>
+                                        </p:tgtEl>
+                                        <p:attrNameLst>
+                                          <p:attrName>style.visibility</p:attrName>
+                                        </p:attrNameLst>
+                                      </p:cBhvr>
+                                      <p:to>
+                                        <p:strVal val="visible"/>
+                                      </p:to>
+                                    </p:set>
+                                  </p:childTnLst>
+                                </p:cTn>
+                              </p:par>
+                              <p:par>
+                                <p:cTn id="29" presetID="1" presetClass="entr" presetSubtype="0" fill="hold" nodeType="withEffect">
+                                  <p:stCondLst>
+                                    <p:cond delay="0"/>
+                                  </p:stCondLst>
+                                  <p:childTnLst>
+                                    <p:set>
+                                      <p:cBhvr>
+                                        <p:cTn id="30" dur="1" fill="hold">
+                                          <p:stCondLst>
+                                            <p:cond delay="0"/>
+                                          </p:stCondLst>
+                                        </p:cTn>
+                                        <p:tgtEl>
+                                          <p:spTgt spid="14"/>
                                         </p:tgtEl>
                                         <p:attrNameLst>
                                           <p:attrName>style.visibility</p:attrName>
@@ -17944,6 +22140,8 @@
       </p:par>
     </p:tnLst>
     <p:bldLst>
+      <p:bldP spid="3" grpId="0" build="p"/>
+      <p:bldP spid="5" grpId="0" build="p"/>
       <p:bldP spid="9" grpId="0"/>
       <p:bldP spid="16" grpId="0"/>
     </p:bldLst>
@@ -18347,7 +22545,7 @@
                             </p:stCondLst>
                             <p:childTnLst>
                               <p:par>
-                                <p:cTn id="5" presetID="1" presetClass="entr" presetSubtype="0" fill="hold" nodeType="clickEffect">
+                                <p:cTn id="5" presetID="1" presetClass="entr" presetSubtype="0" fill="hold" grpId="0" nodeType="clickEffect">
                                   <p:stCondLst>
                                     <p:cond delay="0"/>
                                   </p:stCondLst>
@@ -18360,7 +22558,7 @@
                                           </p:stCondLst>
                                         </p:cTn>
                                         <p:tgtEl>
-                                          <p:spTgt spid="17"/>
+                                          <p:spTgt spid="8"/>
                                         </p:tgtEl>
                                         <p:attrNameLst>
                                           <p:attrName>style.visibility</p:attrName>
@@ -18392,7 +22590,7 @@
                             </p:stCondLst>
                             <p:childTnLst>
                               <p:par>
-                                <p:cTn id="9" presetID="1" presetClass="entr" presetSubtype="0" fill="hold" nodeType="clickEffect">
+                                <p:cTn id="9" presetID="1" presetClass="entr" presetSubtype="0" fill="hold" grpId="0" nodeType="clickEffect">
                                   <p:stCondLst>
                                     <p:cond delay="0"/>
                                   </p:stCondLst>
@@ -18400,6 +22598,127 @@
                                     <p:set>
                                       <p:cBhvr>
                                         <p:cTn id="10" dur="1" fill="hold">
+                                          <p:stCondLst>
+                                            <p:cond delay="0"/>
+                                          </p:stCondLst>
+                                        </p:cTn>
+                                        <p:tgtEl>
+                                          <p:spTgt spid="9"/>
+                                        </p:tgtEl>
+                                        <p:attrNameLst>
+                                          <p:attrName>style.visibility</p:attrName>
+                                        </p:attrNameLst>
+                                      </p:cBhvr>
+                                      <p:to>
+                                        <p:strVal val="visible"/>
+                                      </p:to>
+                                    </p:set>
+                                  </p:childTnLst>
+                                </p:cTn>
+                              </p:par>
+                              <p:par>
+                                <p:cTn id="11" presetID="1" presetClass="entr" presetSubtype="0" fill="hold" grpId="0" nodeType="withEffect">
+                                  <p:stCondLst>
+                                    <p:cond delay="0"/>
+                                  </p:stCondLst>
+                                  <p:childTnLst>
+                                    <p:set>
+                                      <p:cBhvr>
+                                        <p:cTn id="12" dur="1" fill="hold">
+                                          <p:stCondLst>
+                                            <p:cond delay="0"/>
+                                          </p:stCondLst>
+                                        </p:cTn>
+                                        <p:tgtEl>
+                                          <p:spTgt spid="5">
+                                            <p:txEl>
+                                              <p:pRg st="0" end="0"/>
+                                            </p:txEl>
+                                          </p:spTgt>
+                                        </p:tgtEl>
+                                        <p:attrNameLst>
+                                          <p:attrName>style.visibility</p:attrName>
+                                        </p:attrNameLst>
+                                      </p:cBhvr>
+                                      <p:to>
+                                        <p:strVal val="visible"/>
+                                      </p:to>
+                                    </p:set>
+                                  </p:childTnLst>
+                                </p:cTn>
+                              </p:par>
+                            </p:childTnLst>
+                          </p:cTn>
+                        </p:par>
+                      </p:childTnLst>
+                    </p:cTn>
+                  </p:par>
+                  <p:par>
+                    <p:cTn id="13" fill="hold">
+                      <p:stCondLst>
+                        <p:cond delay="indefinite"/>
+                      </p:stCondLst>
+                      <p:childTnLst>
+                        <p:par>
+                          <p:cTn id="14" fill="hold">
+                            <p:stCondLst>
+                              <p:cond delay="0"/>
+                            </p:stCondLst>
+                            <p:childTnLst>
+                              <p:par>
+                                <p:cTn id="15" presetID="1" presetClass="entr" presetSubtype="0" fill="hold" nodeType="clickEffect">
+                                  <p:stCondLst>
+                                    <p:cond delay="0"/>
+                                  </p:stCondLst>
+                                  <p:childTnLst>
+                                    <p:set>
+                                      <p:cBhvr>
+                                        <p:cTn id="16" dur="1" fill="hold">
+                                          <p:stCondLst>
+                                            <p:cond delay="0"/>
+                                          </p:stCondLst>
+                                        </p:cTn>
+                                        <p:tgtEl>
+                                          <p:spTgt spid="17"/>
+                                        </p:tgtEl>
+                                        <p:attrNameLst>
+                                          <p:attrName>style.visibility</p:attrName>
+                                        </p:attrNameLst>
+                                      </p:cBhvr>
+                                      <p:to>
+                                        <p:strVal val="visible"/>
+                                      </p:to>
+                                    </p:set>
+                                  </p:childTnLst>
+                                </p:cTn>
+                              </p:par>
+                            </p:childTnLst>
+                          </p:cTn>
+                        </p:par>
+                      </p:childTnLst>
+                    </p:cTn>
+                  </p:par>
+                  <p:par>
+                    <p:cTn id="17" fill="hold">
+                      <p:stCondLst>
+                        <p:cond delay="indefinite"/>
+                      </p:stCondLst>
+                      <p:childTnLst>
+                        <p:par>
+                          <p:cTn id="18" fill="hold">
+                            <p:stCondLst>
+                              <p:cond delay="0"/>
+                            </p:stCondLst>
+                            <p:childTnLst>
+                              <p:par>
+                                <p:cTn id="19" presetID="1" presetClass="entr" presetSubtype="0" fill="hold" nodeType="clickEffect">
+                                  <p:stCondLst>
+                                    <p:cond delay="0"/>
+                                  </p:stCondLst>
+                                  <p:childTnLst>
+                                    <p:set>
+                                      <p:cBhvr>
+                                        <p:cTn id="20" dur="1" fill="hold">
                                           <p:stCondLst>
                                             <p:cond delay="0"/>
                                           </p:stCondLst>
@@ -18425,26 +22744,26 @@
                     </p:cTn>
                   </p:par>
                   <p:par>
-                    <p:cTn id="11" fill="hold">
+                    <p:cTn id="21" fill="hold">
                       <p:stCondLst>
                         <p:cond delay="indefinite"/>
                       </p:stCondLst>
                       <p:childTnLst>
                         <p:par>
-                          <p:cTn id="12" fill="hold">
+                          <p:cTn id="22" fill="hold">
                             <p:stCondLst>
                               <p:cond delay="0"/>
                             </p:stCondLst>
                             <p:childTnLst>
                               <p:par>
-                                <p:cTn id="13" presetID="1" presetClass="entr" presetSubtype="0" fill="hold" nodeType="clickEffect">
+                                <p:cTn id="23" presetID="1" presetClass="entr" presetSubtype="0" fill="hold" nodeType="clickEffect">
                                   <p:stCondLst>
                                     <p:cond delay="0"/>
                                   </p:stCondLst>
                                   <p:childTnLst>
                                     <p:set>
                                       <p:cBhvr>
-                                        <p:cTn id="14" dur="1" fill="hold">
+                                        <p:cTn id="24" dur="1" fill="hold">
                                           <p:stCondLst>
                                             <p:cond delay="0"/>
                                           </p:stCondLst>
@@ -18490,6 +22809,13 @@
         </p:cTn>
       </p:par>
     </p:tnLst>
+    <p:bldLst>
+      <p:bldP spid="5" grpId="0" build="p"/>
+      <p:bldGraphic spid="8" grpId="0">
+        <p:bldAsOne/>
+      </p:bldGraphic>
+      <p:bldP spid="9" grpId="0" animBg="1"/>
+    </p:bldLst>
   </p:timing>
 </p:sld>
 </file>
